--- a/Aulas/Aula01InstalaçãoPython/Instação_do_python.pptx
+++ b/Aulas/Aula01InstalaçãoPython/Instação_do_python.pptx
@@ -5,7 +5,7 @@
     <p:sldMasterId id="2147483750" r:id="rId1"/>
   </p:sldMasterIdLst>
   <p:notesMasterIdLst>
-    <p:notesMasterId r:id="rId19"/>
+    <p:notesMasterId r:id="rId21"/>
   </p:notesMasterIdLst>
   <p:sldIdLst>
     <p:sldId id="258" r:id="rId2"/>
@@ -25,6 +25,8 @@
     <p:sldId id="271" r:id="rId16"/>
     <p:sldId id="272" r:id="rId17"/>
     <p:sldId id="273" r:id="rId18"/>
+    <p:sldId id="275" r:id="rId19"/>
+    <p:sldId id="276" r:id="rId20"/>
   </p:sldIdLst>
   <p:sldSz cx="12192000" cy="6858000"/>
   <p:notesSz cx="6858000" cy="9144000"/>
@@ -131,6 +133,214 @@
 </p:presentation>
 </file>
 
+<file path=ppt/revisionInfo.xml><?xml version="1.0" encoding="utf-8"?>
+<p1510:revInfo xmlns:a="http://schemas.openxmlformats.org/drawingml/2006/main" xmlns:r="http://schemas.openxmlformats.org/officeDocument/2006/relationships" xmlns:p1510="http://schemas.microsoft.com/office/powerpoint/2015/10/main">
+  <p1510:revLst>
+    <p1510:client id="{59162EC3-C941-4DB3-9191-A4EC3752D248}" v="1" dt="2023-07-22T22:27:03.512"/>
+  </p1510:revLst>
+</p1510:revInfo>
+</file>
+
+<file path=ppt/changesInfos/changesInfo1.xml><?xml version="1.0" encoding="utf-8"?>
+<pc:chgInfo xmlns:a="http://schemas.openxmlformats.org/drawingml/2006/main" xmlns:r="http://schemas.openxmlformats.org/officeDocument/2006/relationships" xmlns:ac="http://schemas.microsoft.com/office/drawing/2013/main/command" xmlns:pc="http://schemas.microsoft.com/office/powerpoint/2013/main/command">
+  <pc:docChgLst>
+    <pc:chgData name="Gabriel Cavalcanti" userId="89c7e4be0f76d59e" providerId="LiveId" clId="{59162EC3-C941-4DB3-9191-A4EC3752D248}"/>
+    <pc:docChg chg="undo custSel addSld delSld modSld sldOrd">
+      <pc:chgData name="Gabriel Cavalcanti" userId="89c7e4be0f76d59e" providerId="LiveId" clId="{59162EC3-C941-4DB3-9191-A4EC3752D248}" dt="2023-07-22T22:27:29.584" v="762" actId="2696"/>
+      <pc:docMkLst>
+        <pc:docMk/>
+      </pc:docMkLst>
+      <pc:sldChg chg="modSp mod">
+        <pc:chgData name="Gabriel Cavalcanti" userId="89c7e4be0f76d59e" providerId="LiveId" clId="{59162EC3-C941-4DB3-9191-A4EC3752D248}" dt="2023-07-22T21:50:12.311" v="80" actId="20577"/>
+        <pc:sldMkLst>
+          <pc:docMk/>
+          <pc:sldMk cId="1777687221" sldId="256"/>
+        </pc:sldMkLst>
+        <pc:spChg chg="mod">
+          <ac:chgData name="Gabriel Cavalcanti" userId="89c7e4be0f76d59e" providerId="LiveId" clId="{59162EC3-C941-4DB3-9191-A4EC3752D248}" dt="2023-07-22T21:50:12.311" v="80" actId="20577"/>
+          <ac:spMkLst>
+            <pc:docMk/>
+            <pc:sldMk cId="1777687221" sldId="256"/>
+            <ac:spMk id="3" creationId="{A7E4E65D-9EAC-4AE2-9AC8-C78F74B11F4D}"/>
+          </ac:spMkLst>
+        </pc:spChg>
+      </pc:sldChg>
+      <pc:sldChg chg="modSp mod">
+        <pc:chgData name="Gabriel Cavalcanti" userId="89c7e4be0f76d59e" providerId="LiveId" clId="{59162EC3-C941-4DB3-9191-A4EC3752D248}" dt="2023-07-22T21:49:23.271" v="44" actId="20577"/>
+        <pc:sldMkLst>
+          <pc:docMk/>
+          <pc:sldMk cId="1984657687" sldId="260"/>
+        </pc:sldMkLst>
+        <pc:spChg chg="mod">
+          <ac:chgData name="Gabriel Cavalcanti" userId="89c7e4be0f76d59e" providerId="LiveId" clId="{59162EC3-C941-4DB3-9191-A4EC3752D248}" dt="2023-07-22T21:49:23.271" v="44" actId="20577"/>
+          <ac:spMkLst>
+            <pc:docMk/>
+            <pc:sldMk cId="1984657687" sldId="260"/>
+            <ac:spMk id="5" creationId="{2EFA0BE1-25C7-4433-AF45-CE2866382283}"/>
+          </ac:spMkLst>
+        </pc:spChg>
+      </pc:sldChg>
+      <pc:sldChg chg="add del">
+        <pc:chgData name="Gabriel Cavalcanti" userId="89c7e4be0f76d59e" providerId="LiveId" clId="{59162EC3-C941-4DB3-9191-A4EC3752D248}" dt="2023-07-22T21:50:35.463" v="85" actId="2696"/>
+        <pc:sldMkLst>
+          <pc:docMk/>
+          <pc:sldMk cId="2629412662" sldId="274"/>
+        </pc:sldMkLst>
+      </pc:sldChg>
+      <pc:sldChg chg="addSp delSp modSp add mod ord">
+        <pc:chgData name="Gabriel Cavalcanti" userId="89c7e4be0f76d59e" providerId="LiveId" clId="{59162EC3-C941-4DB3-9191-A4EC3752D248}" dt="2023-07-22T22:00:21.191" v="539" actId="1076"/>
+        <pc:sldMkLst>
+          <pc:docMk/>
+          <pc:sldMk cId="2742566551" sldId="275"/>
+        </pc:sldMkLst>
+        <pc:spChg chg="mod">
+          <ac:chgData name="Gabriel Cavalcanti" userId="89c7e4be0f76d59e" providerId="LiveId" clId="{59162EC3-C941-4DB3-9191-A4EC3752D248}" dt="2023-07-22T21:50:47.591" v="112" actId="20577"/>
+          <ac:spMkLst>
+            <pc:docMk/>
+            <pc:sldMk cId="2742566551" sldId="275"/>
+            <ac:spMk id="2" creationId="{1B8D8F9E-DAE0-4F5A-8D1F-5ADED9E681E7}"/>
+          </ac:spMkLst>
+        </pc:spChg>
+        <pc:spChg chg="mod">
+          <ac:chgData name="Gabriel Cavalcanti" userId="89c7e4be0f76d59e" providerId="LiveId" clId="{59162EC3-C941-4DB3-9191-A4EC3752D248}" dt="2023-07-22T21:52:34.490" v="437" actId="20577"/>
+          <ac:spMkLst>
+            <pc:docMk/>
+            <pc:sldMk cId="2742566551" sldId="275"/>
+            <ac:spMk id="3" creationId="{CB01744B-6F29-473E-8AD7-9641113914C7}"/>
+          </ac:spMkLst>
+        </pc:spChg>
+        <pc:spChg chg="mod">
+          <ac:chgData name="Gabriel Cavalcanti" userId="89c7e4be0f76d59e" providerId="LiveId" clId="{59162EC3-C941-4DB3-9191-A4EC3752D248}" dt="2023-07-22T21:55:02.047" v="522" actId="20577"/>
+          <ac:spMkLst>
+            <pc:docMk/>
+            <pc:sldMk cId="2742566551" sldId="275"/>
+            <ac:spMk id="4" creationId="{7EC3503A-1202-4A40-A5E7-6D30965C12D3}"/>
+          </ac:spMkLst>
+        </pc:spChg>
+        <pc:spChg chg="del mod">
+          <ac:chgData name="Gabriel Cavalcanti" userId="89c7e4be0f76d59e" providerId="LiveId" clId="{59162EC3-C941-4DB3-9191-A4EC3752D248}" dt="2023-07-22T21:59:53.466" v="534" actId="21"/>
+          <ac:spMkLst>
+            <pc:docMk/>
+            <pc:sldMk cId="2742566551" sldId="275"/>
+            <ac:spMk id="5" creationId="{42F381A2-A4EF-49EA-BF2B-9A33724698B7}"/>
+          </ac:spMkLst>
+        </pc:spChg>
+        <pc:spChg chg="add mod">
+          <ac:chgData name="Gabriel Cavalcanti" userId="89c7e4be0f76d59e" providerId="LiveId" clId="{59162EC3-C941-4DB3-9191-A4EC3752D248}" dt="2023-07-22T22:00:21.191" v="539" actId="1076"/>
+          <ac:spMkLst>
+            <pc:docMk/>
+            <pc:sldMk cId="2742566551" sldId="275"/>
+            <ac:spMk id="11" creationId="{807B198D-9AA6-F978-3045-8D0D735079AA}"/>
+          </ac:spMkLst>
+        </pc:spChg>
+        <pc:picChg chg="del">
+          <ac:chgData name="Gabriel Cavalcanti" userId="89c7e4be0f76d59e" providerId="LiveId" clId="{59162EC3-C941-4DB3-9191-A4EC3752D248}" dt="2023-07-22T21:52:37.062" v="438" actId="478"/>
+          <ac:picMkLst>
+            <pc:docMk/>
+            <pc:sldMk cId="2742566551" sldId="275"/>
+            <ac:picMk id="6" creationId="{176DB7D3-9F53-457F-A2AD-ED8D209AAA91}"/>
+          </ac:picMkLst>
+        </pc:picChg>
+        <pc:picChg chg="add del mod">
+          <ac:chgData name="Gabriel Cavalcanti" userId="89c7e4be0f76d59e" providerId="LiveId" clId="{59162EC3-C941-4DB3-9191-A4EC3752D248}" dt="2023-07-22T21:58:51.741" v="526" actId="478"/>
+          <ac:picMkLst>
+            <pc:docMk/>
+            <pc:sldMk cId="2742566551" sldId="275"/>
+            <ac:picMk id="8" creationId="{4E831BB3-01AA-AAFC-33F6-879B1084DBD1}"/>
+          </ac:picMkLst>
+        </pc:picChg>
+        <pc:picChg chg="add mod">
+          <ac:chgData name="Gabriel Cavalcanti" userId="89c7e4be0f76d59e" providerId="LiveId" clId="{59162EC3-C941-4DB3-9191-A4EC3752D248}" dt="2023-07-22T21:59:50.856" v="533" actId="1076"/>
+          <ac:picMkLst>
+            <pc:docMk/>
+            <pc:sldMk cId="2742566551" sldId="275"/>
+            <ac:picMk id="10" creationId="{7D189D14-7195-ACDC-2393-8D0175484CB5}"/>
+          </ac:picMkLst>
+        </pc:picChg>
+      </pc:sldChg>
+      <pc:sldChg chg="addSp delSp modSp add mod">
+        <pc:chgData name="Gabriel Cavalcanti" userId="89c7e4be0f76d59e" providerId="LiveId" clId="{59162EC3-C941-4DB3-9191-A4EC3752D248}" dt="2023-07-22T22:27:23.856" v="761" actId="14100"/>
+        <pc:sldMkLst>
+          <pc:docMk/>
+          <pc:sldMk cId="3450017917" sldId="276"/>
+        </pc:sldMkLst>
+        <pc:spChg chg="del">
+          <ac:chgData name="Gabriel Cavalcanti" userId="89c7e4be0f76d59e" providerId="LiveId" clId="{59162EC3-C941-4DB3-9191-A4EC3752D248}" dt="2023-07-22T22:02:45.940" v="541" actId="21"/>
+          <ac:spMkLst>
+            <pc:docMk/>
+            <pc:sldMk cId="3450017917" sldId="276"/>
+            <ac:spMk id="3" creationId="{CB01744B-6F29-473E-8AD7-9641113914C7}"/>
+          </ac:spMkLst>
+        </pc:spChg>
+        <pc:spChg chg="mod">
+          <ac:chgData name="Gabriel Cavalcanti" userId="89c7e4be0f76d59e" providerId="LiveId" clId="{59162EC3-C941-4DB3-9191-A4EC3752D248}" dt="2023-07-22T22:27:08.172" v="759" actId="1076"/>
+          <ac:spMkLst>
+            <pc:docMk/>
+            <pc:sldMk cId="3450017917" sldId="276"/>
+            <ac:spMk id="4" creationId="{7EC3503A-1202-4A40-A5E7-6D30965C12D3}"/>
+          </ac:spMkLst>
+        </pc:spChg>
+        <pc:spChg chg="add mod">
+          <ac:chgData name="Gabriel Cavalcanti" userId="89c7e4be0f76d59e" providerId="LiveId" clId="{59162EC3-C941-4DB3-9191-A4EC3752D248}" dt="2023-07-22T22:27:23.856" v="761" actId="14100"/>
+          <ac:spMkLst>
+            <pc:docMk/>
+            <pc:sldMk cId="3450017917" sldId="276"/>
+            <ac:spMk id="7" creationId="{1C51F85C-4BCA-0B4C-ECC2-95D9CBFD628F}"/>
+          </ac:spMkLst>
+        </pc:spChg>
+        <pc:spChg chg="del">
+          <ac:chgData name="Gabriel Cavalcanti" userId="89c7e4be0f76d59e" providerId="LiveId" clId="{59162EC3-C941-4DB3-9191-A4EC3752D248}" dt="2023-07-22T22:04:24.090" v="639" actId="478"/>
+          <ac:spMkLst>
+            <pc:docMk/>
+            <pc:sldMk cId="3450017917" sldId="276"/>
+            <ac:spMk id="11" creationId="{807B198D-9AA6-F978-3045-8D0D735079AA}"/>
+          </ac:spMkLst>
+        </pc:spChg>
+        <pc:picChg chg="add mod">
+          <ac:chgData name="Gabriel Cavalcanti" userId="89c7e4be0f76d59e" providerId="LiveId" clId="{59162EC3-C941-4DB3-9191-A4EC3752D248}" dt="2023-07-22T22:04:39.451" v="665" actId="1076"/>
+          <ac:picMkLst>
+            <pc:docMk/>
+            <pc:sldMk cId="3450017917" sldId="276"/>
+            <ac:picMk id="6" creationId="{8A97FA7E-16E9-7D73-FDF1-B39FAC10BF0E}"/>
+          </ac:picMkLst>
+        </pc:picChg>
+        <pc:picChg chg="del">
+          <ac:chgData name="Gabriel Cavalcanti" userId="89c7e4be0f76d59e" providerId="LiveId" clId="{59162EC3-C941-4DB3-9191-A4EC3752D248}" dt="2023-07-22T22:04:19.310" v="637" actId="478"/>
+          <ac:picMkLst>
+            <pc:docMk/>
+            <pc:sldMk cId="3450017917" sldId="276"/>
+            <ac:picMk id="10" creationId="{7D189D14-7195-ACDC-2393-8D0175484CB5}"/>
+          </ac:picMkLst>
+        </pc:picChg>
+      </pc:sldChg>
+      <pc:sldChg chg="delSp modSp add del mod">
+        <pc:chgData name="Gabriel Cavalcanti" userId="89c7e4be0f76d59e" providerId="LiveId" clId="{59162EC3-C941-4DB3-9191-A4EC3752D248}" dt="2023-07-22T22:27:29.584" v="762" actId="2696"/>
+        <pc:sldMkLst>
+          <pc:docMk/>
+          <pc:sldMk cId="934273706" sldId="277"/>
+        </pc:sldMkLst>
+        <pc:spChg chg="mod">
+          <ac:chgData name="Gabriel Cavalcanti" userId="89c7e4be0f76d59e" providerId="LiveId" clId="{59162EC3-C941-4DB3-9191-A4EC3752D248}" dt="2023-07-22T22:26:50.327" v="757" actId="20577"/>
+          <ac:spMkLst>
+            <pc:docMk/>
+            <pc:sldMk cId="934273706" sldId="277"/>
+            <ac:spMk id="4" creationId="{7EC3503A-1202-4A40-A5E7-6D30965C12D3}"/>
+          </ac:spMkLst>
+        </pc:spChg>
+        <pc:picChg chg="del">
+          <ac:chgData name="Gabriel Cavalcanti" userId="89c7e4be0f76d59e" providerId="LiveId" clId="{59162EC3-C941-4DB3-9191-A4EC3752D248}" dt="2023-07-22T22:26:29.189" v="712" actId="478"/>
+          <ac:picMkLst>
+            <pc:docMk/>
+            <pc:sldMk cId="934273706" sldId="277"/>
+            <ac:picMk id="6" creationId="{8A97FA7E-16E9-7D73-FDF1-B39FAC10BF0E}"/>
+          </ac:picMkLst>
+        </pc:picChg>
+      </pc:sldChg>
+    </pc:docChg>
+  </pc:docChgLst>
+</pc:chgInfo>
+</file>
+
 <file path=ppt/notesMasters/notesMaster1.xml><?xml version="1.0" encoding="utf-8"?>
 <p:notesMaster xmlns:a="http://schemas.openxmlformats.org/drawingml/2006/main" xmlns:r="http://schemas.openxmlformats.org/officeDocument/2006/relationships" xmlns:p="http://schemas.openxmlformats.org/presentationml/2006/main">
   <p:cSld>
@@ -213,7 +423,7 @@
           <a:p>
             <a:fld id="{2C739DA3-05BE-4DDB-9CC7-2211472E425C}" type="datetimeFigureOut">
               <a:rPr lang="pt-BR" smtClean="0"/>
-              <a:t>29/04/2020</a:t>
+              <a:t>22/07/2023</a:t>
             </a:fld>
             <a:endParaRPr lang="pt-BR"/>
           </a:p>
@@ -371,7 +581,7 @@
           <a:p>
             <a:fld id="{444356F9-81D2-4AA3-A0DE-A9A48FA7E83C}" type="slidenum">
               <a:rPr lang="pt-BR" smtClean="0"/>
-              <a:t>‹nº›</a:t>
+              <a:t>‹#›</a:t>
             </a:fld>
             <a:endParaRPr lang="pt-BR"/>
           </a:p>
@@ -530,7 +740,7 @@
           <a:noFill/>
           <a:extLst>
             <a:ext uri="{909E8E84-426E-40dd-AFC4-6F175D3DCCD1}">
-              <a14:hiddenFill xmlns="" xmlns:a14="http://schemas.microsoft.com/office/drawing/2010/main">
+              <a14:hiddenFill xmlns:a14="http://schemas.microsoft.com/office/drawing/2010/main" xmlns="">
                 <a:solidFill>
                   <a:srgbClr val="FFFFFF"/>
                 </a:solidFill>
@@ -590,7 +800,7 @@
             </a:ln>
             <a:extLst>
               <a:ext uri="{91240B29-F687-4f45-9708-019B960494DF}">
-                <a14:hiddenLine xmlns="" xmlns:a14="http://schemas.microsoft.com/office/drawing/2010/main" w="9525">
+                <a14:hiddenLine xmlns:a14="http://schemas.microsoft.com/office/drawing/2010/main" xmlns="" w="9525">
                   <a:solidFill>
                     <a:srgbClr val="000000"/>
                   </a:solidFill>
@@ -680,7 +890,7 @@
             </a:ln>
             <a:extLst>
               <a:ext uri="{91240B29-F687-4f45-9708-019B960494DF}">
-                <a14:hiddenLine xmlns="" xmlns:a14="http://schemas.microsoft.com/office/drawing/2010/main" w="9525">
+                <a14:hiddenLine xmlns:a14="http://schemas.microsoft.com/office/drawing/2010/main" xmlns="" w="9525">
                   <a:solidFill>
                     <a:srgbClr val="000000"/>
                   </a:solidFill>
@@ -770,7 +980,7 @@
             </a:ln>
             <a:extLst>
               <a:ext uri="{91240B29-F687-4f45-9708-019B960494DF}">
-                <a14:hiddenLine xmlns="" xmlns:a14="http://schemas.microsoft.com/office/drawing/2010/main" w="9525">
+                <a14:hiddenLine xmlns:a14="http://schemas.microsoft.com/office/drawing/2010/main" xmlns="" w="9525">
                   <a:solidFill>
                     <a:srgbClr val="000000"/>
                   </a:solidFill>
@@ -804,7 +1014,7 @@
             </a:ln>
             <a:extLst>
               <a:ext uri="{91240B29-F687-4f45-9708-019B960494DF}">
-                <a14:hiddenLine xmlns="" xmlns:a14="http://schemas.microsoft.com/office/drawing/2010/main" w="9525">
+                <a14:hiddenLine xmlns:a14="http://schemas.microsoft.com/office/drawing/2010/main" xmlns="" w="9525">
                   <a:solidFill>
                     <a:srgbClr val="000000"/>
                   </a:solidFill>
@@ -894,7 +1104,7 @@
             </a:ln>
             <a:extLst>
               <a:ext uri="{91240B29-F687-4f45-9708-019B960494DF}">
-                <a14:hiddenLine xmlns="" xmlns:a14="http://schemas.microsoft.com/office/drawing/2010/main" w="9525">
+                <a14:hiddenLine xmlns:a14="http://schemas.microsoft.com/office/drawing/2010/main" xmlns="" w="9525">
                   <a:solidFill>
                     <a:srgbClr val="000000"/>
                   </a:solidFill>
@@ -956,7 +1166,7 @@
             </a:ln>
             <a:extLst>
               <a:ext uri="{91240B29-F687-4f45-9708-019B960494DF}">
-                <a14:hiddenLine xmlns="" xmlns:a14="http://schemas.microsoft.com/office/drawing/2010/main" w="9525">
+                <a14:hiddenLine xmlns:a14="http://schemas.microsoft.com/office/drawing/2010/main" xmlns="" w="9525">
                   <a:solidFill>
                     <a:srgbClr val="000000"/>
                   </a:solidFill>
@@ -1018,7 +1228,7 @@
             </a:ln>
             <a:extLst>
               <a:ext uri="{91240B29-F687-4f45-9708-019B960494DF}">
-                <a14:hiddenLine xmlns="" xmlns:a14="http://schemas.microsoft.com/office/drawing/2010/main" w="9525">
+                <a14:hiddenLine xmlns:a14="http://schemas.microsoft.com/office/drawing/2010/main" xmlns="" w="9525">
                   <a:solidFill>
                     <a:srgbClr val="000000"/>
                   </a:solidFill>
@@ -1108,7 +1318,7 @@
             </a:ln>
             <a:extLst>
               <a:ext uri="{91240B29-F687-4f45-9708-019B960494DF}">
-                <a14:hiddenLine xmlns="" xmlns:a14="http://schemas.microsoft.com/office/drawing/2010/main" w="9525">
+                <a14:hiddenLine xmlns:a14="http://schemas.microsoft.com/office/drawing/2010/main" xmlns="" w="9525">
                   <a:solidFill>
                     <a:srgbClr val="000000"/>
                   </a:solidFill>
@@ -1170,7 +1380,7 @@
             </a:ln>
             <a:extLst>
               <a:ext uri="{91240B29-F687-4f45-9708-019B960494DF}">
-                <a14:hiddenLine xmlns="" xmlns:a14="http://schemas.microsoft.com/office/drawing/2010/main" w="9525">
+                <a14:hiddenLine xmlns:a14="http://schemas.microsoft.com/office/drawing/2010/main" xmlns="" w="9525">
                   <a:solidFill>
                     <a:srgbClr val="000000"/>
                   </a:solidFill>
@@ -1232,7 +1442,7 @@
             </a:ln>
             <a:extLst>
               <a:ext uri="{91240B29-F687-4f45-9708-019B960494DF}">
-                <a14:hiddenLine xmlns="" xmlns:a14="http://schemas.microsoft.com/office/drawing/2010/main" w="9525">
+                <a14:hiddenLine xmlns:a14="http://schemas.microsoft.com/office/drawing/2010/main" xmlns="" w="9525">
                   <a:solidFill>
                     <a:srgbClr val="000000"/>
                   </a:solidFill>
@@ -1322,7 +1532,7 @@
             </a:ln>
             <a:extLst>
               <a:ext uri="{91240B29-F687-4f45-9708-019B960494DF}">
-                <a14:hiddenLine xmlns="" xmlns:a14="http://schemas.microsoft.com/office/drawing/2010/main" w="9525">
+                <a14:hiddenLine xmlns:a14="http://schemas.microsoft.com/office/drawing/2010/main" xmlns="" w="9525">
                   <a:solidFill>
                     <a:srgbClr val="000000"/>
                   </a:solidFill>
@@ -1412,7 +1622,7 @@
             </a:ln>
             <a:extLst>
               <a:ext uri="{91240B29-F687-4f45-9708-019B960494DF}">
-                <a14:hiddenLine xmlns="" xmlns:a14="http://schemas.microsoft.com/office/drawing/2010/main" w="9525">
+                <a14:hiddenLine xmlns:a14="http://schemas.microsoft.com/office/drawing/2010/main" xmlns="" w="9525">
                   <a:solidFill>
                     <a:srgbClr val="000000"/>
                   </a:solidFill>
@@ -1474,7 +1684,7 @@
             </a:ln>
             <a:extLst>
               <a:ext uri="{91240B29-F687-4f45-9708-019B960494DF}">
-                <a14:hiddenLine xmlns="" xmlns:a14="http://schemas.microsoft.com/office/drawing/2010/main" w="9525">
+                <a14:hiddenLine xmlns:a14="http://schemas.microsoft.com/office/drawing/2010/main" xmlns="" w="9525">
                   <a:solidFill>
                     <a:srgbClr val="000000"/>
                   </a:solidFill>
@@ -1584,7 +1794,7 @@
             </a:ln>
             <a:extLst>
               <a:ext uri="{91240B29-F687-4f45-9708-019B960494DF}">
-                <a14:hiddenLine xmlns="" xmlns:a14="http://schemas.microsoft.com/office/drawing/2010/main" w="9525">
+                <a14:hiddenLine xmlns:a14="http://schemas.microsoft.com/office/drawing/2010/main" xmlns="" w="9525">
                   <a:solidFill>
                     <a:srgbClr val="000000"/>
                   </a:solidFill>
@@ -1646,7 +1856,7 @@
             </a:ln>
             <a:extLst>
               <a:ext uri="{91240B29-F687-4f45-9708-019B960494DF}">
-                <a14:hiddenLine xmlns="" xmlns:a14="http://schemas.microsoft.com/office/drawing/2010/main" w="9525">
+                <a14:hiddenLine xmlns:a14="http://schemas.microsoft.com/office/drawing/2010/main" xmlns="" w="9525">
                   <a:solidFill>
                     <a:srgbClr val="000000"/>
                   </a:solidFill>
@@ -1736,7 +1946,7 @@
             </a:ln>
             <a:extLst>
               <a:ext uri="{91240B29-F687-4f45-9708-019B960494DF}">
-                <a14:hiddenLine xmlns="" xmlns:a14="http://schemas.microsoft.com/office/drawing/2010/main" w="9525">
+                <a14:hiddenLine xmlns:a14="http://schemas.microsoft.com/office/drawing/2010/main" xmlns="" w="9525">
                   <a:solidFill>
                     <a:srgbClr val="000000"/>
                   </a:solidFill>
@@ -1826,7 +2036,7 @@
             </a:ln>
             <a:extLst>
               <a:ext uri="{91240B29-F687-4f45-9708-019B960494DF}">
-                <a14:hiddenLine xmlns="" xmlns:a14="http://schemas.microsoft.com/office/drawing/2010/main" w="9525">
+                <a14:hiddenLine xmlns:a14="http://schemas.microsoft.com/office/drawing/2010/main" xmlns="" w="9525">
                   <a:solidFill>
                     <a:srgbClr val="000000"/>
                   </a:solidFill>
@@ -1888,7 +2098,7 @@
             </a:ln>
             <a:extLst>
               <a:ext uri="{91240B29-F687-4f45-9708-019B960494DF}">
-                <a14:hiddenLine xmlns="" xmlns:a14="http://schemas.microsoft.com/office/drawing/2010/main" w="9525">
+                <a14:hiddenLine xmlns:a14="http://schemas.microsoft.com/office/drawing/2010/main" xmlns="" w="9525">
                   <a:solidFill>
                     <a:srgbClr val="000000"/>
                   </a:solidFill>
@@ -1978,7 +2188,7 @@
             </a:ln>
             <a:extLst>
               <a:ext uri="{91240B29-F687-4f45-9708-019B960494DF}">
-                <a14:hiddenLine xmlns="" xmlns:a14="http://schemas.microsoft.com/office/drawing/2010/main" w="9525">
+                <a14:hiddenLine xmlns:a14="http://schemas.microsoft.com/office/drawing/2010/main" xmlns="" w="9525">
                   <a:solidFill>
                     <a:srgbClr val="000000"/>
                   </a:solidFill>
@@ -2068,7 +2278,7 @@
             </a:ln>
             <a:extLst>
               <a:ext uri="{91240B29-F687-4f45-9708-019B960494DF}">
-                <a14:hiddenLine xmlns="" xmlns:a14="http://schemas.microsoft.com/office/drawing/2010/main" w="9525">
+                <a14:hiddenLine xmlns:a14="http://schemas.microsoft.com/office/drawing/2010/main" xmlns="" w="9525">
                   <a:solidFill>
                     <a:srgbClr val="000000"/>
                   </a:solidFill>
@@ -2124,7 +2334,7 @@
             </a:ln>
             <a:extLst>
               <a:ext uri="{91240B29-F687-4f45-9708-019B960494DF}">
-                <a14:hiddenLine xmlns="" xmlns:a14="http://schemas.microsoft.com/office/drawing/2010/main" w="9525">
+                <a14:hiddenLine xmlns:a14="http://schemas.microsoft.com/office/drawing/2010/main" xmlns="" w="9525">
                   <a:solidFill>
                     <a:srgbClr val="000000"/>
                   </a:solidFill>
@@ -2214,7 +2424,7 @@
             </a:ln>
             <a:extLst>
               <a:ext uri="{91240B29-F687-4f45-9708-019B960494DF}">
-                <a14:hiddenLine xmlns="" xmlns:a14="http://schemas.microsoft.com/office/drawing/2010/main" w="9525">
+                <a14:hiddenLine xmlns:a14="http://schemas.microsoft.com/office/drawing/2010/main" xmlns="" w="9525">
                   <a:solidFill>
                     <a:srgbClr val="000000"/>
                   </a:solidFill>
@@ -2270,7 +2480,7 @@
             </a:ln>
             <a:extLst>
               <a:ext uri="{91240B29-F687-4f45-9708-019B960494DF}">
-                <a14:hiddenLine xmlns="" xmlns:a14="http://schemas.microsoft.com/office/drawing/2010/main" w="9525">
+                <a14:hiddenLine xmlns:a14="http://schemas.microsoft.com/office/drawing/2010/main" xmlns="" w="9525">
                   <a:solidFill>
                     <a:srgbClr val="000000"/>
                   </a:solidFill>
@@ -2360,7 +2570,7 @@
             </a:ln>
             <a:extLst>
               <a:ext uri="{91240B29-F687-4f45-9708-019B960494DF}">
-                <a14:hiddenLine xmlns="" xmlns:a14="http://schemas.microsoft.com/office/drawing/2010/main" w="9525">
+                <a14:hiddenLine xmlns:a14="http://schemas.microsoft.com/office/drawing/2010/main" xmlns="" w="9525">
                   <a:solidFill>
                     <a:srgbClr val="000000"/>
                   </a:solidFill>
@@ -2428,7 +2638,7 @@
             </a:ln>
             <a:extLst>
               <a:ext uri="{91240B29-F687-4f45-9708-019B960494DF}">
-                <a14:hiddenLine xmlns="" xmlns:a14="http://schemas.microsoft.com/office/drawing/2010/main" w="9525">
+                <a14:hiddenLine xmlns:a14="http://schemas.microsoft.com/office/drawing/2010/main" xmlns="" w="9525">
                   <a:solidFill>
                     <a:srgbClr val="000000"/>
                   </a:solidFill>
@@ -2518,7 +2728,7 @@
             </a:ln>
             <a:extLst>
               <a:ext uri="{91240B29-F687-4f45-9708-019B960494DF}">
-                <a14:hiddenLine xmlns="" xmlns:a14="http://schemas.microsoft.com/office/drawing/2010/main" w="9525">
+                <a14:hiddenLine xmlns:a14="http://schemas.microsoft.com/office/drawing/2010/main" xmlns="" w="9525">
                   <a:solidFill>
                     <a:srgbClr val="000000"/>
                   </a:solidFill>
@@ -2586,7 +2796,7 @@
             </a:ln>
             <a:extLst>
               <a:ext uri="{91240B29-F687-4f45-9708-019B960494DF}">
-                <a14:hiddenLine xmlns="" xmlns:a14="http://schemas.microsoft.com/office/drawing/2010/main" w="9525">
+                <a14:hiddenLine xmlns:a14="http://schemas.microsoft.com/office/drawing/2010/main" xmlns="" w="9525">
                   <a:solidFill>
                     <a:srgbClr val="000000"/>
                   </a:solidFill>
@@ -2676,7 +2886,7 @@
             </a:ln>
             <a:extLst>
               <a:ext uri="{91240B29-F687-4f45-9708-019B960494DF}">
-                <a14:hiddenLine xmlns="" xmlns:a14="http://schemas.microsoft.com/office/drawing/2010/main" w="9525">
+                <a14:hiddenLine xmlns:a14="http://schemas.microsoft.com/office/drawing/2010/main" xmlns="" w="9525">
                   <a:solidFill>
                     <a:srgbClr val="000000"/>
                   </a:solidFill>
@@ -2710,7 +2920,7 @@
             </a:ln>
             <a:extLst>
               <a:ext uri="{91240B29-F687-4f45-9708-019B960494DF}">
-                <a14:hiddenLine xmlns="" xmlns:a14="http://schemas.microsoft.com/office/drawing/2010/main" w="9525">
+                <a14:hiddenLine xmlns:a14="http://schemas.microsoft.com/office/drawing/2010/main" xmlns="" w="9525">
                   <a:solidFill>
                     <a:srgbClr val="000000"/>
                   </a:solidFill>
@@ -2800,7 +3010,7 @@
             </a:ln>
             <a:extLst>
               <a:ext uri="{91240B29-F687-4f45-9708-019B960494DF}">
-                <a14:hiddenLine xmlns="" xmlns:a14="http://schemas.microsoft.com/office/drawing/2010/main" w="9525">
+                <a14:hiddenLine xmlns:a14="http://schemas.microsoft.com/office/drawing/2010/main" xmlns="" w="9525">
                   <a:solidFill>
                     <a:srgbClr val="000000"/>
                   </a:solidFill>
@@ -2862,7 +3072,7 @@
             </a:ln>
             <a:extLst>
               <a:ext uri="{91240B29-F687-4f45-9708-019B960494DF}">
-                <a14:hiddenLine xmlns="" xmlns:a14="http://schemas.microsoft.com/office/drawing/2010/main" w="9525">
+                <a14:hiddenLine xmlns:a14="http://schemas.microsoft.com/office/drawing/2010/main" xmlns="" w="9525">
                   <a:solidFill>
                     <a:srgbClr val="000000"/>
                   </a:solidFill>
@@ -2924,7 +3134,7 @@
             </a:ln>
             <a:extLst>
               <a:ext uri="{91240B29-F687-4f45-9708-019B960494DF}">
-                <a14:hiddenLine xmlns="" xmlns:a14="http://schemas.microsoft.com/office/drawing/2010/main" w="9525">
+                <a14:hiddenLine xmlns:a14="http://schemas.microsoft.com/office/drawing/2010/main" xmlns="" w="9525">
                   <a:solidFill>
                     <a:srgbClr val="000000"/>
                   </a:solidFill>
@@ -3014,7 +3224,7 @@
             </a:ln>
             <a:extLst>
               <a:ext uri="{91240B29-F687-4f45-9708-019B960494DF}">
-                <a14:hiddenLine xmlns="" xmlns:a14="http://schemas.microsoft.com/office/drawing/2010/main" w="9525">
+                <a14:hiddenLine xmlns:a14="http://schemas.microsoft.com/office/drawing/2010/main" xmlns="" w="9525">
                   <a:solidFill>
                     <a:srgbClr val="000000"/>
                   </a:solidFill>
@@ -3082,7 +3292,7 @@
             </a:ln>
             <a:extLst>
               <a:ext uri="{91240B29-F687-4f45-9708-019B960494DF}">
-                <a14:hiddenLine xmlns="" xmlns:a14="http://schemas.microsoft.com/office/drawing/2010/main" w="9525">
+                <a14:hiddenLine xmlns:a14="http://schemas.microsoft.com/office/drawing/2010/main" xmlns="" w="9525">
                   <a:solidFill>
                     <a:srgbClr val="000000"/>
                   </a:solidFill>
@@ -3144,7 +3354,7 @@
             </a:ln>
             <a:extLst>
               <a:ext uri="{91240B29-F687-4f45-9708-019B960494DF}">
-                <a14:hiddenLine xmlns="" xmlns:a14="http://schemas.microsoft.com/office/drawing/2010/main" w="9525">
+                <a14:hiddenLine xmlns:a14="http://schemas.microsoft.com/office/drawing/2010/main" xmlns="" w="9525">
                   <a:solidFill>
                     <a:srgbClr val="000000"/>
                   </a:solidFill>
@@ -3234,7 +3444,7 @@
             </a:ln>
             <a:extLst>
               <a:ext uri="{91240B29-F687-4f45-9708-019B960494DF}">
-                <a14:hiddenLine xmlns="" xmlns:a14="http://schemas.microsoft.com/office/drawing/2010/main" w="9525">
+                <a14:hiddenLine xmlns:a14="http://schemas.microsoft.com/office/drawing/2010/main" xmlns="" w="9525">
                   <a:solidFill>
                     <a:srgbClr val="000000"/>
                   </a:solidFill>
@@ -3296,7 +3506,7 @@
             </a:ln>
             <a:extLst>
               <a:ext uri="{91240B29-F687-4f45-9708-019B960494DF}">
-                <a14:hiddenLine xmlns="" xmlns:a14="http://schemas.microsoft.com/office/drawing/2010/main" w="9525">
+                <a14:hiddenLine xmlns:a14="http://schemas.microsoft.com/office/drawing/2010/main" xmlns="" w="9525">
                   <a:solidFill>
                     <a:srgbClr val="000000"/>
                   </a:solidFill>
@@ -3386,7 +3596,7 @@
             </a:ln>
             <a:extLst>
               <a:ext uri="{91240B29-F687-4f45-9708-019B960494DF}">
-                <a14:hiddenLine xmlns="" xmlns:a14="http://schemas.microsoft.com/office/drawing/2010/main" w="9525">
+                <a14:hiddenLine xmlns:a14="http://schemas.microsoft.com/office/drawing/2010/main" xmlns="" w="9525">
                   <a:solidFill>
                     <a:srgbClr val="000000"/>
                   </a:solidFill>
@@ -3448,7 +3658,7 @@
             </a:ln>
             <a:extLst>
               <a:ext uri="{91240B29-F687-4f45-9708-019B960494DF}">
-                <a14:hiddenLine xmlns="" xmlns:a14="http://schemas.microsoft.com/office/drawing/2010/main" w="9525">
+                <a14:hiddenLine xmlns:a14="http://schemas.microsoft.com/office/drawing/2010/main" xmlns="" w="9525">
                   <a:solidFill>
                     <a:srgbClr val="000000"/>
                   </a:solidFill>
@@ -3538,7 +3748,7 @@
             </a:ln>
             <a:extLst>
               <a:ext uri="{91240B29-F687-4f45-9708-019B960494DF}">
-                <a14:hiddenLine xmlns="" xmlns:a14="http://schemas.microsoft.com/office/drawing/2010/main" w="9525">
+                <a14:hiddenLine xmlns:a14="http://schemas.microsoft.com/office/drawing/2010/main" xmlns="" w="9525">
                   <a:solidFill>
                     <a:srgbClr val="000000"/>
                   </a:solidFill>
@@ -3572,7 +3782,7 @@
             </a:ln>
             <a:extLst>
               <a:ext uri="{91240B29-F687-4f45-9708-019B960494DF}">
-                <a14:hiddenLine xmlns="" xmlns:a14="http://schemas.microsoft.com/office/drawing/2010/main" w="9525">
+                <a14:hiddenLine xmlns:a14="http://schemas.microsoft.com/office/drawing/2010/main" xmlns="" w="9525">
                   <a:solidFill>
                     <a:srgbClr val="000000"/>
                   </a:solidFill>
@@ -3637,7 +3847,7 @@
             </a:ln>
             <a:extLst>
               <a:ext uri="{91240B29-F687-4f45-9708-019B960494DF}">
-                <a14:hiddenLine xmlns="" xmlns:a14="http://schemas.microsoft.com/office/drawing/2010/main" w="9525">
+                <a14:hiddenLine xmlns:a14="http://schemas.microsoft.com/office/drawing/2010/main" xmlns="" w="9525">
                   <a:solidFill>
                     <a:srgbClr val="000000"/>
                   </a:solidFill>
@@ -3727,7 +3937,7 @@
             </a:ln>
             <a:extLst>
               <a:ext uri="{91240B29-F687-4f45-9708-019B960494DF}">
-                <a14:hiddenLine xmlns="" xmlns:a14="http://schemas.microsoft.com/office/drawing/2010/main" w="9525">
+                <a14:hiddenLine xmlns:a14="http://schemas.microsoft.com/office/drawing/2010/main" xmlns="" w="9525">
                   <a:solidFill>
                     <a:srgbClr val="000000"/>
                   </a:solidFill>
@@ -3789,7 +3999,7 @@
             </a:ln>
             <a:extLst>
               <a:ext uri="{91240B29-F687-4f45-9708-019B960494DF}">
-                <a14:hiddenLine xmlns="" xmlns:a14="http://schemas.microsoft.com/office/drawing/2010/main" w="9525">
+                <a14:hiddenLine xmlns:a14="http://schemas.microsoft.com/office/drawing/2010/main" xmlns="" w="9525">
                   <a:solidFill>
                     <a:srgbClr val="000000"/>
                   </a:solidFill>
@@ -3879,7 +4089,7 @@
             </a:ln>
             <a:extLst>
               <a:ext uri="{91240B29-F687-4f45-9708-019B960494DF}">
-                <a14:hiddenLine xmlns="" xmlns:a14="http://schemas.microsoft.com/office/drawing/2010/main" w="9525">
+                <a14:hiddenLine xmlns:a14="http://schemas.microsoft.com/office/drawing/2010/main" xmlns="" w="9525">
                   <a:solidFill>
                     <a:srgbClr val="000000"/>
                   </a:solidFill>
@@ -3969,7 +4179,7 @@
             </a:ln>
             <a:extLst>
               <a:ext uri="{91240B29-F687-4f45-9708-019B960494DF}">
-                <a14:hiddenLine xmlns="" xmlns:a14="http://schemas.microsoft.com/office/drawing/2010/main" w="9525">
+                <a14:hiddenLine xmlns:a14="http://schemas.microsoft.com/office/drawing/2010/main" xmlns="" w="9525">
                   <a:solidFill>
                     <a:srgbClr val="000000"/>
                   </a:solidFill>
@@ -4034,7 +4244,7 @@
             </a:ln>
             <a:extLst>
               <a:ext uri="{91240B29-F687-4f45-9708-019B960494DF}">
-                <a14:hiddenLine xmlns="" xmlns:a14="http://schemas.microsoft.com/office/drawing/2010/main" w="9525">
+                <a14:hiddenLine xmlns:a14="http://schemas.microsoft.com/office/drawing/2010/main" xmlns="" w="9525">
                   <a:solidFill>
                     <a:srgbClr val="000000"/>
                   </a:solidFill>
@@ -4096,7 +4306,7 @@
             </a:ln>
             <a:extLst>
               <a:ext uri="{91240B29-F687-4f45-9708-019B960494DF}">
-                <a14:hiddenLine xmlns="" xmlns:a14="http://schemas.microsoft.com/office/drawing/2010/main" w="9525">
+                <a14:hiddenLine xmlns:a14="http://schemas.microsoft.com/office/drawing/2010/main" xmlns="" w="9525">
                   <a:solidFill>
                     <a:srgbClr val="000000"/>
                   </a:solidFill>
@@ -4186,7 +4396,7 @@
             </a:ln>
             <a:extLst>
               <a:ext uri="{91240B29-F687-4f45-9708-019B960494DF}">
-                <a14:hiddenLine xmlns="" xmlns:a14="http://schemas.microsoft.com/office/drawing/2010/main" w="9525">
+                <a14:hiddenLine xmlns:a14="http://schemas.microsoft.com/office/drawing/2010/main" xmlns="" w="9525">
                   <a:solidFill>
                     <a:srgbClr val="000000"/>
                   </a:solidFill>
@@ -4276,7 +4486,7 @@
             </a:ln>
             <a:extLst>
               <a:ext uri="{91240B29-F687-4f45-9708-019B960494DF}">
-                <a14:hiddenLine xmlns="" xmlns:a14="http://schemas.microsoft.com/office/drawing/2010/main" w="9525">
+                <a14:hiddenLine xmlns:a14="http://schemas.microsoft.com/office/drawing/2010/main" xmlns="" w="9525">
                   <a:solidFill>
                     <a:srgbClr val="000000"/>
                   </a:solidFill>
@@ -4338,7 +4548,7 @@
             </a:ln>
             <a:extLst>
               <a:ext uri="{91240B29-F687-4f45-9708-019B960494DF}">
-                <a14:hiddenLine xmlns="" xmlns:a14="http://schemas.microsoft.com/office/drawing/2010/main" w="9525">
+                <a14:hiddenLine xmlns:a14="http://schemas.microsoft.com/office/drawing/2010/main" xmlns="" w="9525">
                   <a:solidFill>
                     <a:srgbClr val="000000"/>
                   </a:solidFill>
@@ -4458,7 +4668,7 @@
             </a:ln>
             <a:extLst>
               <a:ext uri="{91240B29-F687-4f45-9708-019B960494DF}">
-                <a14:hiddenLine xmlns="" xmlns:a14="http://schemas.microsoft.com/office/drawing/2010/main" w="9525">
+                <a14:hiddenLine xmlns:a14="http://schemas.microsoft.com/office/drawing/2010/main" xmlns="" w="9525">
                   <a:solidFill>
                     <a:srgbClr val="000000"/>
                   </a:solidFill>
@@ -4526,7 +4736,7 @@
             </a:ln>
             <a:extLst>
               <a:ext uri="{91240B29-F687-4f45-9708-019B960494DF}">
-                <a14:hiddenLine xmlns="" xmlns:a14="http://schemas.microsoft.com/office/drawing/2010/main" w="9525">
+                <a14:hiddenLine xmlns:a14="http://schemas.microsoft.com/office/drawing/2010/main" xmlns="" w="9525">
                   <a:solidFill>
                     <a:srgbClr val="000000"/>
                   </a:solidFill>
@@ -4616,7 +4826,7 @@
             </a:ln>
             <a:extLst>
               <a:ext uri="{91240B29-F687-4f45-9708-019B960494DF}">
-                <a14:hiddenLine xmlns="" xmlns:a14="http://schemas.microsoft.com/office/drawing/2010/main" w="9525">
+                <a14:hiddenLine xmlns:a14="http://schemas.microsoft.com/office/drawing/2010/main" xmlns="" w="9525">
                   <a:solidFill>
                     <a:srgbClr val="000000"/>
                   </a:solidFill>
@@ -4756,7 +4966,7 @@
           <a:p>
             <a:fld id="{42815923-F40B-4C78-95A8-54DFD082D7B7}" type="datetimeFigureOut">
               <a:rPr lang="pt-BR" smtClean="0"/>
-              <a:t>29/04/2020</a:t>
+              <a:t>22/07/2023</a:t>
             </a:fld>
             <a:endParaRPr lang="pt-BR"/>
           </a:p>
@@ -4808,7 +5018,7 @@
           <a:p>
             <a:fld id="{4CA3B170-A10E-4926-A043-68D118BC4F86}" type="slidenum">
               <a:rPr lang="pt-BR" smtClean="0"/>
-              <a:t>‹nº›</a:t>
+              <a:t>‹#›</a:t>
             </a:fld>
             <a:endParaRPr lang="pt-BR"/>
           </a:p>
@@ -5023,7 +5233,7 @@
           <a:p>
             <a:fld id="{42815923-F40B-4C78-95A8-54DFD082D7B7}" type="datetimeFigureOut">
               <a:rPr lang="pt-BR" smtClean="0"/>
-              <a:t>29/04/2020</a:t>
+              <a:t>22/07/2023</a:t>
             </a:fld>
             <a:endParaRPr lang="pt-BR"/>
           </a:p>
@@ -5065,7 +5275,7 @@
           <a:p>
             <a:fld id="{4CA3B170-A10E-4926-A043-68D118BC4F86}" type="slidenum">
               <a:rPr lang="pt-BR" smtClean="0"/>
-              <a:t>‹nº›</a:t>
+              <a:t>‹#›</a:t>
             </a:fld>
             <a:endParaRPr lang="pt-BR"/>
           </a:p>
@@ -5219,7 +5429,7 @@
           <a:p>
             <a:fld id="{42815923-F40B-4C78-95A8-54DFD082D7B7}" type="datetimeFigureOut">
               <a:rPr lang="pt-BR" smtClean="0"/>
-              <a:t>29/04/2020</a:t>
+              <a:t>22/07/2023</a:t>
             </a:fld>
             <a:endParaRPr lang="pt-BR"/>
           </a:p>
@@ -5261,7 +5471,7 @@
           <a:p>
             <a:fld id="{4CA3B170-A10E-4926-A043-68D118BC4F86}" type="slidenum">
               <a:rPr lang="pt-BR" smtClean="0"/>
-              <a:t>‹nº›</a:t>
+              <a:t>‹#›</a:t>
             </a:fld>
             <a:endParaRPr lang="pt-BR"/>
           </a:p>
@@ -5482,7 +5692,7 @@
           <a:p>
             <a:fld id="{42815923-F40B-4C78-95A8-54DFD082D7B7}" type="datetimeFigureOut">
               <a:rPr lang="pt-BR" smtClean="0"/>
-              <a:t>29/04/2020</a:t>
+              <a:t>22/07/2023</a:t>
             </a:fld>
             <a:endParaRPr lang="pt-BR"/>
           </a:p>
@@ -5524,7 +5734,7 @@
           <a:p>
             <a:fld id="{4CA3B170-A10E-4926-A043-68D118BC4F86}" type="slidenum">
               <a:rPr lang="pt-BR" smtClean="0"/>
-              <a:t>‹nº›</a:t>
+              <a:t>‹#›</a:t>
             </a:fld>
             <a:endParaRPr lang="pt-BR"/>
           </a:p>
@@ -5916,7 +6126,7 @@
           <a:p>
             <a:fld id="{42815923-F40B-4C78-95A8-54DFD082D7B7}" type="datetimeFigureOut">
               <a:rPr lang="pt-BR" smtClean="0"/>
-              <a:t>29/04/2020</a:t>
+              <a:t>22/07/2023</a:t>
             </a:fld>
             <a:endParaRPr lang="pt-BR"/>
           </a:p>
@@ -5958,7 +6168,7 @@
           <a:p>
             <a:fld id="{4CA3B170-A10E-4926-A043-68D118BC4F86}" type="slidenum">
               <a:rPr lang="pt-BR" smtClean="0"/>
-              <a:t>‹nº›</a:t>
+              <a:t>‹#›</a:t>
             </a:fld>
             <a:endParaRPr lang="pt-BR"/>
           </a:p>
@@ -6462,7 +6672,7 @@
           <a:p>
             <a:fld id="{42815923-F40B-4C78-95A8-54DFD082D7B7}" type="datetimeFigureOut">
               <a:rPr lang="pt-BR" smtClean="0"/>
-              <a:t>29/04/2020</a:t>
+              <a:t>22/07/2023</a:t>
             </a:fld>
             <a:endParaRPr lang="pt-BR"/>
           </a:p>
@@ -6504,7 +6714,7 @@
           <a:p>
             <a:fld id="{4CA3B170-A10E-4926-A043-68D118BC4F86}" type="slidenum">
               <a:rPr lang="pt-BR" smtClean="0"/>
-              <a:t>‹nº›</a:t>
+              <a:t>‹#›</a:t>
             </a:fld>
             <a:endParaRPr lang="pt-BR"/>
           </a:p>
@@ -7182,7 +7392,7 @@
           <a:p>
             <a:fld id="{42815923-F40B-4C78-95A8-54DFD082D7B7}" type="datetimeFigureOut">
               <a:rPr lang="pt-BR" smtClean="0"/>
-              <a:t>29/04/2020</a:t>
+              <a:t>22/07/2023</a:t>
             </a:fld>
             <a:endParaRPr lang="pt-BR"/>
           </a:p>
@@ -7224,7 +7434,7 @@
           <a:p>
             <a:fld id="{4CA3B170-A10E-4926-A043-68D118BC4F86}" type="slidenum">
               <a:rPr lang="pt-BR" smtClean="0"/>
-              <a:t>‹nº›</a:t>
+              <a:t>‹#›</a:t>
             </a:fld>
             <a:endParaRPr lang="pt-BR"/>
           </a:p>
@@ -7352,7 +7562,7 @@
           <a:p>
             <a:fld id="{42815923-F40B-4C78-95A8-54DFD082D7B7}" type="datetimeFigureOut">
               <a:rPr lang="pt-BR" smtClean="0"/>
-              <a:t>29/04/2020</a:t>
+              <a:t>22/07/2023</a:t>
             </a:fld>
             <a:endParaRPr lang="pt-BR"/>
           </a:p>
@@ -7394,7 +7604,7 @@
           <a:p>
             <a:fld id="{4CA3B170-A10E-4926-A043-68D118BC4F86}" type="slidenum">
               <a:rPr lang="pt-BR" smtClean="0"/>
-              <a:t>‹nº›</a:t>
+              <a:t>‹#›</a:t>
             </a:fld>
             <a:endParaRPr lang="pt-BR"/>
           </a:p>
@@ -7532,7 +7742,7 @@
           <a:p>
             <a:fld id="{42815923-F40B-4C78-95A8-54DFD082D7B7}" type="datetimeFigureOut">
               <a:rPr lang="pt-BR" smtClean="0"/>
-              <a:t>29/04/2020</a:t>
+              <a:t>22/07/2023</a:t>
             </a:fld>
             <a:endParaRPr lang="pt-BR"/>
           </a:p>
@@ -7574,7 +7784,7 @@
           <a:p>
             <a:fld id="{4CA3B170-A10E-4926-A043-68D118BC4F86}" type="slidenum">
               <a:rPr lang="pt-BR" smtClean="0"/>
-              <a:t>‹nº›</a:t>
+              <a:t>‹#›</a:t>
             </a:fld>
             <a:endParaRPr lang="pt-BR"/>
           </a:p>
@@ -7702,7 +7912,7 @@
           <a:p>
             <a:fld id="{42815923-F40B-4C78-95A8-54DFD082D7B7}" type="datetimeFigureOut">
               <a:rPr lang="pt-BR" smtClean="0"/>
-              <a:t>29/04/2020</a:t>
+              <a:t>22/07/2023</a:t>
             </a:fld>
             <a:endParaRPr lang="pt-BR"/>
           </a:p>
@@ -7744,7 +7954,7 @@
           <a:p>
             <a:fld id="{4CA3B170-A10E-4926-A043-68D118BC4F86}" type="slidenum">
               <a:rPr lang="pt-BR" smtClean="0"/>
-              <a:t>‹nº›</a:t>
+              <a:t>‹#›</a:t>
             </a:fld>
             <a:endParaRPr lang="pt-BR"/>
           </a:p>
@@ -7952,7 +8162,7 @@
           <a:p>
             <a:fld id="{42815923-F40B-4C78-95A8-54DFD082D7B7}" type="datetimeFigureOut">
               <a:rPr lang="pt-BR" smtClean="0"/>
-              <a:t>29/04/2020</a:t>
+              <a:t>22/07/2023</a:t>
             </a:fld>
             <a:endParaRPr lang="pt-BR"/>
           </a:p>
@@ -7994,7 +8204,7 @@
           <a:p>
             <a:fld id="{4CA3B170-A10E-4926-A043-68D118BC4F86}" type="slidenum">
               <a:rPr lang="pt-BR" smtClean="0"/>
-              <a:t>‹nº›</a:t>
+              <a:t>‹#›</a:t>
             </a:fld>
             <a:endParaRPr lang="pt-BR"/>
           </a:p>
@@ -8184,7 +8394,7 @@
           <a:p>
             <a:fld id="{42815923-F40B-4C78-95A8-54DFD082D7B7}" type="datetimeFigureOut">
               <a:rPr lang="pt-BR" smtClean="0"/>
-              <a:t>29/04/2020</a:t>
+              <a:t>22/07/2023</a:t>
             </a:fld>
             <a:endParaRPr lang="pt-BR"/>
           </a:p>
@@ -8226,7 +8436,7 @@
           <a:p>
             <a:fld id="{4CA3B170-A10E-4926-A043-68D118BC4F86}" type="slidenum">
               <a:rPr lang="pt-BR" smtClean="0"/>
-              <a:t>‹nº›</a:t>
+              <a:t>‹#›</a:t>
             </a:fld>
             <a:endParaRPr lang="pt-BR"/>
           </a:p>
@@ -8565,7 +8775,7 @@
           <a:p>
             <a:fld id="{42815923-F40B-4C78-95A8-54DFD082D7B7}" type="datetimeFigureOut">
               <a:rPr lang="pt-BR" smtClean="0"/>
-              <a:t>29/04/2020</a:t>
+              <a:t>22/07/2023</a:t>
             </a:fld>
             <a:endParaRPr lang="pt-BR"/>
           </a:p>
@@ -8607,7 +8817,7 @@
           <a:p>
             <a:fld id="{4CA3B170-A10E-4926-A043-68D118BC4F86}" type="slidenum">
               <a:rPr lang="pt-BR" smtClean="0"/>
-              <a:t>‹nº›</a:t>
+              <a:t>‹#›</a:t>
             </a:fld>
             <a:endParaRPr lang="pt-BR"/>
           </a:p>
@@ -8683,7 +8893,7 @@
           <a:p>
             <a:fld id="{42815923-F40B-4C78-95A8-54DFD082D7B7}" type="datetimeFigureOut">
               <a:rPr lang="pt-BR" smtClean="0"/>
-              <a:t>29/04/2020</a:t>
+              <a:t>22/07/2023</a:t>
             </a:fld>
             <a:endParaRPr lang="pt-BR"/>
           </a:p>
@@ -8725,7 +8935,7 @@
           <a:p>
             <a:fld id="{4CA3B170-A10E-4926-A043-68D118BC4F86}" type="slidenum">
               <a:rPr lang="pt-BR" smtClean="0"/>
-              <a:t>‹nº›</a:t>
+              <a:t>‹#›</a:t>
             </a:fld>
             <a:endParaRPr lang="pt-BR"/>
           </a:p>
@@ -8778,7 +8988,7 @@
           <a:p>
             <a:fld id="{42815923-F40B-4C78-95A8-54DFD082D7B7}" type="datetimeFigureOut">
               <a:rPr lang="pt-BR" smtClean="0"/>
-              <a:t>29/04/2020</a:t>
+              <a:t>22/07/2023</a:t>
             </a:fld>
             <a:endParaRPr lang="pt-BR"/>
           </a:p>
@@ -8820,7 +9030,7 @@
           <a:p>
             <a:fld id="{4CA3B170-A10E-4926-A043-68D118BC4F86}" type="slidenum">
               <a:rPr lang="pt-BR" smtClean="0"/>
-              <a:t>‹nº›</a:t>
+              <a:t>‹#›</a:t>
             </a:fld>
             <a:endParaRPr lang="pt-BR"/>
           </a:p>
@@ -9027,7 +9237,7 @@
           <a:p>
             <a:fld id="{42815923-F40B-4C78-95A8-54DFD082D7B7}" type="datetimeFigureOut">
               <a:rPr lang="pt-BR" smtClean="0"/>
-              <a:t>29/04/2020</a:t>
+              <a:t>22/07/2023</a:t>
             </a:fld>
             <a:endParaRPr lang="pt-BR"/>
           </a:p>
@@ -9069,7 +9279,7 @@
           <a:p>
             <a:fld id="{4CA3B170-A10E-4926-A043-68D118BC4F86}" type="slidenum">
               <a:rPr lang="pt-BR" smtClean="0"/>
-              <a:t>‹nº›</a:t>
+              <a:t>‹#›</a:t>
             </a:fld>
             <a:endParaRPr lang="pt-BR"/>
           </a:p>
@@ -9307,7 +9517,7 @@
           <a:p>
             <a:fld id="{42815923-F40B-4C78-95A8-54DFD082D7B7}" type="datetimeFigureOut">
               <a:rPr lang="pt-BR" smtClean="0"/>
-              <a:t>29/04/2020</a:t>
+              <a:t>22/07/2023</a:t>
             </a:fld>
             <a:endParaRPr lang="pt-BR"/>
           </a:p>
@@ -9349,7 +9559,7 @@
           <a:p>
             <a:fld id="{4CA3B170-A10E-4926-A043-68D118BC4F86}" type="slidenum">
               <a:rPr lang="pt-BR" smtClean="0"/>
-              <a:t>‹nº›</a:t>
+              <a:t>‹#›</a:t>
             </a:fld>
             <a:endParaRPr lang="pt-BR"/>
           </a:p>
@@ -9423,7 +9633,7 @@
           <a:noFill/>
           <a:extLst>
             <a:ext uri="{909E8E84-426E-40dd-AFC4-6F175D3DCCD1}">
-              <a14:hiddenFill xmlns="" xmlns:a14="http://schemas.microsoft.com/office/drawing/2010/main">
+              <a14:hiddenFill xmlns:a14="http://schemas.microsoft.com/office/drawing/2010/main" xmlns="">
                 <a:solidFill>
                   <a:srgbClr val="FFFFFF"/>
                 </a:solidFill>
@@ -9497,7 +9707,7 @@
               </a:ln>
               <a:extLst>
                 <a:ext uri="{91240B29-F687-4f45-9708-019B960494DF}">
-                  <a14:hiddenLine xmlns="" xmlns:a14="http://schemas.microsoft.com/office/drawing/2010/main" w="9525">
+                  <a14:hiddenLine xmlns:a14="http://schemas.microsoft.com/office/drawing/2010/main" xmlns="" w="9525">
                     <a:solidFill>
                       <a:srgbClr val="000000"/>
                     </a:solidFill>
@@ -9587,7 +9797,7 @@
               </a:ln>
               <a:extLst>
                 <a:ext uri="{91240B29-F687-4f45-9708-019B960494DF}">
-                  <a14:hiddenLine xmlns="" xmlns:a14="http://schemas.microsoft.com/office/drawing/2010/main" w="9525">
+                  <a14:hiddenLine xmlns:a14="http://schemas.microsoft.com/office/drawing/2010/main" xmlns="" w="9525">
                     <a:solidFill>
                       <a:srgbClr val="000000"/>
                     </a:solidFill>
@@ -9677,7 +9887,7 @@
               </a:ln>
               <a:extLst>
                 <a:ext uri="{91240B29-F687-4f45-9708-019B960494DF}">
-                  <a14:hiddenLine xmlns="" xmlns:a14="http://schemas.microsoft.com/office/drawing/2010/main" w="9525">
+                  <a14:hiddenLine xmlns:a14="http://schemas.microsoft.com/office/drawing/2010/main" xmlns="" w="9525">
                     <a:solidFill>
                       <a:srgbClr val="000000"/>
                     </a:solidFill>
@@ -9739,7 +9949,7 @@
               </a:ln>
               <a:extLst>
                 <a:ext uri="{91240B29-F687-4f45-9708-019B960494DF}">
-                  <a14:hiddenLine xmlns="" xmlns:a14="http://schemas.microsoft.com/office/drawing/2010/main" w="9525">
+                  <a14:hiddenLine xmlns:a14="http://schemas.microsoft.com/office/drawing/2010/main" xmlns="" w="9525">
                     <a:solidFill>
                       <a:srgbClr val="000000"/>
                     </a:solidFill>
@@ -9829,7 +10039,7 @@
               </a:ln>
               <a:extLst>
                 <a:ext uri="{91240B29-F687-4f45-9708-019B960494DF}">
-                  <a14:hiddenLine xmlns="" xmlns:a14="http://schemas.microsoft.com/office/drawing/2010/main" w="9525">
+                  <a14:hiddenLine xmlns:a14="http://schemas.microsoft.com/office/drawing/2010/main" xmlns="" w="9525">
                     <a:solidFill>
                       <a:srgbClr val="000000"/>
                     </a:solidFill>
@@ -9891,7 +10101,7 @@
               </a:ln>
               <a:extLst>
                 <a:ext uri="{91240B29-F687-4f45-9708-019B960494DF}">
-                  <a14:hiddenLine xmlns="" xmlns:a14="http://schemas.microsoft.com/office/drawing/2010/main" w="9525">
+                  <a14:hiddenLine xmlns:a14="http://schemas.microsoft.com/office/drawing/2010/main" xmlns="" w="9525">
                     <a:solidFill>
                       <a:srgbClr val="000000"/>
                     </a:solidFill>
@@ -9953,7 +10163,7 @@
               </a:ln>
               <a:extLst>
                 <a:ext uri="{91240B29-F687-4f45-9708-019B960494DF}">
-                  <a14:hiddenLine xmlns="" xmlns:a14="http://schemas.microsoft.com/office/drawing/2010/main" w="9525">
+                  <a14:hiddenLine xmlns:a14="http://schemas.microsoft.com/office/drawing/2010/main" xmlns="" w="9525">
                     <a:solidFill>
                       <a:srgbClr val="000000"/>
                     </a:solidFill>
@@ -10043,7 +10253,7 @@
               </a:ln>
               <a:extLst>
                 <a:ext uri="{91240B29-F687-4f45-9708-019B960494DF}">
-                  <a14:hiddenLine xmlns="" xmlns:a14="http://schemas.microsoft.com/office/drawing/2010/main" w="9525">
+                  <a14:hiddenLine xmlns:a14="http://schemas.microsoft.com/office/drawing/2010/main" xmlns="" w="9525">
                     <a:solidFill>
                       <a:srgbClr val="000000"/>
                     </a:solidFill>
@@ -10133,7 +10343,7 @@
               </a:ln>
               <a:extLst>
                 <a:ext uri="{91240B29-F687-4f45-9708-019B960494DF}">
-                  <a14:hiddenLine xmlns="" xmlns:a14="http://schemas.microsoft.com/office/drawing/2010/main" w="9525">
+                  <a14:hiddenLine xmlns:a14="http://schemas.microsoft.com/office/drawing/2010/main" xmlns="" w="9525">
                     <a:solidFill>
                       <a:srgbClr val="000000"/>
                     </a:solidFill>
@@ -10195,7 +10405,7 @@
               </a:ln>
               <a:extLst>
                 <a:ext uri="{91240B29-F687-4f45-9708-019B960494DF}">
-                  <a14:hiddenLine xmlns="" xmlns:a14="http://schemas.microsoft.com/office/drawing/2010/main" w="9525">
+                  <a14:hiddenLine xmlns:a14="http://schemas.microsoft.com/office/drawing/2010/main" xmlns="" w="9525">
                     <a:solidFill>
                       <a:srgbClr val="000000"/>
                     </a:solidFill>
@@ -10305,7 +10515,7 @@
               </a:ln>
               <a:extLst>
                 <a:ext uri="{91240B29-F687-4f45-9708-019B960494DF}">
-                  <a14:hiddenLine xmlns="" xmlns:a14="http://schemas.microsoft.com/office/drawing/2010/main" w="9525">
+                  <a14:hiddenLine xmlns:a14="http://schemas.microsoft.com/office/drawing/2010/main" xmlns="" w="9525">
                     <a:solidFill>
                       <a:srgbClr val="000000"/>
                     </a:solidFill>
@@ -10389,7 +10599,7 @@
               </a:ln>
               <a:extLst>
                 <a:ext uri="{91240B29-F687-4f45-9708-019B960494DF}">
-                  <a14:hiddenLine xmlns="" xmlns:a14="http://schemas.microsoft.com/office/drawing/2010/main" w="9525">
+                  <a14:hiddenLine xmlns:a14="http://schemas.microsoft.com/office/drawing/2010/main" xmlns="" w="9525">
                     <a:solidFill>
                       <a:srgbClr val="000000"/>
                     </a:solidFill>
@@ -10451,7 +10661,7 @@
               </a:ln>
               <a:extLst>
                 <a:ext uri="{91240B29-F687-4f45-9708-019B960494DF}">
-                  <a14:hiddenLine xmlns="" xmlns:a14="http://schemas.microsoft.com/office/drawing/2010/main" w="9525">
+                  <a14:hiddenLine xmlns:a14="http://schemas.microsoft.com/office/drawing/2010/main" xmlns="" w="9525">
                     <a:solidFill>
                       <a:srgbClr val="000000"/>
                     </a:solidFill>
@@ -10513,7 +10723,7 @@
               </a:ln>
               <a:extLst>
                 <a:ext uri="{91240B29-F687-4f45-9708-019B960494DF}">
-                  <a14:hiddenLine xmlns="" xmlns:a14="http://schemas.microsoft.com/office/drawing/2010/main" w="9525">
+                  <a14:hiddenLine xmlns:a14="http://schemas.microsoft.com/office/drawing/2010/main" xmlns="" w="9525">
                     <a:solidFill>
                       <a:srgbClr val="000000"/>
                     </a:solidFill>
@@ -10603,7 +10813,7 @@
               </a:ln>
               <a:extLst>
                 <a:ext uri="{91240B29-F687-4f45-9708-019B960494DF}">
-                  <a14:hiddenLine xmlns="" xmlns:a14="http://schemas.microsoft.com/office/drawing/2010/main" w="9525">
+                  <a14:hiddenLine xmlns:a14="http://schemas.microsoft.com/office/drawing/2010/main" xmlns="" w="9525">
                     <a:solidFill>
                       <a:srgbClr val="000000"/>
                     </a:solidFill>
@@ -10637,7 +10847,7 @@
               </a:ln>
               <a:extLst>
                 <a:ext uri="{91240B29-F687-4f45-9708-019B960494DF}">
-                  <a14:hiddenLine xmlns="" xmlns:a14="http://schemas.microsoft.com/office/drawing/2010/main" w="9525">
+                  <a14:hiddenLine xmlns:a14="http://schemas.microsoft.com/office/drawing/2010/main" xmlns="" w="9525">
                     <a:solidFill>
                       <a:srgbClr val="000000"/>
                     </a:solidFill>
@@ -10702,7 +10912,7 @@
               </a:ln>
               <a:extLst>
                 <a:ext uri="{91240B29-F687-4f45-9708-019B960494DF}">
-                  <a14:hiddenLine xmlns="" xmlns:a14="http://schemas.microsoft.com/office/drawing/2010/main" w="9525">
+                  <a14:hiddenLine xmlns:a14="http://schemas.microsoft.com/office/drawing/2010/main" xmlns="" w="9525">
                     <a:solidFill>
                       <a:srgbClr val="000000"/>
                     </a:solidFill>
@@ -10792,7 +11002,7 @@
               </a:ln>
               <a:extLst>
                 <a:ext uri="{91240B29-F687-4f45-9708-019B960494DF}">
-                  <a14:hiddenLine xmlns="" xmlns:a14="http://schemas.microsoft.com/office/drawing/2010/main" w="9525">
+                  <a14:hiddenLine xmlns:a14="http://schemas.microsoft.com/office/drawing/2010/main" xmlns="" w="9525">
                     <a:solidFill>
                       <a:srgbClr val="000000"/>
                     </a:solidFill>
@@ -10854,7 +11064,7 @@
               </a:ln>
               <a:extLst>
                 <a:ext uri="{91240B29-F687-4f45-9708-019B960494DF}">
-                  <a14:hiddenLine xmlns="" xmlns:a14="http://schemas.microsoft.com/office/drawing/2010/main" w="9525">
+                  <a14:hiddenLine xmlns:a14="http://schemas.microsoft.com/office/drawing/2010/main" xmlns="" w="9525">
                     <a:solidFill>
                       <a:srgbClr val="000000"/>
                     </a:solidFill>
@@ -10944,7 +11154,7 @@
               </a:ln>
               <a:extLst>
                 <a:ext uri="{91240B29-F687-4f45-9708-019B960494DF}">
-                  <a14:hiddenLine xmlns="" xmlns:a14="http://schemas.microsoft.com/office/drawing/2010/main" w="9525">
+                  <a14:hiddenLine xmlns:a14="http://schemas.microsoft.com/office/drawing/2010/main" xmlns="" w="9525">
                     <a:solidFill>
                       <a:srgbClr val="000000"/>
                     </a:solidFill>
@@ -11009,7 +11219,7 @@
               </a:ln>
               <a:extLst>
                 <a:ext uri="{91240B29-F687-4f45-9708-019B960494DF}">
-                  <a14:hiddenLine xmlns="" xmlns:a14="http://schemas.microsoft.com/office/drawing/2010/main" w="9525">
+                  <a14:hiddenLine xmlns:a14="http://schemas.microsoft.com/office/drawing/2010/main" xmlns="" w="9525">
                     <a:solidFill>
                       <a:srgbClr val="000000"/>
                     </a:solidFill>
@@ -11071,7 +11281,7 @@
               </a:ln>
               <a:extLst>
                 <a:ext uri="{91240B29-F687-4f45-9708-019B960494DF}">
-                  <a14:hiddenLine xmlns="" xmlns:a14="http://schemas.microsoft.com/office/drawing/2010/main" w="9525">
+                  <a14:hiddenLine xmlns:a14="http://schemas.microsoft.com/office/drawing/2010/main" xmlns="" w="9525">
                     <a:solidFill>
                       <a:srgbClr val="000000"/>
                     </a:solidFill>
@@ -11161,7 +11371,7 @@
               </a:ln>
               <a:extLst>
                 <a:ext uri="{91240B29-F687-4f45-9708-019B960494DF}">
-                  <a14:hiddenLine xmlns="" xmlns:a14="http://schemas.microsoft.com/office/drawing/2010/main" w="9525">
+                  <a14:hiddenLine xmlns:a14="http://schemas.microsoft.com/office/drawing/2010/main" xmlns="" w="9525">
                     <a:solidFill>
                       <a:srgbClr val="000000"/>
                     </a:solidFill>
@@ -11251,7 +11461,7 @@
               </a:ln>
               <a:extLst>
                 <a:ext uri="{91240B29-F687-4f45-9708-019B960494DF}">
-                  <a14:hiddenLine xmlns="" xmlns:a14="http://schemas.microsoft.com/office/drawing/2010/main" w="9525">
+                  <a14:hiddenLine xmlns:a14="http://schemas.microsoft.com/office/drawing/2010/main" xmlns="" w="9525">
                     <a:solidFill>
                       <a:srgbClr val="000000"/>
                     </a:solidFill>
@@ -11316,7 +11526,7 @@
               </a:ln>
               <a:extLst>
                 <a:ext uri="{91240B29-F687-4f45-9708-019B960494DF}">
-                  <a14:hiddenLine xmlns="" xmlns:a14="http://schemas.microsoft.com/office/drawing/2010/main" w="9525">
+                  <a14:hiddenLine xmlns:a14="http://schemas.microsoft.com/office/drawing/2010/main" xmlns="" w="9525">
                     <a:solidFill>
                       <a:srgbClr val="000000"/>
                     </a:solidFill>
@@ -11436,7 +11646,7 @@
               </a:ln>
               <a:extLst>
                 <a:ext uri="{91240B29-F687-4f45-9708-019B960494DF}">
-                  <a14:hiddenLine xmlns="" xmlns:a14="http://schemas.microsoft.com/office/drawing/2010/main" w="9525">
+                  <a14:hiddenLine xmlns:a14="http://schemas.microsoft.com/office/drawing/2010/main" xmlns="" w="9525">
                     <a:solidFill>
                       <a:srgbClr val="000000"/>
                     </a:solidFill>
@@ -11534,7 +11744,7 @@
               </a:ln>
               <a:extLst>
                 <a:ext uri="{91240B29-F687-4f45-9708-019B960494DF}">
-                  <a14:hiddenLine xmlns="" xmlns:a14="http://schemas.microsoft.com/office/drawing/2010/main" w="9525">
+                  <a14:hiddenLine xmlns:a14="http://schemas.microsoft.com/office/drawing/2010/main" xmlns="" w="9525">
                     <a:solidFill>
                       <a:srgbClr val="000000"/>
                     </a:solidFill>
@@ -11649,7 +11859,7 @@
               </a:ln>
               <a:extLst>
                 <a:ext uri="{91240B29-F687-4f45-9708-019B960494DF}">
-                  <a14:hiddenLine xmlns="" xmlns:a14="http://schemas.microsoft.com/office/drawing/2010/main" w="9525">
+                  <a14:hiddenLine xmlns:a14="http://schemas.microsoft.com/office/drawing/2010/main" xmlns="" w="9525">
                     <a:solidFill>
                       <a:srgbClr val="000000"/>
                     </a:solidFill>
@@ -11739,7 +11949,7 @@
               </a:ln>
               <a:extLst>
                 <a:ext uri="{91240B29-F687-4f45-9708-019B960494DF}">
-                  <a14:hiddenLine xmlns="" xmlns:a14="http://schemas.microsoft.com/office/drawing/2010/main" w="9525">
+                  <a14:hiddenLine xmlns:a14="http://schemas.microsoft.com/office/drawing/2010/main" xmlns="" w="9525">
                     <a:solidFill>
                       <a:srgbClr val="000000"/>
                     </a:solidFill>
@@ -11804,7 +12014,7 @@
               </a:ln>
               <a:extLst>
                 <a:ext uri="{91240B29-F687-4f45-9708-019B960494DF}">
-                  <a14:hiddenLine xmlns="" xmlns:a14="http://schemas.microsoft.com/office/drawing/2010/main" w="9525">
+                  <a14:hiddenLine xmlns:a14="http://schemas.microsoft.com/office/drawing/2010/main" xmlns="" w="9525">
                     <a:solidFill>
                       <a:srgbClr val="000000"/>
                     </a:solidFill>
@@ -11894,7 +12104,7 @@
               </a:ln>
               <a:extLst>
                 <a:ext uri="{91240B29-F687-4f45-9708-019B960494DF}">
-                  <a14:hiddenLine xmlns="" xmlns:a14="http://schemas.microsoft.com/office/drawing/2010/main" w="9525">
+                  <a14:hiddenLine xmlns:a14="http://schemas.microsoft.com/office/drawing/2010/main" xmlns="" w="9525">
                     <a:solidFill>
                       <a:srgbClr val="000000"/>
                     </a:solidFill>
@@ -11962,7 +12172,7 @@
               </a:ln>
               <a:extLst>
                 <a:ext uri="{91240B29-F687-4f45-9708-019B960494DF}">
-                  <a14:hiddenLine xmlns="" xmlns:a14="http://schemas.microsoft.com/office/drawing/2010/main" w="9525">
+                  <a14:hiddenLine xmlns:a14="http://schemas.microsoft.com/office/drawing/2010/main" xmlns="" w="9525">
                     <a:solidFill>
                       <a:srgbClr val="000000"/>
                     </a:solidFill>
@@ -12052,7 +12262,7 @@
               </a:ln>
               <a:extLst>
                 <a:ext uri="{91240B29-F687-4f45-9708-019B960494DF}">
-                  <a14:hiddenLine xmlns="" xmlns:a14="http://schemas.microsoft.com/office/drawing/2010/main" w="9525">
+                  <a14:hiddenLine xmlns:a14="http://schemas.microsoft.com/office/drawing/2010/main" xmlns="" w="9525">
                     <a:solidFill>
                       <a:srgbClr val="000000"/>
                     </a:solidFill>
@@ -12120,7 +12330,7 @@
               </a:ln>
               <a:extLst>
                 <a:ext uri="{91240B29-F687-4f45-9708-019B960494DF}">
-                  <a14:hiddenLine xmlns="" xmlns:a14="http://schemas.microsoft.com/office/drawing/2010/main" w="9525">
+                  <a14:hiddenLine xmlns:a14="http://schemas.microsoft.com/office/drawing/2010/main" xmlns="" w="9525">
                     <a:solidFill>
                       <a:srgbClr val="000000"/>
                     </a:solidFill>
@@ -12210,7 +12420,7 @@
               </a:ln>
               <a:extLst>
                 <a:ext uri="{91240B29-F687-4f45-9708-019B960494DF}">
-                  <a14:hiddenLine xmlns="" xmlns:a14="http://schemas.microsoft.com/office/drawing/2010/main" w="9525">
+                  <a14:hiddenLine xmlns:a14="http://schemas.microsoft.com/office/drawing/2010/main" xmlns="" w="9525">
                     <a:solidFill>
                       <a:srgbClr val="000000"/>
                     </a:solidFill>
@@ -12244,7 +12454,7 @@
               </a:ln>
               <a:extLst>
                 <a:ext uri="{91240B29-F687-4f45-9708-019B960494DF}">
-                  <a14:hiddenLine xmlns="" xmlns:a14="http://schemas.microsoft.com/office/drawing/2010/main" w="9525">
+                  <a14:hiddenLine xmlns:a14="http://schemas.microsoft.com/office/drawing/2010/main" xmlns="" w="9525">
                     <a:solidFill>
                       <a:srgbClr val="000000"/>
                     </a:solidFill>
@@ -12384,7 +12594,7 @@
           <a:p>
             <a:fld id="{42815923-F40B-4C78-95A8-54DFD082D7B7}" type="datetimeFigureOut">
               <a:rPr lang="pt-BR" smtClean="0"/>
-              <a:t>29/04/2020</a:t>
+              <a:t>22/07/2023</a:t>
             </a:fld>
             <a:endParaRPr lang="pt-BR"/>
           </a:p>
@@ -12462,7 +12672,7 @@
           <a:p>
             <a:fld id="{4CA3B170-A10E-4926-A043-68D118BC4F86}" type="slidenum">
               <a:rPr lang="pt-BR" smtClean="0"/>
-              <a:t>‹nº›</a:t>
+              <a:t>‹#›</a:t>
             </a:fld>
             <a:endParaRPr lang="pt-BR"/>
           </a:p>
@@ -14568,6 +14778,415 @@
 </p:sld>
 </file>
 
+<file path=ppt/slides/slide18.xml><?xml version="1.0" encoding="utf-8"?>
+<p:sld xmlns:a="http://schemas.openxmlformats.org/drawingml/2006/main" xmlns:r="http://schemas.openxmlformats.org/officeDocument/2006/relationships" xmlns:p="http://schemas.openxmlformats.org/presentationml/2006/main">
+  <p:cSld>
+    <p:spTree>
+      <p:nvGrpSpPr>
+        <p:cNvPr id="1" name=""/>
+        <p:cNvGrpSpPr/>
+        <p:nvPr/>
+      </p:nvGrpSpPr>
+      <p:grpSpPr>
+        <a:xfrm>
+          <a:off x="0" y="0"/>
+          <a:ext cx="0" cy="0"/>
+          <a:chOff x="0" y="0"/>
+          <a:chExt cx="0" cy="0"/>
+        </a:xfrm>
+      </p:grpSpPr>
+      <p:sp>
+        <p:nvSpPr>
+          <p:cNvPr id="2" name="CaixaDeTexto 1">
+            <a:extLst>
+              <a:ext uri="{FF2B5EF4-FFF2-40B4-BE49-F238E27FC236}">
+                <a16:creationId xmlns:a16="http://schemas.microsoft.com/office/drawing/2014/main" id="{1B8D8F9E-DAE0-4F5A-8D1F-5ADED9E681E7}"/>
+              </a:ext>
+            </a:extLst>
+          </p:cNvPr>
+          <p:cNvSpPr txBox="1"/>
+          <p:nvPr/>
+        </p:nvSpPr>
+        <p:spPr>
+          <a:xfrm>
+            <a:off x="276837" y="268448"/>
+            <a:ext cx="9295002" cy="769441"/>
+          </a:xfrm>
+          <a:prstGeom prst="rect">
+            <a:avLst/>
+          </a:prstGeom>
+          <a:noFill/>
+        </p:spPr>
+        <p:txBody>
+          <a:bodyPr wrap="square" rtlCol="0">
+            <a:spAutoFit/>
+          </a:bodyPr>
+          <a:lstStyle/>
+          <a:p>
+            <a:r>
+              <a:rPr lang="pt-BR" sz="4400" dirty="0"/>
+              <a:t>Instalação do Anaconda</a:t>
+            </a:r>
+          </a:p>
+        </p:txBody>
+      </p:sp>
+      <p:sp>
+        <p:nvSpPr>
+          <p:cNvPr id="3" name="CaixaDeTexto 2">
+            <a:extLst>
+              <a:ext uri="{FF2B5EF4-FFF2-40B4-BE49-F238E27FC236}">
+                <a16:creationId xmlns:a16="http://schemas.microsoft.com/office/drawing/2014/main" id="{CB01744B-6F29-473E-8AD7-9641113914C7}"/>
+              </a:ext>
+            </a:extLst>
+          </p:cNvPr>
+          <p:cNvSpPr txBox="1"/>
+          <p:nvPr/>
+        </p:nvSpPr>
+        <p:spPr>
+          <a:xfrm>
+            <a:off x="394283" y="1124125"/>
+            <a:ext cx="10956022" cy="1200329"/>
+          </a:xfrm>
+          <a:prstGeom prst="rect">
+            <a:avLst/>
+          </a:prstGeom>
+          <a:noFill/>
+        </p:spPr>
+        <p:txBody>
+          <a:bodyPr wrap="square" rtlCol="0">
+            <a:spAutoFit/>
+          </a:bodyPr>
+          <a:lstStyle/>
+          <a:p>
+            <a:r>
+              <a:rPr lang="pt-BR" dirty="0"/>
+              <a:t>· Anaconda é um Pacote feito em Python que facilita todo nosso trabalho. Nela temos o interpretador Python e diversos outros pacotes que facilitam a nossa vida. </a:t>
+            </a:r>
+          </a:p>
+          <a:p>
+            <a:r>
+              <a:rPr lang="pt-BR" dirty="0"/>
+              <a:t>· Geralmente quem usa o Anaconda trabalha com Data Science e </a:t>
+            </a:r>
+            <a:r>
+              <a:rPr lang="pt-BR" dirty="0" err="1"/>
+              <a:t>Machine</a:t>
+            </a:r>
+            <a:r>
+              <a:rPr lang="pt-BR" dirty="0"/>
+              <a:t> Learning, mas qualquer um pode utilizar, tem regram não </a:t>
+            </a:r>
+          </a:p>
+        </p:txBody>
+      </p:sp>
+      <p:sp>
+        <p:nvSpPr>
+          <p:cNvPr id="4" name="CaixaDeTexto 3">
+            <a:extLst>
+              <a:ext uri="{FF2B5EF4-FFF2-40B4-BE49-F238E27FC236}">
+                <a16:creationId xmlns:a16="http://schemas.microsoft.com/office/drawing/2014/main" id="{7EC3503A-1202-4A40-A5E7-6D30965C12D3}"/>
+              </a:ext>
+            </a:extLst>
+          </p:cNvPr>
+          <p:cNvSpPr txBox="1"/>
+          <p:nvPr/>
+        </p:nvSpPr>
+        <p:spPr>
+          <a:xfrm>
+            <a:off x="478172" y="2323372"/>
+            <a:ext cx="9093667" cy="369332"/>
+          </a:xfrm>
+          <a:prstGeom prst="rect">
+            <a:avLst/>
+          </a:prstGeom>
+          <a:noFill/>
+        </p:spPr>
+        <p:txBody>
+          <a:bodyPr wrap="square" rtlCol="0">
+            <a:spAutoFit/>
+          </a:bodyPr>
+          <a:lstStyle/>
+          <a:p>
+            <a:r>
+              <a:rPr lang="pt-BR" b="1" dirty="0"/>
+              <a:t>Passo 1: Va no site do Anaconda e faça a instalação da versão mais recente.</a:t>
+            </a:r>
+          </a:p>
+        </p:txBody>
+      </p:sp>
+      <p:pic>
+        <p:nvPicPr>
+          <p:cNvPr id="10" name="Picture 9">
+            <a:extLst>
+              <a:ext uri="{FF2B5EF4-FFF2-40B4-BE49-F238E27FC236}">
+                <a16:creationId xmlns:a16="http://schemas.microsoft.com/office/drawing/2014/main" id="{7D189D14-7195-ACDC-2393-8D0175484CB5}"/>
+              </a:ext>
+            </a:extLst>
+          </p:cNvPr>
+          <p:cNvPicPr>
+            <a:picLocks noChangeAspect="1"/>
+          </p:cNvPicPr>
+          <p:nvPr/>
+        </p:nvPicPr>
+        <p:blipFill>
+          <a:blip r:embed="rId2"/>
+          <a:stretch>
+            <a:fillRect/>
+          </a:stretch>
+        </p:blipFill>
+        <p:spPr>
+          <a:xfrm>
+            <a:off x="478172" y="2871925"/>
+            <a:ext cx="6178861" cy="3475609"/>
+          </a:xfrm>
+          <a:prstGeom prst="rect">
+            <a:avLst/>
+          </a:prstGeom>
+        </p:spPr>
+      </p:pic>
+      <p:sp>
+        <p:nvSpPr>
+          <p:cNvPr id="11" name="Arrow: Right 10">
+            <a:extLst>
+              <a:ext uri="{FF2B5EF4-FFF2-40B4-BE49-F238E27FC236}">
+                <a16:creationId xmlns:a16="http://schemas.microsoft.com/office/drawing/2014/main" id="{807B198D-9AA6-F978-3045-8D0D735079AA}"/>
+              </a:ext>
+            </a:extLst>
+          </p:cNvPr>
+          <p:cNvSpPr/>
+          <p:nvPr/>
+        </p:nvSpPr>
+        <p:spPr>
+          <a:xfrm rot="10800000">
+            <a:off x="2814222" y="5076359"/>
+            <a:ext cx="621437" cy="390618"/>
+          </a:xfrm>
+          <a:prstGeom prst="rightArrow">
+            <a:avLst/>
+          </a:prstGeom>
+          <a:solidFill>
+            <a:srgbClr val="FF0000"/>
+          </a:solidFill>
+        </p:spPr>
+        <p:style>
+          <a:lnRef idx="2">
+            <a:schemeClr val="accent1">
+              <a:shade val="15000"/>
+            </a:schemeClr>
+          </a:lnRef>
+          <a:fillRef idx="1">
+            <a:schemeClr val="accent1"/>
+          </a:fillRef>
+          <a:effectRef idx="0">
+            <a:schemeClr val="accent1"/>
+          </a:effectRef>
+          <a:fontRef idx="minor">
+            <a:schemeClr val="lt1"/>
+          </a:fontRef>
+        </p:style>
+        <p:txBody>
+          <a:bodyPr rtlCol="0" anchor="ctr"/>
+          <a:lstStyle/>
+          <a:p>
+            <a:pPr algn="ctr"/>
+            <a:endParaRPr lang="en-GB"/>
+          </a:p>
+        </p:txBody>
+      </p:sp>
+    </p:spTree>
+    <p:extLst>
+      <p:ext uri="{BB962C8B-B14F-4D97-AF65-F5344CB8AC3E}">
+        <p14:creationId xmlns:p14="http://schemas.microsoft.com/office/powerpoint/2010/main" val="2742566551"/>
+      </p:ext>
+    </p:extLst>
+  </p:cSld>
+  <p:clrMapOvr>
+    <a:masterClrMapping/>
+  </p:clrMapOvr>
+</p:sld>
+</file>
+
+<file path=ppt/slides/slide19.xml><?xml version="1.0" encoding="utf-8"?>
+<p:sld xmlns:a="http://schemas.openxmlformats.org/drawingml/2006/main" xmlns:r="http://schemas.openxmlformats.org/officeDocument/2006/relationships" xmlns:p="http://schemas.openxmlformats.org/presentationml/2006/main">
+  <p:cSld>
+    <p:spTree>
+      <p:nvGrpSpPr>
+        <p:cNvPr id="1" name=""/>
+        <p:cNvGrpSpPr/>
+        <p:nvPr/>
+      </p:nvGrpSpPr>
+      <p:grpSpPr>
+        <a:xfrm>
+          <a:off x="0" y="0"/>
+          <a:ext cx="0" cy="0"/>
+          <a:chOff x="0" y="0"/>
+          <a:chExt cx="0" cy="0"/>
+        </a:xfrm>
+      </p:grpSpPr>
+      <p:sp>
+        <p:nvSpPr>
+          <p:cNvPr id="2" name="CaixaDeTexto 1">
+            <a:extLst>
+              <a:ext uri="{FF2B5EF4-FFF2-40B4-BE49-F238E27FC236}">
+                <a16:creationId xmlns:a16="http://schemas.microsoft.com/office/drawing/2014/main" id="{1B8D8F9E-DAE0-4F5A-8D1F-5ADED9E681E7}"/>
+              </a:ext>
+            </a:extLst>
+          </p:cNvPr>
+          <p:cNvSpPr txBox="1"/>
+          <p:nvPr/>
+        </p:nvSpPr>
+        <p:spPr>
+          <a:xfrm>
+            <a:off x="276837" y="268448"/>
+            <a:ext cx="9295002" cy="769441"/>
+          </a:xfrm>
+          <a:prstGeom prst="rect">
+            <a:avLst/>
+          </a:prstGeom>
+          <a:noFill/>
+        </p:spPr>
+        <p:txBody>
+          <a:bodyPr wrap="square" rtlCol="0">
+            <a:spAutoFit/>
+          </a:bodyPr>
+          <a:lstStyle/>
+          <a:p>
+            <a:r>
+              <a:rPr lang="pt-BR" sz="4400" dirty="0"/>
+              <a:t>Instalação do Anaconda</a:t>
+            </a:r>
+          </a:p>
+        </p:txBody>
+      </p:sp>
+      <p:sp>
+        <p:nvSpPr>
+          <p:cNvPr id="4" name="CaixaDeTexto 3">
+            <a:extLst>
+              <a:ext uri="{FF2B5EF4-FFF2-40B4-BE49-F238E27FC236}">
+                <a16:creationId xmlns:a16="http://schemas.microsoft.com/office/drawing/2014/main" id="{7EC3503A-1202-4A40-A5E7-6D30965C12D3}"/>
+              </a:ext>
+            </a:extLst>
+          </p:cNvPr>
+          <p:cNvSpPr txBox="1"/>
+          <p:nvPr/>
+        </p:nvSpPr>
+        <p:spPr>
+          <a:xfrm>
+            <a:off x="377504" y="1192412"/>
+            <a:ext cx="9093667" cy="646331"/>
+          </a:xfrm>
+          <a:prstGeom prst="rect">
+            <a:avLst/>
+          </a:prstGeom>
+          <a:noFill/>
+        </p:spPr>
+        <p:txBody>
+          <a:bodyPr wrap="square" rtlCol="0">
+            <a:spAutoFit/>
+          </a:bodyPr>
+          <a:lstStyle/>
+          <a:p>
+            <a:r>
+              <a:rPr lang="pt-BR" b="1" dirty="0"/>
+              <a:t>Passo 2: Siga o </a:t>
+            </a:r>
+            <a:r>
+              <a:rPr lang="pt-BR" b="1" dirty="0" err="1"/>
+              <a:t>Wizard</a:t>
+            </a:r>
+            <a:r>
+              <a:rPr lang="pt-BR" b="1" dirty="0"/>
+              <a:t> do Windows até essa página. Não esqueça de selecionar todos as opções antes de clicar no botão </a:t>
+            </a:r>
+            <a:r>
+              <a:rPr lang="pt-BR" b="1" dirty="0" err="1"/>
+              <a:t>install</a:t>
+            </a:r>
+            <a:r>
+              <a:rPr lang="pt-BR" b="1" dirty="0"/>
+              <a:t>. </a:t>
+            </a:r>
+          </a:p>
+        </p:txBody>
+      </p:sp>
+      <p:pic>
+        <p:nvPicPr>
+          <p:cNvPr id="6" name="Picture 5">
+            <a:extLst>
+              <a:ext uri="{FF2B5EF4-FFF2-40B4-BE49-F238E27FC236}">
+                <a16:creationId xmlns:a16="http://schemas.microsoft.com/office/drawing/2014/main" id="{8A97FA7E-16E9-7D73-FDF1-B39FAC10BF0E}"/>
+              </a:ext>
+            </a:extLst>
+          </p:cNvPr>
+          <p:cNvPicPr>
+            <a:picLocks noChangeAspect="1"/>
+          </p:cNvPicPr>
+          <p:nvPr/>
+        </p:nvPicPr>
+        <p:blipFill>
+          <a:blip r:embed="rId2"/>
+          <a:stretch>
+            <a:fillRect/>
+          </a:stretch>
+        </p:blipFill>
+        <p:spPr>
+          <a:xfrm>
+            <a:off x="377504" y="2101797"/>
+            <a:ext cx="5358738" cy="4175529"/>
+          </a:xfrm>
+          <a:prstGeom prst="rect">
+            <a:avLst/>
+          </a:prstGeom>
+        </p:spPr>
+      </p:pic>
+      <p:sp>
+        <p:nvSpPr>
+          <p:cNvPr id="7" name="CaixaDeTexto 3">
+            <a:extLst>
+              <a:ext uri="{FF2B5EF4-FFF2-40B4-BE49-F238E27FC236}">
+                <a16:creationId xmlns:a16="http://schemas.microsoft.com/office/drawing/2014/main" id="{1C51F85C-4BCA-0B4C-ECC2-95D9CBFD628F}"/>
+              </a:ext>
+            </a:extLst>
+          </p:cNvPr>
+          <p:cNvSpPr txBox="1"/>
+          <p:nvPr/>
+        </p:nvSpPr>
+        <p:spPr>
+          <a:xfrm>
+            <a:off x="6096000" y="2253922"/>
+            <a:ext cx="4128655" cy="369332"/>
+          </a:xfrm>
+          <a:prstGeom prst="rect">
+            <a:avLst/>
+          </a:prstGeom>
+          <a:noFill/>
+        </p:spPr>
+        <p:txBody>
+          <a:bodyPr wrap="square" rtlCol="0">
+            <a:spAutoFit/>
+          </a:bodyPr>
+          <a:lstStyle/>
+          <a:p>
+            <a:r>
+              <a:rPr lang="pt-BR" b="1" dirty="0"/>
+              <a:t>Passo 3: Instalado, agora é só utilizar.</a:t>
+            </a:r>
+          </a:p>
+        </p:txBody>
+      </p:sp>
+    </p:spTree>
+    <p:extLst>
+      <p:ext uri="{BB962C8B-B14F-4D97-AF65-F5344CB8AC3E}">
+        <p14:creationId xmlns:p14="http://schemas.microsoft.com/office/powerpoint/2010/main" val="3450017917"/>
+      </p:ext>
+    </p:extLst>
+  </p:cSld>
+  <p:clrMapOvr>
+    <a:masterClrMapping/>
+  </p:clrMapOvr>
+</p:sld>
+</file>
+
 <file path=ppt/slides/slide2.xml><?xml version="1.0" encoding="utf-8"?>
 <p:sld xmlns:a="http://schemas.openxmlformats.org/drawingml/2006/main" xmlns:r="http://schemas.openxmlformats.org/officeDocument/2006/relationships" xmlns:p="http://schemas.openxmlformats.org/presentationml/2006/main">
   <p:cSld>
@@ -14641,7 +15260,7 @@
           <a:noFill/>
           <a:extLst>
             <a:ext uri="{909E8E84-426E-40dd-AFC4-6F175D3DCCD1}">
-              <a14:hiddenFill xmlns:a14="http://schemas.microsoft.com/office/drawing/2010/main" xmlns:a16="http://schemas.microsoft.com/office/drawing/2014/main" xmlns="">
+              <a14:hiddenFill xmlns="" xmlns:a16="http://schemas.microsoft.com/office/drawing/2014/main" xmlns:a14="http://schemas.microsoft.com/office/drawing/2010/main">
                 <a:solidFill>
                   <a:srgbClr val="FFFFFF"/>
                 </a:solidFill>
@@ -14762,7 +15381,7 @@
               </a:ln>
               <a:extLst>
                 <a:ext uri="{91240B29-F687-4f45-9708-019B960494DF}">
-                  <a14:hiddenLine xmlns:a14="http://schemas.microsoft.com/office/drawing/2010/main" xmlns:a16="http://schemas.microsoft.com/office/drawing/2014/main" xmlns="" w="9525">
+                  <a14:hiddenLine xmlns="" xmlns:a16="http://schemas.microsoft.com/office/drawing/2014/main" xmlns:a14="http://schemas.microsoft.com/office/drawing/2010/main" w="9525">
                     <a:solidFill>
                       <a:srgbClr val="000000"/>
                     </a:solidFill>
@@ -14773,6 +15392,13 @@
                 </a:ext>
               </a:extLst>
             </p:spPr>
+            <p:txBody>
+              <a:bodyPr/>
+              <a:lstStyle/>
+              <a:p>
+                <a:endParaRPr lang="en-GB"/>
+              </a:p>
+            </p:txBody>
           </p:sp>
           <p:sp>
             <p:nvSpPr>
@@ -14867,7 +15493,7 @@
               </a:ln>
               <a:extLst>
                 <a:ext uri="{91240B29-F687-4f45-9708-019B960494DF}">
-                  <a14:hiddenLine xmlns:a14="http://schemas.microsoft.com/office/drawing/2010/main" xmlns:a16="http://schemas.microsoft.com/office/drawing/2014/main" xmlns="" w="9525">
+                  <a14:hiddenLine xmlns="" xmlns:a16="http://schemas.microsoft.com/office/drawing/2014/main" xmlns:a14="http://schemas.microsoft.com/office/drawing/2010/main" w="9525">
                     <a:solidFill>
                       <a:srgbClr val="000000"/>
                     </a:solidFill>
@@ -14878,6 +15504,13 @@
                 </a:ext>
               </a:extLst>
             </p:spPr>
+            <p:txBody>
+              <a:bodyPr/>
+              <a:lstStyle/>
+              <a:p>
+                <a:endParaRPr lang="en-GB"/>
+              </a:p>
+            </p:txBody>
           </p:sp>
           <p:sp>
             <p:nvSpPr>
@@ -14972,7 +15605,7 @@
               </a:ln>
               <a:extLst>
                 <a:ext uri="{91240B29-F687-4f45-9708-019B960494DF}">
-                  <a14:hiddenLine xmlns:a14="http://schemas.microsoft.com/office/drawing/2010/main" xmlns:a16="http://schemas.microsoft.com/office/drawing/2014/main" xmlns="" w="9525">
+                  <a14:hiddenLine xmlns="" xmlns:a16="http://schemas.microsoft.com/office/drawing/2014/main" xmlns:a14="http://schemas.microsoft.com/office/drawing/2010/main" w="9525">
                     <a:solidFill>
                       <a:srgbClr val="000000"/>
                     </a:solidFill>
@@ -14983,6 +15616,13 @@
                 </a:ext>
               </a:extLst>
             </p:spPr>
+            <p:txBody>
+              <a:bodyPr/>
+              <a:lstStyle/>
+              <a:p>
+                <a:endParaRPr lang="en-GB"/>
+              </a:p>
+            </p:txBody>
           </p:sp>
           <p:sp>
             <p:nvSpPr>
@@ -15049,7 +15689,7 @@
               </a:ln>
               <a:extLst>
                 <a:ext uri="{91240B29-F687-4f45-9708-019B960494DF}">
-                  <a14:hiddenLine xmlns:a14="http://schemas.microsoft.com/office/drawing/2010/main" xmlns:a16="http://schemas.microsoft.com/office/drawing/2014/main" xmlns="" w="9525">
+                  <a14:hiddenLine xmlns="" xmlns:a16="http://schemas.microsoft.com/office/drawing/2014/main" xmlns:a14="http://schemas.microsoft.com/office/drawing/2010/main" w="9525">
                     <a:solidFill>
                       <a:srgbClr val="000000"/>
                     </a:solidFill>
@@ -15060,6 +15700,13 @@
                 </a:ext>
               </a:extLst>
             </p:spPr>
+            <p:txBody>
+              <a:bodyPr/>
+              <a:lstStyle/>
+              <a:p>
+                <a:endParaRPr lang="en-GB"/>
+              </a:p>
+            </p:txBody>
           </p:sp>
           <p:sp>
             <p:nvSpPr>
@@ -15154,7 +15801,7 @@
               </a:ln>
               <a:extLst>
                 <a:ext uri="{91240B29-F687-4f45-9708-019B960494DF}">
-                  <a14:hiddenLine xmlns:a14="http://schemas.microsoft.com/office/drawing/2010/main" xmlns:a16="http://schemas.microsoft.com/office/drawing/2014/main" xmlns="" w="9525">
+                  <a14:hiddenLine xmlns="" xmlns:a16="http://schemas.microsoft.com/office/drawing/2014/main" xmlns:a14="http://schemas.microsoft.com/office/drawing/2010/main" w="9525">
                     <a:solidFill>
                       <a:srgbClr val="000000"/>
                     </a:solidFill>
@@ -15165,6 +15812,13 @@
                 </a:ext>
               </a:extLst>
             </p:spPr>
+            <p:txBody>
+              <a:bodyPr/>
+              <a:lstStyle/>
+              <a:p>
+                <a:endParaRPr lang="en-GB"/>
+              </a:p>
+            </p:txBody>
           </p:sp>
           <p:sp>
             <p:nvSpPr>
@@ -15231,7 +15885,7 @@
               </a:ln>
               <a:extLst>
                 <a:ext uri="{91240B29-F687-4f45-9708-019B960494DF}">
-                  <a14:hiddenLine xmlns:a14="http://schemas.microsoft.com/office/drawing/2010/main" xmlns:a16="http://schemas.microsoft.com/office/drawing/2014/main" xmlns="" w="9525">
+                  <a14:hiddenLine xmlns="" xmlns:a16="http://schemas.microsoft.com/office/drawing/2014/main" xmlns:a14="http://schemas.microsoft.com/office/drawing/2010/main" w="9525">
                     <a:solidFill>
                       <a:srgbClr val="000000"/>
                     </a:solidFill>
@@ -15242,6 +15896,13 @@
                 </a:ext>
               </a:extLst>
             </p:spPr>
+            <p:txBody>
+              <a:bodyPr/>
+              <a:lstStyle/>
+              <a:p>
+                <a:endParaRPr lang="en-GB"/>
+              </a:p>
+            </p:txBody>
           </p:sp>
           <p:sp>
             <p:nvSpPr>
@@ -15308,7 +15969,7 @@
               </a:ln>
               <a:extLst>
                 <a:ext uri="{91240B29-F687-4f45-9708-019B960494DF}">
-                  <a14:hiddenLine xmlns:a14="http://schemas.microsoft.com/office/drawing/2010/main" xmlns:a16="http://schemas.microsoft.com/office/drawing/2014/main" xmlns="" w="9525">
+                  <a14:hiddenLine xmlns="" xmlns:a16="http://schemas.microsoft.com/office/drawing/2014/main" xmlns:a14="http://schemas.microsoft.com/office/drawing/2010/main" w="9525">
                     <a:solidFill>
                       <a:srgbClr val="000000"/>
                     </a:solidFill>
@@ -15319,6 +15980,13 @@
                 </a:ext>
               </a:extLst>
             </p:spPr>
+            <p:txBody>
+              <a:bodyPr/>
+              <a:lstStyle/>
+              <a:p>
+                <a:endParaRPr lang="en-GB"/>
+              </a:p>
+            </p:txBody>
           </p:sp>
           <p:sp>
             <p:nvSpPr>
@@ -15413,7 +16081,7 @@
               </a:ln>
               <a:extLst>
                 <a:ext uri="{91240B29-F687-4f45-9708-019B960494DF}">
-                  <a14:hiddenLine xmlns:a14="http://schemas.microsoft.com/office/drawing/2010/main" xmlns:a16="http://schemas.microsoft.com/office/drawing/2014/main" xmlns="" w="9525">
+                  <a14:hiddenLine xmlns="" xmlns:a16="http://schemas.microsoft.com/office/drawing/2014/main" xmlns:a14="http://schemas.microsoft.com/office/drawing/2010/main" w="9525">
                     <a:solidFill>
                       <a:srgbClr val="000000"/>
                     </a:solidFill>
@@ -15424,6 +16092,13 @@
                 </a:ext>
               </a:extLst>
             </p:spPr>
+            <p:txBody>
+              <a:bodyPr/>
+              <a:lstStyle/>
+              <a:p>
+                <a:endParaRPr lang="en-GB"/>
+              </a:p>
+            </p:txBody>
           </p:sp>
           <p:sp>
             <p:nvSpPr>
@@ -15518,7 +16193,7 @@
               </a:ln>
               <a:extLst>
                 <a:ext uri="{91240B29-F687-4f45-9708-019B960494DF}">
-                  <a14:hiddenLine xmlns:a14="http://schemas.microsoft.com/office/drawing/2010/main" xmlns:a16="http://schemas.microsoft.com/office/drawing/2014/main" xmlns="" w="9525">
+                  <a14:hiddenLine xmlns="" xmlns:a16="http://schemas.microsoft.com/office/drawing/2014/main" xmlns:a14="http://schemas.microsoft.com/office/drawing/2010/main" w="9525">
                     <a:solidFill>
                       <a:srgbClr val="000000"/>
                     </a:solidFill>
@@ -15529,6 +16204,13 @@
                 </a:ext>
               </a:extLst>
             </p:spPr>
+            <p:txBody>
+              <a:bodyPr/>
+              <a:lstStyle/>
+              <a:p>
+                <a:endParaRPr lang="en-GB"/>
+              </a:p>
+            </p:txBody>
           </p:sp>
           <p:sp>
             <p:nvSpPr>
@@ -15595,7 +16277,7 @@
               </a:ln>
               <a:extLst>
                 <a:ext uri="{91240B29-F687-4f45-9708-019B960494DF}">
-                  <a14:hiddenLine xmlns:a14="http://schemas.microsoft.com/office/drawing/2010/main" xmlns:a16="http://schemas.microsoft.com/office/drawing/2014/main" xmlns="" w="9525">
+                  <a14:hiddenLine xmlns="" xmlns:a16="http://schemas.microsoft.com/office/drawing/2014/main" xmlns:a14="http://schemas.microsoft.com/office/drawing/2010/main" w="9525">
                     <a:solidFill>
                       <a:srgbClr val="000000"/>
                     </a:solidFill>
@@ -15606,6 +16288,13 @@
                 </a:ext>
               </a:extLst>
             </p:spPr>
+            <p:txBody>
+              <a:bodyPr/>
+              <a:lstStyle/>
+              <a:p>
+                <a:endParaRPr lang="en-GB"/>
+              </a:p>
+            </p:txBody>
           </p:sp>
           <p:sp>
             <p:nvSpPr>
@@ -15720,7 +16409,7 @@
               </a:ln>
               <a:extLst>
                 <a:ext uri="{91240B29-F687-4f45-9708-019B960494DF}">
-                  <a14:hiddenLine xmlns:a14="http://schemas.microsoft.com/office/drawing/2010/main" xmlns:a16="http://schemas.microsoft.com/office/drawing/2014/main" xmlns="" w="9525">
+                  <a14:hiddenLine xmlns="" xmlns:a16="http://schemas.microsoft.com/office/drawing/2014/main" xmlns:a14="http://schemas.microsoft.com/office/drawing/2010/main" w="9525">
                     <a:solidFill>
                       <a:srgbClr val="000000"/>
                     </a:solidFill>
@@ -15731,6 +16420,13 @@
                 </a:ext>
               </a:extLst>
             </p:spPr>
+            <p:txBody>
+              <a:bodyPr/>
+              <a:lstStyle/>
+              <a:p>
+                <a:endParaRPr lang="en-GB"/>
+              </a:p>
+            </p:txBody>
           </p:sp>
           <p:sp>
             <p:nvSpPr>
@@ -15774,6 +16470,13 @@
                 <a:tailEnd/>
               </a:ln>
             </p:spPr>
+            <p:txBody>
+              <a:bodyPr/>
+              <a:lstStyle/>
+              <a:p>
+                <a:endParaRPr lang="en-GB"/>
+              </a:p>
+            </p:txBody>
           </p:sp>
           <p:sp>
             <p:nvSpPr>
@@ -15834,7 +16537,7 @@
               </a:ln>
               <a:extLst>
                 <a:ext uri="{91240B29-F687-4f45-9708-019B960494DF}">
-                  <a14:hiddenLine xmlns:a14="http://schemas.microsoft.com/office/drawing/2010/main" xmlns:a16="http://schemas.microsoft.com/office/drawing/2014/main" xmlns="" w="9525">
+                  <a14:hiddenLine xmlns="" xmlns:a16="http://schemas.microsoft.com/office/drawing/2014/main" xmlns:a14="http://schemas.microsoft.com/office/drawing/2010/main" w="9525">
                     <a:solidFill>
                       <a:srgbClr val="000000"/>
                     </a:solidFill>
@@ -15845,6 +16548,13 @@
                 </a:ext>
               </a:extLst>
             </p:spPr>
+            <p:txBody>
+              <a:bodyPr/>
+              <a:lstStyle/>
+              <a:p>
+                <a:endParaRPr lang="en-GB"/>
+              </a:p>
+            </p:txBody>
           </p:sp>
           <p:sp>
             <p:nvSpPr>
@@ -15911,7 +16621,7 @@
               </a:ln>
               <a:extLst>
                 <a:ext uri="{91240B29-F687-4f45-9708-019B960494DF}">
-                  <a14:hiddenLine xmlns:a14="http://schemas.microsoft.com/office/drawing/2010/main" xmlns:a16="http://schemas.microsoft.com/office/drawing/2014/main" xmlns="" w="9525">
+                  <a14:hiddenLine xmlns="" xmlns:a16="http://schemas.microsoft.com/office/drawing/2014/main" xmlns:a14="http://schemas.microsoft.com/office/drawing/2010/main" w="9525">
                     <a:solidFill>
                       <a:srgbClr val="000000"/>
                     </a:solidFill>
@@ -15922,6 +16632,13 @@
                 </a:ext>
               </a:extLst>
             </p:spPr>
+            <p:txBody>
+              <a:bodyPr/>
+              <a:lstStyle/>
+              <a:p>
+                <a:endParaRPr lang="en-GB"/>
+              </a:p>
+            </p:txBody>
           </p:sp>
           <p:sp>
             <p:nvSpPr>
@@ -15988,7 +16705,7 @@
               </a:ln>
               <a:extLst>
                 <a:ext uri="{91240B29-F687-4f45-9708-019B960494DF}">
-                  <a14:hiddenLine xmlns:a14="http://schemas.microsoft.com/office/drawing/2010/main" xmlns:a16="http://schemas.microsoft.com/office/drawing/2014/main" xmlns="" w="9525">
+                  <a14:hiddenLine xmlns="" xmlns:a16="http://schemas.microsoft.com/office/drawing/2014/main" xmlns:a14="http://schemas.microsoft.com/office/drawing/2010/main" w="9525">
                     <a:solidFill>
                       <a:srgbClr val="000000"/>
                     </a:solidFill>
@@ -15999,6 +16716,13 @@
                 </a:ext>
               </a:extLst>
             </p:spPr>
+            <p:txBody>
+              <a:bodyPr/>
+              <a:lstStyle/>
+              <a:p>
+                <a:endParaRPr lang="en-GB"/>
+              </a:p>
+            </p:txBody>
           </p:sp>
           <p:sp>
             <p:nvSpPr>
@@ -16093,7 +16817,7 @@
               </a:ln>
               <a:extLst>
                 <a:ext uri="{91240B29-F687-4f45-9708-019B960494DF}">
-                  <a14:hiddenLine xmlns:a14="http://schemas.microsoft.com/office/drawing/2010/main" xmlns:a16="http://schemas.microsoft.com/office/drawing/2014/main" xmlns="" w="9525">
+                  <a14:hiddenLine xmlns="" xmlns:a16="http://schemas.microsoft.com/office/drawing/2014/main" xmlns:a14="http://schemas.microsoft.com/office/drawing/2010/main" w="9525">
                     <a:solidFill>
                       <a:srgbClr val="000000"/>
                     </a:solidFill>
@@ -16104,6 +16828,13 @@
                 </a:ext>
               </a:extLst>
             </p:spPr>
+            <p:txBody>
+              <a:bodyPr/>
+              <a:lstStyle/>
+              <a:p>
+                <a:endParaRPr lang="en-GB"/>
+              </a:p>
+            </p:txBody>
           </p:sp>
           <p:sp>
             <p:nvSpPr>
@@ -16142,7 +16873,7 @@
               </a:ln>
               <a:extLst>
                 <a:ext uri="{91240B29-F687-4f45-9708-019B960494DF}">
-                  <a14:hiddenLine xmlns:a14="http://schemas.microsoft.com/office/drawing/2010/main" xmlns:a16="http://schemas.microsoft.com/office/drawing/2014/main" xmlns="" w="9525">
+                  <a14:hiddenLine xmlns="" xmlns:a16="http://schemas.microsoft.com/office/drawing/2014/main" xmlns:a14="http://schemas.microsoft.com/office/drawing/2010/main" w="9525">
                     <a:solidFill>
                       <a:srgbClr val="000000"/>
                     </a:solidFill>
@@ -16153,6 +16884,13 @@
                 </a:ext>
               </a:extLst>
             </p:spPr>
+            <p:txBody>
+              <a:bodyPr/>
+              <a:lstStyle/>
+              <a:p>
+                <a:endParaRPr lang="en-GB"/>
+              </a:p>
+            </p:txBody>
           </p:sp>
           <p:sp>
             <p:nvSpPr>
@@ -16222,7 +16960,7 @@
               </a:ln>
               <a:extLst>
                 <a:ext uri="{91240B29-F687-4f45-9708-019B960494DF}">
-                  <a14:hiddenLine xmlns:a14="http://schemas.microsoft.com/office/drawing/2010/main" xmlns:a16="http://schemas.microsoft.com/office/drawing/2014/main" xmlns="" w="9525">
+                  <a14:hiddenLine xmlns="" xmlns:a16="http://schemas.microsoft.com/office/drawing/2014/main" xmlns:a14="http://schemas.microsoft.com/office/drawing/2010/main" w="9525">
                     <a:solidFill>
                       <a:srgbClr val="000000"/>
                     </a:solidFill>
@@ -16233,6 +16971,13 @@
                 </a:ext>
               </a:extLst>
             </p:spPr>
+            <p:txBody>
+              <a:bodyPr/>
+              <a:lstStyle/>
+              <a:p>
+                <a:endParaRPr lang="en-GB"/>
+              </a:p>
+            </p:txBody>
           </p:sp>
           <p:sp>
             <p:nvSpPr>
@@ -16327,7 +17072,7 @@
               </a:ln>
               <a:extLst>
                 <a:ext uri="{91240B29-F687-4f45-9708-019B960494DF}">
-                  <a14:hiddenLine xmlns:a14="http://schemas.microsoft.com/office/drawing/2010/main" xmlns:a16="http://schemas.microsoft.com/office/drawing/2014/main" xmlns="" w="9525">
+                  <a14:hiddenLine xmlns="" xmlns:a16="http://schemas.microsoft.com/office/drawing/2014/main" xmlns:a14="http://schemas.microsoft.com/office/drawing/2010/main" w="9525">
                     <a:solidFill>
                       <a:srgbClr val="000000"/>
                     </a:solidFill>
@@ -16338,6 +17083,13 @@
                 </a:ext>
               </a:extLst>
             </p:spPr>
+            <p:txBody>
+              <a:bodyPr/>
+              <a:lstStyle/>
+              <a:p>
+                <a:endParaRPr lang="en-GB"/>
+              </a:p>
+            </p:txBody>
           </p:sp>
           <p:sp>
             <p:nvSpPr>
@@ -16404,7 +17156,7 @@
               </a:ln>
               <a:extLst>
                 <a:ext uri="{91240B29-F687-4f45-9708-019B960494DF}">
-                  <a14:hiddenLine xmlns:a14="http://schemas.microsoft.com/office/drawing/2010/main" xmlns:a16="http://schemas.microsoft.com/office/drawing/2014/main" xmlns="" w="9525">
+                  <a14:hiddenLine xmlns="" xmlns:a16="http://schemas.microsoft.com/office/drawing/2014/main" xmlns:a14="http://schemas.microsoft.com/office/drawing/2010/main" w="9525">
                     <a:solidFill>
                       <a:srgbClr val="000000"/>
                     </a:solidFill>
@@ -16415,6 +17167,13 @@
                 </a:ext>
               </a:extLst>
             </p:spPr>
+            <p:txBody>
+              <a:bodyPr/>
+              <a:lstStyle/>
+              <a:p>
+                <a:endParaRPr lang="en-GB"/>
+              </a:p>
+            </p:txBody>
           </p:sp>
           <p:sp>
             <p:nvSpPr>
@@ -16509,7 +17268,7 @@
               </a:ln>
               <a:extLst>
                 <a:ext uri="{91240B29-F687-4f45-9708-019B960494DF}">
-                  <a14:hiddenLine xmlns:a14="http://schemas.microsoft.com/office/drawing/2010/main" xmlns:a16="http://schemas.microsoft.com/office/drawing/2014/main" xmlns="" w="9525">
+                  <a14:hiddenLine xmlns="" xmlns:a16="http://schemas.microsoft.com/office/drawing/2014/main" xmlns:a14="http://schemas.microsoft.com/office/drawing/2010/main" w="9525">
                     <a:solidFill>
                       <a:srgbClr val="000000"/>
                     </a:solidFill>
@@ -16520,6 +17279,13 @@
                 </a:ext>
               </a:extLst>
             </p:spPr>
+            <p:txBody>
+              <a:bodyPr/>
+              <a:lstStyle/>
+              <a:p>
+                <a:endParaRPr lang="en-GB"/>
+              </a:p>
+            </p:txBody>
           </p:sp>
           <p:sp>
             <p:nvSpPr>
@@ -16589,7 +17355,7 @@
               </a:ln>
               <a:extLst>
                 <a:ext uri="{91240B29-F687-4f45-9708-019B960494DF}">
-                  <a14:hiddenLine xmlns:a14="http://schemas.microsoft.com/office/drawing/2010/main" xmlns:a16="http://schemas.microsoft.com/office/drawing/2014/main" xmlns="" w="9525">
+                  <a14:hiddenLine xmlns="" xmlns:a16="http://schemas.microsoft.com/office/drawing/2014/main" xmlns:a14="http://schemas.microsoft.com/office/drawing/2010/main" w="9525">
                     <a:solidFill>
                       <a:srgbClr val="000000"/>
                     </a:solidFill>
@@ -16600,6 +17366,13 @@
                 </a:ext>
               </a:extLst>
             </p:spPr>
+            <p:txBody>
+              <a:bodyPr/>
+              <a:lstStyle/>
+              <a:p>
+                <a:endParaRPr lang="en-GB"/>
+              </a:p>
+            </p:txBody>
           </p:sp>
           <p:sp>
             <p:nvSpPr>
@@ -16666,7 +17439,7 @@
               </a:ln>
               <a:extLst>
                 <a:ext uri="{91240B29-F687-4f45-9708-019B960494DF}">
-                  <a14:hiddenLine xmlns:a14="http://schemas.microsoft.com/office/drawing/2010/main" xmlns:a16="http://schemas.microsoft.com/office/drawing/2014/main" xmlns="" w="9525">
+                  <a14:hiddenLine xmlns="" xmlns:a16="http://schemas.microsoft.com/office/drawing/2014/main" xmlns:a14="http://schemas.microsoft.com/office/drawing/2010/main" w="9525">
                     <a:solidFill>
                       <a:srgbClr val="000000"/>
                     </a:solidFill>
@@ -16677,6 +17450,13 @@
                 </a:ext>
               </a:extLst>
             </p:spPr>
+            <p:txBody>
+              <a:bodyPr/>
+              <a:lstStyle/>
+              <a:p>
+                <a:endParaRPr lang="en-GB"/>
+              </a:p>
+            </p:txBody>
           </p:sp>
           <p:sp>
             <p:nvSpPr>
@@ -16771,7 +17551,7 @@
               </a:ln>
               <a:extLst>
                 <a:ext uri="{91240B29-F687-4f45-9708-019B960494DF}">
-                  <a14:hiddenLine xmlns:a14="http://schemas.microsoft.com/office/drawing/2010/main" xmlns:a16="http://schemas.microsoft.com/office/drawing/2014/main" xmlns="" w="9525">
+                  <a14:hiddenLine xmlns="" xmlns:a16="http://schemas.microsoft.com/office/drawing/2014/main" xmlns:a14="http://schemas.microsoft.com/office/drawing/2010/main" w="9525">
                     <a:solidFill>
                       <a:srgbClr val="000000"/>
                     </a:solidFill>
@@ -16782,6 +17562,13 @@
                 </a:ext>
               </a:extLst>
             </p:spPr>
+            <p:txBody>
+              <a:bodyPr/>
+              <a:lstStyle/>
+              <a:p>
+                <a:endParaRPr lang="en-GB"/>
+              </a:p>
+            </p:txBody>
           </p:sp>
           <p:sp>
             <p:nvSpPr>
@@ -16876,7 +17663,7 @@
               </a:ln>
               <a:extLst>
                 <a:ext uri="{91240B29-F687-4f45-9708-019B960494DF}">
-                  <a14:hiddenLine xmlns:a14="http://schemas.microsoft.com/office/drawing/2010/main" xmlns:a16="http://schemas.microsoft.com/office/drawing/2014/main" xmlns="" w="9525">
+                  <a14:hiddenLine xmlns="" xmlns:a16="http://schemas.microsoft.com/office/drawing/2014/main" xmlns:a14="http://schemas.microsoft.com/office/drawing/2010/main" w="9525">
                     <a:solidFill>
                       <a:srgbClr val="000000"/>
                     </a:solidFill>
@@ -16887,6 +17674,13 @@
                 </a:ext>
               </a:extLst>
             </p:spPr>
+            <p:txBody>
+              <a:bodyPr/>
+              <a:lstStyle/>
+              <a:p>
+                <a:endParaRPr lang="en-GB"/>
+              </a:p>
+            </p:txBody>
           </p:sp>
           <p:sp>
             <p:nvSpPr>
@@ -16956,7 +17750,7 @@
               </a:ln>
               <a:extLst>
                 <a:ext uri="{91240B29-F687-4f45-9708-019B960494DF}">
-                  <a14:hiddenLine xmlns:a14="http://schemas.microsoft.com/office/drawing/2010/main" xmlns:a16="http://schemas.microsoft.com/office/drawing/2014/main" xmlns="" w="9525">
+                  <a14:hiddenLine xmlns="" xmlns:a16="http://schemas.microsoft.com/office/drawing/2014/main" xmlns:a14="http://schemas.microsoft.com/office/drawing/2010/main" w="9525">
                     <a:solidFill>
                       <a:srgbClr val="000000"/>
                     </a:solidFill>
@@ -16967,6 +17761,13 @@
                 </a:ext>
               </a:extLst>
             </p:spPr>
+            <p:txBody>
+              <a:bodyPr/>
+              <a:lstStyle/>
+              <a:p>
+                <a:endParaRPr lang="en-GB"/>
+              </a:p>
+            </p:txBody>
           </p:sp>
           <p:sp>
             <p:nvSpPr>
@@ -17091,7 +17892,7 @@
               </a:ln>
               <a:extLst>
                 <a:ext uri="{91240B29-F687-4f45-9708-019B960494DF}">
-                  <a14:hiddenLine xmlns:a14="http://schemas.microsoft.com/office/drawing/2010/main" xmlns:a16="http://schemas.microsoft.com/office/drawing/2014/main" xmlns="" w="9525">
+                  <a14:hiddenLine xmlns="" xmlns:a16="http://schemas.microsoft.com/office/drawing/2014/main" xmlns:a14="http://schemas.microsoft.com/office/drawing/2010/main" w="9525">
                     <a:solidFill>
                       <a:srgbClr val="000000"/>
                     </a:solidFill>
@@ -17102,6 +17903,13 @@
                 </a:ext>
               </a:extLst>
             </p:spPr>
+            <p:txBody>
+              <a:bodyPr/>
+              <a:lstStyle/>
+              <a:p>
+                <a:endParaRPr lang="en-GB"/>
+              </a:p>
+            </p:txBody>
           </p:sp>
         </p:grpSp>
         <p:grpSp>
@@ -17219,7 +18027,7 @@
               </a:ln>
               <a:extLst>
                 <a:ext uri="{91240B29-F687-4f45-9708-019B960494DF}">
-                  <a14:hiddenLine xmlns:a14="http://schemas.microsoft.com/office/drawing/2010/main" xmlns:a16="http://schemas.microsoft.com/office/drawing/2014/main" xmlns="" w="9525">
+                  <a14:hiddenLine xmlns="" xmlns:a16="http://schemas.microsoft.com/office/drawing/2014/main" xmlns:a14="http://schemas.microsoft.com/office/drawing/2010/main" w="9525">
                     <a:solidFill>
                       <a:srgbClr val="000000"/>
                     </a:solidFill>
@@ -17230,6 +18038,13 @@
                 </a:ext>
               </a:extLst>
             </p:spPr>
+            <p:txBody>
+              <a:bodyPr/>
+              <a:lstStyle/>
+              <a:p>
+                <a:endParaRPr lang="en-GB"/>
+              </a:p>
+            </p:txBody>
           </p:sp>
           <p:sp>
             <p:nvSpPr>
@@ -17349,7 +18164,7 @@
               </a:ln>
               <a:extLst>
                 <a:ext uri="{91240B29-F687-4f45-9708-019B960494DF}">
-                  <a14:hiddenLine xmlns:a14="http://schemas.microsoft.com/office/drawing/2010/main" xmlns:a16="http://schemas.microsoft.com/office/drawing/2014/main" xmlns="" w="9525">
+                  <a14:hiddenLine xmlns="" xmlns:a16="http://schemas.microsoft.com/office/drawing/2014/main" xmlns:a14="http://schemas.microsoft.com/office/drawing/2010/main" w="9525">
                     <a:solidFill>
                       <a:srgbClr val="000000"/>
                     </a:solidFill>
@@ -17360,6 +18175,13 @@
                 </a:ext>
               </a:extLst>
             </p:spPr>
+            <p:txBody>
+              <a:bodyPr/>
+              <a:lstStyle/>
+              <a:p>
+                <a:endParaRPr lang="en-GB"/>
+              </a:p>
+            </p:txBody>
           </p:sp>
           <p:sp>
             <p:nvSpPr>
@@ -17454,7 +18276,7 @@
               </a:ln>
               <a:extLst>
                 <a:ext uri="{91240B29-F687-4f45-9708-019B960494DF}">
-                  <a14:hiddenLine xmlns:a14="http://schemas.microsoft.com/office/drawing/2010/main" xmlns:a16="http://schemas.microsoft.com/office/drawing/2014/main" xmlns="" w="9525">
+                  <a14:hiddenLine xmlns="" xmlns:a16="http://schemas.microsoft.com/office/drawing/2014/main" xmlns:a14="http://schemas.microsoft.com/office/drawing/2010/main" w="9525">
                     <a:solidFill>
                       <a:srgbClr val="000000"/>
                     </a:solidFill>
@@ -17465,6 +18287,13 @@
                 </a:ext>
               </a:extLst>
             </p:spPr>
+            <p:txBody>
+              <a:bodyPr/>
+              <a:lstStyle/>
+              <a:p>
+                <a:endParaRPr lang="en-GB"/>
+              </a:p>
+            </p:txBody>
           </p:sp>
           <p:sp>
             <p:nvSpPr>
@@ -17534,7 +18363,7 @@
               </a:ln>
               <a:extLst>
                 <a:ext uri="{91240B29-F687-4f45-9708-019B960494DF}">
-                  <a14:hiddenLine xmlns:a14="http://schemas.microsoft.com/office/drawing/2010/main" xmlns:a16="http://schemas.microsoft.com/office/drawing/2014/main" xmlns="" w="9525">
+                  <a14:hiddenLine xmlns="" xmlns:a16="http://schemas.microsoft.com/office/drawing/2014/main" xmlns:a14="http://schemas.microsoft.com/office/drawing/2010/main" w="9525">
                     <a:solidFill>
                       <a:srgbClr val="000000"/>
                     </a:solidFill>
@@ -17545,6 +18374,13 @@
                 </a:ext>
               </a:extLst>
             </p:spPr>
+            <p:txBody>
+              <a:bodyPr/>
+              <a:lstStyle/>
+              <a:p>
+                <a:endParaRPr lang="en-GB"/>
+              </a:p>
+            </p:txBody>
           </p:sp>
           <p:sp>
             <p:nvSpPr>
@@ -17639,7 +18475,7 @@
               </a:ln>
               <a:extLst>
                 <a:ext uri="{91240B29-F687-4f45-9708-019B960494DF}">
-                  <a14:hiddenLine xmlns:a14="http://schemas.microsoft.com/office/drawing/2010/main" xmlns:a16="http://schemas.microsoft.com/office/drawing/2014/main" xmlns="" w="9525">
+                  <a14:hiddenLine xmlns="" xmlns:a16="http://schemas.microsoft.com/office/drawing/2014/main" xmlns:a14="http://schemas.microsoft.com/office/drawing/2010/main" w="9525">
                     <a:solidFill>
                       <a:srgbClr val="000000"/>
                     </a:solidFill>
@@ -17650,6 +18486,13 @@
                 </a:ext>
               </a:extLst>
             </p:spPr>
+            <p:txBody>
+              <a:bodyPr/>
+              <a:lstStyle/>
+              <a:p>
+                <a:endParaRPr lang="en-GB"/>
+              </a:p>
+            </p:txBody>
           </p:sp>
           <p:sp>
             <p:nvSpPr>
@@ -17722,7 +18565,7 @@
               </a:ln>
               <a:extLst>
                 <a:ext uri="{91240B29-F687-4f45-9708-019B960494DF}">
-                  <a14:hiddenLine xmlns:a14="http://schemas.microsoft.com/office/drawing/2010/main" xmlns:a16="http://schemas.microsoft.com/office/drawing/2014/main" xmlns="" w="9525">
+                  <a14:hiddenLine xmlns="" xmlns:a16="http://schemas.microsoft.com/office/drawing/2014/main" xmlns:a14="http://schemas.microsoft.com/office/drawing/2010/main" w="9525">
                     <a:solidFill>
                       <a:srgbClr val="000000"/>
                     </a:solidFill>
@@ -17733,6 +18576,13 @@
                 </a:ext>
               </a:extLst>
             </p:spPr>
+            <p:txBody>
+              <a:bodyPr/>
+              <a:lstStyle/>
+              <a:p>
+                <a:endParaRPr lang="en-GB"/>
+              </a:p>
+            </p:txBody>
           </p:sp>
           <p:sp>
             <p:nvSpPr>
@@ -17827,7 +18677,7 @@
               </a:ln>
               <a:extLst>
                 <a:ext uri="{91240B29-F687-4f45-9708-019B960494DF}">
-                  <a14:hiddenLine xmlns:a14="http://schemas.microsoft.com/office/drawing/2010/main" xmlns:a16="http://schemas.microsoft.com/office/drawing/2014/main" xmlns="" w="9525">
+                  <a14:hiddenLine xmlns="" xmlns:a16="http://schemas.microsoft.com/office/drawing/2014/main" xmlns:a14="http://schemas.microsoft.com/office/drawing/2010/main" w="9525">
                     <a:solidFill>
                       <a:srgbClr val="000000"/>
                     </a:solidFill>
@@ -17838,6 +18688,13 @@
                 </a:ext>
               </a:extLst>
             </p:spPr>
+            <p:txBody>
+              <a:bodyPr/>
+              <a:lstStyle/>
+              <a:p>
+                <a:endParaRPr lang="en-GB"/>
+              </a:p>
+            </p:txBody>
           </p:sp>
           <p:sp>
             <p:nvSpPr>
@@ -17910,7 +18767,7 @@
               </a:ln>
               <a:extLst>
                 <a:ext uri="{91240B29-F687-4f45-9708-019B960494DF}">
-                  <a14:hiddenLine xmlns:a14="http://schemas.microsoft.com/office/drawing/2010/main" xmlns:a16="http://schemas.microsoft.com/office/drawing/2014/main" xmlns="" w="9525">
+                  <a14:hiddenLine xmlns="" xmlns:a16="http://schemas.microsoft.com/office/drawing/2014/main" xmlns:a14="http://schemas.microsoft.com/office/drawing/2010/main" w="9525">
                     <a:solidFill>
                       <a:srgbClr val="000000"/>
                     </a:solidFill>
@@ -17921,6 +18778,13 @@
                 </a:ext>
               </a:extLst>
             </p:spPr>
+            <p:txBody>
+              <a:bodyPr/>
+              <a:lstStyle/>
+              <a:p>
+                <a:endParaRPr lang="en-GB"/>
+              </a:p>
+            </p:txBody>
           </p:sp>
           <p:sp>
             <p:nvSpPr>
@@ -18015,7 +18879,7 @@
               </a:ln>
               <a:extLst>
                 <a:ext uri="{91240B29-F687-4f45-9708-019B960494DF}">
-                  <a14:hiddenLine xmlns:a14="http://schemas.microsoft.com/office/drawing/2010/main" xmlns:a16="http://schemas.microsoft.com/office/drawing/2014/main" xmlns="" w="9525">
+                  <a14:hiddenLine xmlns="" xmlns:a16="http://schemas.microsoft.com/office/drawing/2014/main" xmlns:a14="http://schemas.microsoft.com/office/drawing/2010/main" w="9525">
                     <a:solidFill>
                       <a:srgbClr val="000000"/>
                     </a:solidFill>
@@ -18026,6 +18890,13 @@
                 </a:ext>
               </a:extLst>
             </p:spPr>
+            <p:txBody>
+              <a:bodyPr/>
+              <a:lstStyle/>
+              <a:p>
+                <a:endParaRPr lang="en-GB"/>
+              </a:p>
+            </p:txBody>
           </p:sp>
           <p:sp>
             <p:nvSpPr>
@@ -18064,7 +18935,7 @@
               </a:ln>
               <a:extLst>
                 <a:ext uri="{91240B29-F687-4f45-9708-019B960494DF}">
-                  <a14:hiddenLine xmlns:a14="http://schemas.microsoft.com/office/drawing/2010/main" xmlns:a16="http://schemas.microsoft.com/office/drawing/2014/main" xmlns="" w="9525">
+                  <a14:hiddenLine xmlns="" xmlns:a16="http://schemas.microsoft.com/office/drawing/2014/main" xmlns:a14="http://schemas.microsoft.com/office/drawing/2010/main" w="9525">
                     <a:solidFill>
                       <a:srgbClr val="000000"/>
                     </a:solidFill>
@@ -18075,6 +18946,13 @@
                 </a:ext>
               </a:extLst>
             </p:spPr>
+            <p:txBody>
+              <a:bodyPr/>
+              <a:lstStyle/>
+              <a:p>
+                <a:endParaRPr lang="en-GB"/>
+              </a:p>
+            </p:txBody>
           </p:sp>
         </p:grpSp>
       </p:grpSp>
@@ -18221,7 +19099,7 @@
             </a:ln>
             <a:extLst>
               <a:ext uri="{91240B29-F687-4f45-9708-019B960494DF}">
-                <a14:hiddenLine xmlns:a14="http://schemas.microsoft.com/office/drawing/2010/main" xmlns:dgm="http://schemas.openxmlformats.org/drawingml/2006/diagram" xmlns:p14="http://schemas.microsoft.com/office/powerpoint/2010/main" xmlns:a16="http://schemas.microsoft.com/office/drawing/2014/main" xmlns="" w="9525">
+                <a14:hiddenLine xmlns="" xmlns:a16="http://schemas.microsoft.com/office/drawing/2014/main" xmlns:p14="http://schemas.microsoft.com/office/powerpoint/2010/main" xmlns:dgm="http://schemas.openxmlformats.org/drawingml/2006/diagram" xmlns:a14="http://schemas.microsoft.com/office/drawing/2010/main" w="9525">
                   <a:solidFill>
                     <a:srgbClr val="000000"/>
                   </a:solidFill>
@@ -18232,6 +19110,13 @@
               </a:ext>
             </a:extLst>
           </p:spPr>
+          <p:txBody>
+            <a:bodyPr/>
+            <a:lstStyle/>
+            <a:p>
+              <a:endParaRPr lang="en-GB"/>
+            </a:p>
+          </p:txBody>
         </p:sp>
         <p:sp>
           <p:nvSpPr>
@@ -18326,7 +19211,7 @@
             </a:ln>
             <a:extLst>
               <a:ext uri="{91240B29-F687-4f45-9708-019B960494DF}">
-                <a14:hiddenLine xmlns:a14="http://schemas.microsoft.com/office/drawing/2010/main" xmlns:dgm="http://schemas.openxmlformats.org/drawingml/2006/diagram" xmlns:p14="http://schemas.microsoft.com/office/powerpoint/2010/main" xmlns:a16="http://schemas.microsoft.com/office/drawing/2014/main" xmlns="" w="9525">
+                <a14:hiddenLine xmlns="" xmlns:a16="http://schemas.microsoft.com/office/drawing/2014/main" xmlns:p14="http://schemas.microsoft.com/office/powerpoint/2010/main" xmlns:dgm="http://schemas.openxmlformats.org/drawingml/2006/diagram" xmlns:a14="http://schemas.microsoft.com/office/drawing/2010/main" w="9525">
                   <a:solidFill>
                     <a:srgbClr val="000000"/>
                   </a:solidFill>
@@ -18337,6 +19222,13 @@
               </a:ext>
             </a:extLst>
           </p:spPr>
+          <p:txBody>
+            <a:bodyPr/>
+            <a:lstStyle/>
+            <a:p>
+              <a:endParaRPr lang="en-GB"/>
+            </a:p>
+          </p:txBody>
         </p:sp>
         <p:sp>
           <p:nvSpPr>
@@ -18431,7 +19323,7 @@
             </a:ln>
             <a:extLst>
               <a:ext uri="{91240B29-F687-4f45-9708-019B960494DF}">
-                <a14:hiddenLine xmlns:a14="http://schemas.microsoft.com/office/drawing/2010/main" xmlns:dgm="http://schemas.openxmlformats.org/drawingml/2006/diagram" xmlns:p14="http://schemas.microsoft.com/office/powerpoint/2010/main" xmlns:a16="http://schemas.microsoft.com/office/drawing/2014/main" xmlns="" w="9525">
+                <a14:hiddenLine xmlns="" xmlns:a16="http://schemas.microsoft.com/office/drawing/2014/main" xmlns:p14="http://schemas.microsoft.com/office/powerpoint/2010/main" xmlns:dgm="http://schemas.openxmlformats.org/drawingml/2006/diagram" xmlns:a14="http://schemas.microsoft.com/office/drawing/2010/main" w="9525">
                   <a:solidFill>
                     <a:srgbClr val="000000"/>
                   </a:solidFill>
@@ -18442,6 +19334,13 @@
               </a:ext>
             </a:extLst>
           </p:spPr>
+          <p:txBody>
+            <a:bodyPr/>
+            <a:lstStyle/>
+            <a:p>
+              <a:endParaRPr lang="en-GB"/>
+            </a:p>
+          </p:txBody>
         </p:sp>
         <p:sp>
           <p:nvSpPr>
@@ -18508,7 +19407,7 @@
             </a:ln>
             <a:extLst>
               <a:ext uri="{91240B29-F687-4f45-9708-019B960494DF}">
-                <a14:hiddenLine xmlns:a14="http://schemas.microsoft.com/office/drawing/2010/main" xmlns:dgm="http://schemas.openxmlformats.org/drawingml/2006/diagram" xmlns:p14="http://schemas.microsoft.com/office/powerpoint/2010/main" xmlns:a16="http://schemas.microsoft.com/office/drawing/2014/main" xmlns="" w="9525">
+                <a14:hiddenLine xmlns="" xmlns:a16="http://schemas.microsoft.com/office/drawing/2014/main" xmlns:p14="http://schemas.microsoft.com/office/powerpoint/2010/main" xmlns:dgm="http://schemas.openxmlformats.org/drawingml/2006/diagram" xmlns:a14="http://schemas.microsoft.com/office/drawing/2010/main" w="9525">
                   <a:solidFill>
                     <a:srgbClr val="000000"/>
                   </a:solidFill>
@@ -18519,6 +19418,13 @@
               </a:ext>
             </a:extLst>
           </p:spPr>
+          <p:txBody>
+            <a:bodyPr/>
+            <a:lstStyle/>
+            <a:p>
+              <a:endParaRPr lang="en-GB"/>
+            </a:p>
+          </p:txBody>
         </p:sp>
         <p:sp>
           <p:nvSpPr>
@@ -18613,7 +19519,7 @@
             </a:ln>
             <a:extLst>
               <a:ext uri="{91240B29-F687-4f45-9708-019B960494DF}">
-                <a14:hiddenLine xmlns:a14="http://schemas.microsoft.com/office/drawing/2010/main" xmlns:dgm="http://schemas.openxmlformats.org/drawingml/2006/diagram" xmlns:p14="http://schemas.microsoft.com/office/powerpoint/2010/main" xmlns:a16="http://schemas.microsoft.com/office/drawing/2014/main" xmlns="" w="9525">
+                <a14:hiddenLine xmlns="" xmlns:a16="http://schemas.microsoft.com/office/drawing/2014/main" xmlns:p14="http://schemas.microsoft.com/office/powerpoint/2010/main" xmlns:dgm="http://schemas.openxmlformats.org/drawingml/2006/diagram" xmlns:a14="http://schemas.microsoft.com/office/drawing/2010/main" w="9525">
                   <a:solidFill>
                     <a:srgbClr val="000000"/>
                   </a:solidFill>
@@ -18624,6 +19530,13 @@
               </a:ext>
             </a:extLst>
           </p:spPr>
+          <p:txBody>
+            <a:bodyPr/>
+            <a:lstStyle/>
+            <a:p>
+              <a:endParaRPr lang="en-GB"/>
+            </a:p>
+          </p:txBody>
         </p:sp>
         <p:sp>
           <p:nvSpPr>
@@ -18690,7 +19603,7 @@
             </a:ln>
             <a:extLst>
               <a:ext uri="{91240B29-F687-4f45-9708-019B960494DF}">
-                <a14:hiddenLine xmlns:a14="http://schemas.microsoft.com/office/drawing/2010/main" xmlns:dgm="http://schemas.openxmlformats.org/drawingml/2006/diagram" xmlns:p14="http://schemas.microsoft.com/office/powerpoint/2010/main" xmlns:a16="http://schemas.microsoft.com/office/drawing/2014/main" xmlns="" w="9525">
+                <a14:hiddenLine xmlns="" xmlns:a16="http://schemas.microsoft.com/office/drawing/2014/main" xmlns:p14="http://schemas.microsoft.com/office/powerpoint/2010/main" xmlns:dgm="http://schemas.openxmlformats.org/drawingml/2006/diagram" xmlns:a14="http://schemas.microsoft.com/office/drawing/2010/main" w="9525">
                   <a:solidFill>
                     <a:srgbClr val="000000"/>
                   </a:solidFill>
@@ -18701,6 +19614,13 @@
               </a:ext>
             </a:extLst>
           </p:spPr>
+          <p:txBody>
+            <a:bodyPr/>
+            <a:lstStyle/>
+            <a:p>
+              <a:endParaRPr lang="en-GB"/>
+            </a:p>
+          </p:txBody>
         </p:sp>
         <p:sp>
           <p:nvSpPr>
@@ -18767,7 +19687,7 @@
             </a:ln>
             <a:extLst>
               <a:ext uri="{91240B29-F687-4f45-9708-019B960494DF}">
-                <a14:hiddenLine xmlns:a14="http://schemas.microsoft.com/office/drawing/2010/main" xmlns:dgm="http://schemas.openxmlformats.org/drawingml/2006/diagram" xmlns:p14="http://schemas.microsoft.com/office/powerpoint/2010/main" xmlns:a16="http://schemas.microsoft.com/office/drawing/2014/main" xmlns="" w="9525">
+                <a14:hiddenLine xmlns="" xmlns:a16="http://schemas.microsoft.com/office/drawing/2014/main" xmlns:p14="http://schemas.microsoft.com/office/powerpoint/2010/main" xmlns:dgm="http://schemas.openxmlformats.org/drawingml/2006/diagram" xmlns:a14="http://schemas.microsoft.com/office/drawing/2010/main" w="9525">
                   <a:solidFill>
                     <a:srgbClr val="000000"/>
                   </a:solidFill>
@@ -18778,6 +19698,13 @@
               </a:ext>
             </a:extLst>
           </p:spPr>
+          <p:txBody>
+            <a:bodyPr/>
+            <a:lstStyle/>
+            <a:p>
+              <a:endParaRPr lang="en-GB"/>
+            </a:p>
+          </p:txBody>
         </p:sp>
         <p:sp>
           <p:nvSpPr>
@@ -18872,7 +19799,7 @@
             </a:ln>
             <a:extLst>
               <a:ext uri="{91240B29-F687-4f45-9708-019B960494DF}">
-                <a14:hiddenLine xmlns:a14="http://schemas.microsoft.com/office/drawing/2010/main" xmlns:dgm="http://schemas.openxmlformats.org/drawingml/2006/diagram" xmlns:p14="http://schemas.microsoft.com/office/powerpoint/2010/main" xmlns:a16="http://schemas.microsoft.com/office/drawing/2014/main" xmlns="" w="9525">
+                <a14:hiddenLine xmlns="" xmlns:a16="http://schemas.microsoft.com/office/drawing/2014/main" xmlns:p14="http://schemas.microsoft.com/office/powerpoint/2010/main" xmlns:dgm="http://schemas.openxmlformats.org/drawingml/2006/diagram" xmlns:a14="http://schemas.microsoft.com/office/drawing/2010/main" w="9525">
                   <a:solidFill>
                     <a:srgbClr val="000000"/>
                   </a:solidFill>
@@ -18883,6 +19810,13 @@
               </a:ext>
             </a:extLst>
           </p:spPr>
+          <p:txBody>
+            <a:bodyPr/>
+            <a:lstStyle/>
+            <a:p>
+              <a:endParaRPr lang="en-GB"/>
+            </a:p>
+          </p:txBody>
         </p:sp>
         <p:sp>
           <p:nvSpPr>
@@ -18977,7 +19911,7 @@
             </a:ln>
             <a:extLst>
               <a:ext uri="{91240B29-F687-4f45-9708-019B960494DF}">
-                <a14:hiddenLine xmlns:a14="http://schemas.microsoft.com/office/drawing/2010/main" xmlns:dgm="http://schemas.openxmlformats.org/drawingml/2006/diagram" xmlns:p14="http://schemas.microsoft.com/office/powerpoint/2010/main" xmlns:a16="http://schemas.microsoft.com/office/drawing/2014/main" xmlns="" w="9525">
+                <a14:hiddenLine xmlns="" xmlns:a16="http://schemas.microsoft.com/office/drawing/2014/main" xmlns:p14="http://schemas.microsoft.com/office/powerpoint/2010/main" xmlns:dgm="http://schemas.openxmlformats.org/drawingml/2006/diagram" xmlns:a14="http://schemas.microsoft.com/office/drawing/2010/main" w="9525">
                   <a:solidFill>
                     <a:srgbClr val="000000"/>
                   </a:solidFill>
@@ -18988,6 +19922,13 @@
               </a:ext>
             </a:extLst>
           </p:spPr>
+          <p:txBody>
+            <a:bodyPr/>
+            <a:lstStyle/>
+            <a:p>
+              <a:endParaRPr lang="en-GB"/>
+            </a:p>
+          </p:txBody>
         </p:sp>
         <p:sp>
           <p:nvSpPr>
@@ -19054,7 +19995,7 @@
             </a:ln>
             <a:extLst>
               <a:ext uri="{91240B29-F687-4f45-9708-019B960494DF}">
-                <a14:hiddenLine xmlns:a14="http://schemas.microsoft.com/office/drawing/2010/main" xmlns:dgm="http://schemas.openxmlformats.org/drawingml/2006/diagram" xmlns:p14="http://schemas.microsoft.com/office/powerpoint/2010/main" xmlns:a16="http://schemas.microsoft.com/office/drawing/2014/main" xmlns="" w="9525">
+                <a14:hiddenLine xmlns="" xmlns:a16="http://schemas.microsoft.com/office/drawing/2014/main" xmlns:p14="http://schemas.microsoft.com/office/powerpoint/2010/main" xmlns:dgm="http://schemas.openxmlformats.org/drawingml/2006/diagram" xmlns:a14="http://schemas.microsoft.com/office/drawing/2010/main" w="9525">
                   <a:solidFill>
                     <a:srgbClr val="000000"/>
                   </a:solidFill>
@@ -19065,6 +20006,13 @@
               </a:ext>
             </a:extLst>
           </p:spPr>
+          <p:txBody>
+            <a:bodyPr/>
+            <a:lstStyle/>
+            <a:p>
+              <a:endParaRPr lang="en-GB"/>
+            </a:p>
+          </p:txBody>
         </p:sp>
         <p:sp>
           <p:nvSpPr>
@@ -19179,7 +20127,7 @@
             </a:ln>
             <a:extLst>
               <a:ext uri="{91240B29-F687-4f45-9708-019B960494DF}">
-                <a14:hiddenLine xmlns:a14="http://schemas.microsoft.com/office/drawing/2010/main" xmlns:dgm="http://schemas.openxmlformats.org/drawingml/2006/diagram" xmlns:p14="http://schemas.microsoft.com/office/powerpoint/2010/main" xmlns:a16="http://schemas.microsoft.com/office/drawing/2014/main" xmlns="" w="9525">
+                <a14:hiddenLine xmlns="" xmlns:a16="http://schemas.microsoft.com/office/drawing/2014/main" xmlns:p14="http://schemas.microsoft.com/office/powerpoint/2010/main" xmlns:dgm="http://schemas.openxmlformats.org/drawingml/2006/diagram" xmlns:a14="http://schemas.microsoft.com/office/drawing/2010/main" w="9525">
                   <a:solidFill>
                     <a:srgbClr val="000000"/>
                   </a:solidFill>
@@ -19190,6 +20138,13 @@
               </a:ext>
             </a:extLst>
           </p:spPr>
+          <p:txBody>
+            <a:bodyPr/>
+            <a:lstStyle/>
+            <a:p>
+              <a:endParaRPr lang="en-GB"/>
+            </a:p>
+          </p:txBody>
         </p:sp>
         <p:sp>
           <p:nvSpPr>
@@ -19233,6 +20188,13 @@
               <a:tailEnd/>
             </a:ln>
           </p:spPr>
+          <p:txBody>
+            <a:bodyPr/>
+            <a:lstStyle/>
+            <a:p>
+              <a:endParaRPr lang="en-GB"/>
+            </a:p>
+          </p:txBody>
         </p:sp>
         <p:sp>
           <p:nvSpPr>
@@ -19293,7 +20255,7 @@
             </a:ln>
             <a:extLst>
               <a:ext uri="{91240B29-F687-4f45-9708-019B960494DF}">
-                <a14:hiddenLine xmlns:a14="http://schemas.microsoft.com/office/drawing/2010/main" xmlns:dgm="http://schemas.openxmlformats.org/drawingml/2006/diagram" xmlns:p14="http://schemas.microsoft.com/office/powerpoint/2010/main" xmlns:a16="http://schemas.microsoft.com/office/drawing/2014/main" xmlns="" w="9525">
+                <a14:hiddenLine xmlns="" xmlns:a16="http://schemas.microsoft.com/office/drawing/2014/main" xmlns:p14="http://schemas.microsoft.com/office/powerpoint/2010/main" xmlns:dgm="http://schemas.openxmlformats.org/drawingml/2006/diagram" xmlns:a14="http://schemas.microsoft.com/office/drawing/2010/main" w="9525">
                   <a:solidFill>
                     <a:srgbClr val="000000"/>
                   </a:solidFill>
@@ -19304,6 +20266,13 @@
               </a:ext>
             </a:extLst>
           </p:spPr>
+          <p:txBody>
+            <a:bodyPr/>
+            <a:lstStyle/>
+            <a:p>
+              <a:endParaRPr lang="en-GB"/>
+            </a:p>
+          </p:txBody>
         </p:sp>
         <p:sp>
           <p:nvSpPr>
@@ -19370,7 +20339,7 @@
             </a:ln>
             <a:extLst>
               <a:ext uri="{91240B29-F687-4f45-9708-019B960494DF}">
-                <a14:hiddenLine xmlns:a14="http://schemas.microsoft.com/office/drawing/2010/main" xmlns:dgm="http://schemas.openxmlformats.org/drawingml/2006/diagram" xmlns:p14="http://schemas.microsoft.com/office/powerpoint/2010/main" xmlns:a16="http://schemas.microsoft.com/office/drawing/2014/main" xmlns="" w="9525">
+                <a14:hiddenLine xmlns="" xmlns:a16="http://schemas.microsoft.com/office/drawing/2014/main" xmlns:p14="http://schemas.microsoft.com/office/powerpoint/2010/main" xmlns:dgm="http://schemas.openxmlformats.org/drawingml/2006/diagram" xmlns:a14="http://schemas.microsoft.com/office/drawing/2010/main" w="9525">
                   <a:solidFill>
                     <a:srgbClr val="000000"/>
                   </a:solidFill>
@@ -19381,6 +20350,13 @@
               </a:ext>
             </a:extLst>
           </p:spPr>
+          <p:txBody>
+            <a:bodyPr/>
+            <a:lstStyle/>
+            <a:p>
+              <a:endParaRPr lang="en-GB"/>
+            </a:p>
+          </p:txBody>
         </p:sp>
         <p:sp>
           <p:nvSpPr>
@@ -19447,7 +20423,7 @@
             </a:ln>
             <a:extLst>
               <a:ext uri="{91240B29-F687-4f45-9708-019B960494DF}">
-                <a14:hiddenLine xmlns:a14="http://schemas.microsoft.com/office/drawing/2010/main" xmlns:dgm="http://schemas.openxmlformats.org/drawingml/2006/diagram" xmlns:p14="http://schemas.microsoft.com/office/powerpoint/2010/main" xmlns:a16="http://schemas.microsoft.com/office/drawing/2014/main" xmlns="" w="9525">
+                <a14:hiddenLine xmlns="" xmlns:a16="http://schemas.microsoft.com/office/drawing/2014/main" xmlns:p14="http://schemas.microsoft.com/office/powerpoint/2010/main" xmlns:dgm="http://schemas.openxmlformats.org/drawingml/2006/diagram" xmlns:a14="http://schemas.microsoft.com/office/drawing/2010/main" w="9525">
                   <a:solidFill>
                     <a:srgbClr val="000000"/>
                   </a:solidFill>
@@ -19458,6 +20434,13 @@
               </a:ext>
             </a:extLst>
           </p:spPr>
+          <p:txBody>
+            <a:bodyPr/>
+            <a:lstStyle/>
+            <a:p>
+              <a:endParaRPr lang="en-GB"/>
+            </a:p>
+          </p:txBody>
         </p:sp>
         <p:sp>
           <p:nvSpPr>
@@ -19552,7 +20535,7 @@
             </a:ln>
             <a:extLst>
               <a:ext uri="{91240B29-F687-4f45-9708-019B960494DF}">
-                <a14:hiddenLine xmlns:a14="http://schemas.microsoft.com/office/drawing/2010/main" xmlns:dgm="http://schemas.openxmlformats.org/drawingml/2006/diagram" xmlns:p14="http://schemas.microsoft.com/office/powerpoint/2010/main" xmlns:a16="http://schemas.microsoft.com/office/drawing/2014/main" xmlns="" w="9525">
+                <a14:hiddenLine xmlns="" xmlns:a16="http://schemas.microsoft.com/office/drawing/2014/main" xmlns:p14="http://schemas.microsoft.com/office/powerpoint/2010/main" xmlns:dgm="http://schemas.openxmlformats.org/drawingml/2006/diagram" xmlns:a14="http://schemas.microsoft.com/office/drawing/2010/main" w="9525">
                   <a:solidFill>
                     <a:srgbClr val="000000"/>
                   </a:solidFill>
@@ -19563,6 +20546,13 @@
               </a:ext>
             </a:extLst>
           </p:spPr>
+          <p:txBody>
+            <a:bodyPr/>
+            <a:lstStyle/>
+            <a:p>
+              <a:endParaRPr lang="en-GB"/>
+            </a:p>
+          </p:txBody>
         </p:sp>
         <p:sp>
           <p:nvSpPr>
@@ -19601,7 +20591,7 @@
             </a:ln>
             <a:extLst>
               <a:ext uri="{91240B29-F687-4f45-9708-019B960494DF}">
-                <a14:hiddenLine xmlns:a14="http://schemas.microsoft.com/office/drawing/2010/main" xmlns:dgm="http://schemas.openxmlformats.org/drawingml/2006/diagram" xmlns:p14="http://schemas.microsoft.com/office/powerpoint/2010/main" xmlns:a16="http://schemas.microsoft.com/office/drawing/2014/main" xmlns="" w="9525">
+                <a14:hiddenLine xmlns="" xmlns:a16="http://schemas.microsoft.com/office/drawing/2014/main" xmlns:p14="http://schemas.microsoft.com/office/powerpoint/2010/main" xmlns:dgm="http://schemas.openxmlformats.org/drawingml/2006/diagram" xmlns:a14="http://schemas.microsoft.com/office/drawing/2010/main" w="9525">
                   <a:solidFill>
                     <a:srgbClr val="000000"/>
                   </a:solidFill>
@@ -19612,6 +20602,13 @@
               </a:ext>
             </a:extLst>
           </p:spPr>
+          <p:txBody>
+            <a:bodyPr/>
+            <a:lstStyle/>
+            <a:p>
+              <a:endParaRPr lang="en-GB"/>
+            </a:p>
+          </p:txBody>
         </p:sp>
         <p:sp>
           <p:nvSpPr>
@@ -19681,7 +20678,7 @@
             </a:ln>
             <a:extLst>
               <a:ext uri="{91240B29-F687-4f45-9708-019B960494DF}">
-                <a14:hiddenLine xmlns:a14="http://schemas.microsoft.com/office/drawing/2010/main" xmlns:dgm="http://schemas.openxmlformats.org/drawingml/2006/diagram" xmlns:p14="http://schemas.microsoft.com/office/powerpoint/2010/main" xmlns:a16="http://schemas.microsoft.com/office/drawing/2014/main" xmlns="" w="9525">
+                <a14:hiddenLine xmlns="" xmlns:a16="http://schemas.microsoft.com/office/drawing/2014/main" xmlns:p14="http://schemas.microsoft.com/office/powerpoint/2010/main" xmlns:dgm="http://schemas.openxmlformats.org/drawingml/2006/diagram" xmlns:a14="http://schemas.microsoft.com/office/drawing/2010/main" w="9525">
                   <a:solidFill>
                     <a:srgbClr val="000000"/>
                   </a:solidFill>
@@ -19692,6 +20689,13 @@
               </a:ext>
             </a:extLst>
           </p:spPr>
+          <p:txBody>
+            <a:bodyPr/>
+            <a:lstStyle/>
+            <a:p>
+              <a:endParaRPr lang="en-GB"/>
+            </a:p>
+          </p:txBody>
         </p:sp>
         <p:sp>
           <p:nvSpPr>
@@ -19786,7 +20790,7 @@
             </a:ln>
             <a:extLst>
               <a:ext uri="{91240B29-F687-4f45-9708-019B960494DF}">
-                <a14:hiddenLine xmlns:a14="http://schemas.microsoft.com/office/drawing/2010/main" xmlns:dgm="http://schemas.openxmlformats.org/drawingml/2006/diagram" xmlns:p14="http://schemas.microsoft.com/office/powerpoint/2010/main" xmlns:a16="http://schemas.microsoft.com/office/drawing/2014/main" xmlns="" w="9525">
+                <a14:hiddenLine xmlns="" xmlns:a16="http://schemas.microsoft.com/office/drawing/2014/main" xmlns:p14="http://schemas.microsoft.com/office/powerpoint/2010/main" xmlns:dgm="http://schemas.openxmlformats.org/drawingml/2006/diagram" xmlns:a14="http://schemas.microsoft.com/office/drawing/2010/main" w="9525">
                   <a:solidFill>
                     <a:srgbClr val="000000"/>
                   </a:solidFill>
@@ -19797,6 +20801,13 @@
               </a:ext>
             </a:extLst>
           </p:spPr>
+          <p:txBody>
+            <a:bodyPr/>
+            <a:lstStyle/>
+            <a:p>
+              <a:endParaRPr lang="en-GB"/>
+            </a:p>
+          </p:txBody>
         </p:sp>
         <p:sp>
           <p:nvSpPr>
@@ -19863,7 +20874,7 @@
             </a:ln>
             <a:extLst>
               <a:ext uri="{91240B29-F687-4f45-9708-019B960494DF}">
-                <a14:hiddenLine xmlns:a14="http://schemas.microsoft.com/office/drawing/2010/main" xmlns:dgm="http://schemas.openxmlformats.org/drawingml/2006/diagram" xmlns:p14="http://schemas.microsoft.com/office/powerpoint/2010/main" xmlns:a16="http://schemas.microsoft.com/office/drawing/2014/main" xmlns="" w="9525">
+                <a14:hiddenLine xmlns="" xmlns:a16="http://schemas.microsoft.com/office/drawing/2014/main" xmlns:p14="http://schemas.microsoft.com/office/powerpoint/2010/main" xmlns:dgm="http://schemas.openxmlformats.org/drawingml/2006/diagram" xmlns:a14="http://schemas.microsoft.com/office/drawing/2010/main" w="9525">
                   <a:solidFill>
                     <a:srgbClr val="000000"/>
                   </a:solidFill>
@@ -19874,6 +20885,13 @@
               </a:ext>
             </a:extLst>
           </p:spPr>
+          <p:txBody>
+            <a:bodyPr/>
+            <a:lstStyle/>
+            <a:p>
+              <a:endParaRPr lang="en-GB"/>
+            </a:p>
+          </p:txBody>
         </p:sp>
         <p:sp>
           <p:nvSpPr>
@@ -19968,7 +20986,7 @@
             </a:ln>
             <a:extLst>
               <a:ext uri="{91240B29-F687-4f45-9708-019B960494DF}">
-                <a14:hiddenLine xmlns:a14="http://schemas.microsoft.com/office/drawing/2010/main" xmlns:dgm="http://schemas.openxmlformats.org/drawingml/2006/diagram" xmlns:p14="http://schemas.microsoft.com/office/powerpoint/2010/main" xmlns:a16="http://schemas.microsoft.com/office/drawing/2014/main" xmlns="" w="9525">
+                <a14:hiddenLine xmlns="" xmlns:a16="http://schemas.microsoft.com/office/drawing/2014/main" xmlns:p14="http://schemas.microsoft.com/office/powerpoint/2010/main" xmlns:dgm="http://schemas.openxmlformats.org/drawingml/2006/diagram" xmlns:a14="http://schemas.microsoft.com/office/drawing/2010/main" w="9525">
                   <a:solidFill>
                     <a:srgbClr val="000000"/>
                   </a:solidFill>
@@ -19979,6 +20997,13 @@
               </a:ext>
             </a:extLst>
           </p:spPr>
+          <p:txBody>
+            <a:bodyPr/>
+            <a:lstStyle/>
+            <a:p>
+              <a:endParaRPr lang="en-GB"/>
+            </a:p>
+          </p:txBody>
         </p:sp>
         <p:sp>
           <p:nvSpPr>
@@ -20048,7 +21073,7 @@
             </a:ln>
             <a:extLst>
               <a:ext uri="{91240B29-F687-4f45-9708-019B960494DF}">
-                <a14:hiddenLine xmlns:a14="http://schemas.microsoft.com/office/drawing/2010/main" xmlns:dgm="http://schemas.openxmlformats.org/drawingml/2006/diagram" xmlns:p14="http://schemas.microsoft.com/office/powerpoint/2010/main" xmlns:a16="http://schemas.microsoft.com/office/drawing/2014/main" xmlns="" w="9525">
+                <a14:hiddenLine xmlns="" xmlns:a16="http://schemas.microsoft.com/office/drawing/2014/main" xmlns:p14="http://schemas.microsoft.com/office/powerpoint/2010/main" xmlns:dgm="http://schemas.openxmlformats.org/drawingml/2006/diagram" xmlns:a14="http://schemas.microsoft.com/office/drawing/2010/main" w="9525">
                   <a:solidFill>
                     <a:srgbClr val="000000"/>
                   </a:solidFill>
@@ -20059,6 +21084,13 @@
               </a:ext>
             </a:extLst>
           </p:spPr>
+          <p:txBody>
+            <a:bodyPr/>
+            <a:lstStyle/>
+            <a:p>
+              <a:endParaRPr lang="en-GB"/>
+            </a:p>
+          </p:txBody>
         </p:sp>
         <p:sp>
           <p:nvSpPr>
@@ -20125,7 +21157,7 @@
             </a:ln>
             <a:extLst>
               <a:ext uri="{91240B29-F687-4f45-9708-019B960494DF}">
-                <a14:hiddenLine xmlns:a14="http://schemas.microsoft.com/office/drawing/2010/main" xmlns:dgm="http://schemas.openxmlformats.org/drawingml/2006/diagram" xmlns:p14="http://schemas.microsoft.com/office/powerpoint/2010/main" xmlns:a16="http://schemas.microsoft.com/office/drawing/2014/main" xmlns="" w="9525">
+                <a14:hiddenLine xmlns="" xmlns:a16="http://schemas.microsoft.com/office/drawing/2014/main" xmlns:p14="http://schemas.microsoft.com/office/powerpoint/2010/main" xmlns:dgm="http://schemas.openxmlformats.org/drawingml/2006/diagram" xmlns:a14="http://schemas.microsoft.com/office/drawing/2010/main" w="9525">
                   <a:solidFill>
                     <a:srgbClr val="000000"/>
                   </a:solidFill>
@@ -20136,6 +21168,13 @@
               </a:ext>
             </a:extLst>
           </p:spPr>
+          <p:txBody>
+            <a:bodyPr/>
+            <a:lstStyle/>
+            <a:p>
+              <a:endParaRPr lang="en-GB"/>
+            </a:p>
+          </p:txBody>
         </p:sp>
         <p:sp>
           <p:nvSpPr>
@@ -20230,7 +21269,7 @@
             </a:ln>
             <a:extLst>
               <a:ext uri="{91240B29-F687-4f45-9708-019B960494DF}">
-                <a14:hiddenLine xmlns:a14="http://schemas.microsoft.com/office/drawing/2010/main" xmlns:dgm="http://schemas.openxmlformats.org/drawingml/2006/diagram" xmlns:p14="http://schemas.microsoft.com/office/powerpoint/2010/main" xmlns:a16="http://schemas.microsoft.com/office/drawing/2014/main" xmlns="" w="9525">
+                <a14:hiddenLine xmlns="" xmlns:a16="http://schemas.microsoft.com/office/drawing/2014/main" xmlns:p14="http://schemas.microsoft.com/office/powerpoint/2010/main" xmlns:dgm="http://schemas.openxmlformats.org/drawingml/2006/diagram" xmlns:a14="http://schemas.microsoft.com/office/drawing/2010/main" w="9525">
                   <a:solidFill>
                     <a:srgbClr val="000000"/>
                   </a:solidFill>
@@ -20241,6 +21280,13 @@
               </a:ext>
             </a:extLst>
           </p:spPr>
+          <p:txBody>
+            <a:bodyPr/>
+            <a:lstStyle/>
+            <a:p>
+              <a:endParaRPr lang="en-GB"/>
+            </a:p>
+          </p:txBody>
         </p:sp>
         <p:sp>
           <p:nvSpPr>
@@ -20335,7 +21381,7 @@
             </a:ln>
             <a:extLst>
               <a:ext uri="{91240B29-F687-4f45-9708-019B960494DF}">
-                <a14:hiddenLine xmlns:a14="http://schemas.microsoft.com/office/drawing/2010/main" xmlns:dgm="http://schemas.openxmlformats.org/drawingml/2006/diagram" xmlns:p14="http://schemas.microsoft.com/office/powerpoint/2010/main" xmlns:a16="http://schemas.microsoft.com/office/drawing/2014/main" xmlns="" w="9525">
+                <a14:hiddenLine xmlns="" xmlns:a16="http://schemas.microsoft.com/office/drawing/2014/main" xmlns:p14="http://schemas.microsoft.com/office/powerpoint/2010/main" xmlns:dgm="http://schemas.openxmlformats.org/drawingml/2006/diagram" xmlns:a14="http://schemas.microsoft.com/office/drawing/2010/main" w="9525">
                   <a:solidFill>
                     <a:srgbClr val="000000"/>
                   </a:solidFill>
@@ -20346,6 +21392,13 @@
               </a:ext>
             </a:extLst>
           </p:spPr>
+          <p:txBody>
+            <a:bodyPr/>
+            <a:lstStyle/>
+            <a:p>
+              <a:endParaRPr lang="en-GB"/>
+            </a:p>
+          </p:txBody>
         </p:sp>
         <p:sp>
           <p:nvSpPr>
@@ -20415,7 +21468,7 @@
             </a:ln>
             <a:extLst>
               <a:ext uri="{91240B29-F687-4f45-9708-019B960494DF}">
-                <a14:hiddenLine xmlns:a14="http://schemas.microsoft.com/office/drawing/2010/main" xmlns:dgm="http://schemas.openxmlformats.org/drawingml/2006/diagram" xmlns:p14="http://schemas.microsoft.com/office/powerpoint/2010/main" xmlns:a16="http://schemas.microsoft.com/office/drawing/2014/main" xmlns="" w="9525">
+                <a14:hiddenLine xmlns="" xmlns:a16="http://schemas.microsoft.com/office/drawing/2014/main" xmlns:p14="http://schemas.microsoft.com/office/powerpoint/2010/main" xmlns:dgm="http://schemas.openxmlformats.org/drawingml/2006/diagram" xmlns:a14="http://schemas.microsoft.com/office/drawing/2010/main" w="9525">
                   <a:solidFill>
                     <a:srgbClr val="000000"/>
                   </a:solidFill>
@@ -20426,6 +21479,13 @@
               </a:ext>
             </a:extLst>
           </p:spPr>
+          <p:txBody>
+            <a:bodyPr/>
+            <a:lstStyle/>
+            <a:p>
+              <a:endParaRPr lang="en-GB"/>
+            </a:p>
+          </p:txBody>
         </p:sp>
         <p:sp>
           <p:nvSpPr>
@@ -20550,7 +21610,7 @@
             </a:ln>
             <a:extLst>
               <a:ext uri="{91240B29-F687-4f45-9708-019B960494DF}">
-                <a14:hiddenLine xmlns:a14="http://schemas.microsoft.com/office/drawing/2010/main" xmlns:dgm="http://schemas.openxmlformats.org/drawingml/2006/diagram" xmlns:p14="http://schemas.microsoft.com/office/powerpoint/2010/main" xmlns:a16="http://schemas.microsoft.com/office/drawing/2014/main" xmlns="" w="9525">
+                <a14:hiddenLine xmlns="" xmlns:a16="http://schemas.microsoft.com/office/drawing/2014/main" xmlns:p14="http://schemas.microsoft.com/office/powerpoint/2010/main" xmlns:dgm="http://schemas.openxmlformats.org/drawingml/2006/diagram" xmlns:a14="http://schemas.microsoft.com/office/drawing/2010/main" w="9525">
                   <a:solidFill>
                     <a:srgbClr val="000000"/>
                   </a:solidFill>
@@ -20561,6 +21621,13 @@
               </a:ext>
             </a:extLst>
           </p:spPr>
+          <p:txBody>
+            <a:bodyPr/>
+            <a:lstStyle/>
+            <a:p>
+              <a:endParaRPr lang="en-GB"/>
+            </a:p>
+          </p:txBody>
         </p:sp>
       </p:grpSp>
       <p:pic>
@@ -20609,7 +21676,7 @@
           </a:prstGeom>
           <a:extLst>
             <a:ext uri="{909E8E84-426E-40dd-AFC4-6F175D3DCCD1}">
-              <a14:hiddenFill xmlns:a14="http://schemas.microsoft.com/office/drawing/2010/main" xmlns:dgm="http://schemas.openxmlformats.org/drawingml/2006/diagram" xmlns:p14="http://schemas.microsoft.com/office/powerpoint/2010/main" xmlns:a16="http://schemas.microsoft.com/office/drawing/2014/main" xmlns="">
+              <a14:hiddenFill xmlns="" xmlns:a16="http://schemas.microsoft.com/office/drawing/2014/main" xmlns:p14="http://schemas.microsoft.com/office/powerpoint/2010/main" xmlns:dgm="http://schemas.openxmlformats.org/drawingml/2006/diagram" xmlns:a14="http://schemas.microsoft.com/office/drawing/2010/main">
                 <a:solidFill>
                   <a:srgbClr val="FFFFFF"/>
                 </a:solidFill>
@@ -20768,7 +21835,7 @@
             </a:ln>
             <a:extLst>
               <a:ext uri="{91240B29-F687-4f45-9708-019B960494DF}">
-                <a14:hiddenLine xmlns:a14="http://schemas.microsoft.com/office/drawing/2010/main" xmlns:dgm="http://schemas.openxmlformats.org/drawingml/2006/diagram" xmlns:p14="http://schemas.microsoft.com/office/powerpoint/2010/main" xmlns:a16="http://schemas.microsoft.com/office/drawing/2014/main" xmlns="" w="9525">
+                <a14:hiddenLine xmlns="" xmlns:a16="http://schemas.microsoft.com/office/drawing/2014/main" xmlns:p14="http://schemas.microsoft.com/office/powerpoint/2010/main" xmlns:dgm="http://schemas.openxmlformats.org/drawingml/2006/diagram" xmlns:a14="http://schemas.microsoft.com/office/drawing/2010/main" w="9525">
                   <a:solidFill>
                     <a:srgbClr val="000000"/>
                   </a:solidFill>
@@ -20779,6 +21846,13 @@
               </a:ext>
             </a:extLst>
           </p:spPr>
+          <p:txBody>
+            <a:bodyPr/>
+            <a:lstStyle/>
+            <a:p>
+              <a:endParaRPr lang="en-GB"/>
+            </a:p>
+          </p:txBody>
         </p:sp>
         <p:sp>
           <p:nvSpPr>
@@ -20873,7 +21947,7 @@
             </a:ln>
             <a:extLst>
               <a:ext uri="{91240B29-F687-4f45-9708-019B960494DF}">
-                <a14:hiddenLine xmlns:a14="http://schemas.microsoft.com/office/drawing/2010/main" xmlns:dgm="http://schemas.openxmlformats.org/drawingml/2006/diagram" xmlns:p14="http://schemas.microsoft.com/office/powerpoint/2010/main" xmlns:a16="http://schemas.microsoft.com/office/drawing/2014/main" xmlns="" w="9525">
+                <a14:hiddenLine xmlns="" xmlns:a16="http://schemas.microsoft.com/office/drawing/2014/main" xmlns:p14="http://schemas.microsoft.com/office/powerpoint/2010/main" xmlns:dgm="http://schemas.openxmlformats.org/drawingml/2006/diagram" xmlns:a14="http://schemas.microsoft.com/office/drawing/2010/main" w="9525">
                   <a:solidFill>
                     <a:srgbClr val="000000"/>
                   </a:solidFill>
@@ -20884,6 +21958,13 @@
               </a:ext>
             </a:extLst>
           </p:spPr>
+          <p:txBody>
+            <a:bodyPr/>
+            <a:lstStyle/>
+            <a:p>
+              <a:endParaRPr lang="en-GB"/>
+            </a:p>
+          </p:txBody>
         </p:sp>
         <p:sp>
           <p:nvSpPr>
@@ -20978,7 +22059,7 @@
             </a:ln>
             <a:extLst>
               <a:ext uri="{91240B29-F687-4f45-9708-019B960494DF}">
-                <a14:hiddenLine xmlns:a14="http://schemas.microsoft.com/office/drawing/2010/main" xmlns:dgm="http://schemas.openxmlformats.org/drawingml/2006/diagram" xmlns:p14="http://schemas.microsoft.com/office/powerpoint/2010/main" xmlns:a16="http://schemas.microsoft.com/office/drawing/2014/main" xmlns="" w="9525">
+                <a14:hiddenLine xmlns="" xmlns:a16="http://schemas.microsoft.com/office/drawing/2014/main" xmlns:p14="http://schemas.microsoft.com/office/powerpoint/2010/main" xmlns:dgm="http://schemas.openxmlformats.org/drawingml/2006/diagram" xmlns:a14="http://schemas.microsoft.com/office/drawing/2010/main" w="9525">
                   <a:solidFill>
                     <a:srgbClr val="000000"/>
                   </a:solidFill>
@@ -20989,6 +22070,13 @@
               </a:ext>
             </a:extLst>
           </p:spPr>
+          <p:txBody>
+            <a:bodyPr/>
+            <a:lstStyle/>
+            <a:p>
+              <a:endParaRPr lang="en-GB"/>
+            </a:p>
+          </p:txBody>
         </p:sp>
         <p:sp>
           <p:nvSpPr>
@@ -21055,7 +22143,7 @@
             </a:ln>
             <a:extLst>
               <a:ext uri="{91240B29-F687-4f45-9708-019B960494DF}">
-                <a14:hiddenLine xmlns:a14="http://schemas.microsoft.com/office/drawing/2010/main" xmlns:dgm="http://schemas.openxmlformats.org/drawingml/2006/diagram" xmlns:p14="http://schemas.microsoft.com/office/powerpoint/2010/main" xmlns:a16="http://schemas.microsoft.com/office/drawing/2014/main" xmlns="" w="9525">
+                <a14:hiddenLine xmlns="" xmlns:a16="http://schemas.microsoft.com/office/drawing/2014/main" xmlns:p14="http://schemas.microsoft.com/office/powerpoint/2010/main" xmlns:dgm="http://schemas.openxmlformats.org/drawingml/2006/diagram" xmlns:a14="http://schemas.microsoft.com/office/drawing/2010/main" w="9525">
                   <a:solidFill>
                     <a:srgbClr val="000000"/>
                   </a:solidFill>
@@ -21066,6 +22154,13 @@
               </a:ext>
             </a:extLst>
           </p:spPr>
+          <p:txBody>
+            <a:bodyPr/>
+            <a:lstStyle/>
+            <a:p>
+              <a:endParaRPr lang="en-GB"/>
+            </a:p>
+          </p:txBody>
         </p:sp>
         <p:sp>
           <p:nvSpPr>
@@ -21160,7 +22255,7 @@
             </a:ln>
             <a:extLst>
               <a:ext uri="{91240B29-F687-4f45-9708-019B960494DF}">
-                <a14:hiddenLine xmlns:a14="http://schemas.microsoft.com/office/drawing/2010/main" xmlns:dgm="http://schemas.openxmlformats.org/drawingml/2006/diagram" xmlns:p14="http://schemas.microsoft.com/office/powerpoint/2010/main" xmlns:a16="http://schemas.microsoft.com/office/drawing/2014/main" xmlns="" w="9525">
+                <a14:hiddenLine xmlns="" xmlns:a16="http://schemas.microsoft.com/office/drawing/2014/main" xmlns:p14="http://schemas.microsoft.com/office/powerpoint/2010/main" xmlns:dgm="http://schemas.openxmlformats.org/drawingml/2006/diagram" xmlns:a14="http://schemas.microsoft.com/office/drawing/2010/main" w="9525">
                   <a:solidFill>
                     <a:srgbClr val="000000"/>
                   </a:solidFill>
@@ -21171,6 +22266,13 @@
               </a:ext>
             </a:extLst>
           </p:spPr>
+          <p:txBody>
+            <a:bodyPr/>
+            <a:lstStyle/>
+            <a:p>
+              <a:endParaRPr lang="en-GB"/>
+            </a:p>
+          </p:txBody>
         </p:sp>
         <p:sp>
           <p:nvSpPr>
@@ -21237,7 +22339,7 @@
             </a:ln>
             <a:extLst>
               <a:ext uri="{91240B29-F687-4f45-9708-019B960494DF}">
-                <a14:hiddenLine xmlns:a14="http://schemas.microsoft.com/office/drawing/2010/main" xmlns:dgm="http://schemas.openxmlformats.org/drawingml/2006/diagram" xmlns:p14="http://schemas.microsoft.com/office/powerpoint/2010/main" xmlns:a16="http://schemas.microsoft.com/office/drawing/2014/main" xmlns="" w="9525">
+                <a14:hiddenLine xmlns="" xmlns:a16="http://schemas.microsoft.com/office/drawing/2014/main" xmlns:p14="http://schemas.microsoft.com/office/powerpoint/2010/main" xmlns:dgm="http://schemas.openxmlformats.org/drawingml/2006/diagram" xmlns:a14="http://schemas.microsoft.com/office/drawing/2010/main" w="9525">
                   <a:solidFill>
                     <a:srgbClr val="000000"/>
                   </a:solidFill>
@@ -21248,6 +22350,13 @@
               </a:ext>
             </a:extLst>
           </p:spPr>
+          <p:txBody>
+            <a:bodyPr/>
+            <a:lstStyle/>
+            <a:p>
+              <a:endParaRPr lang="en-GB"/>
+            </a:p>
+          </p:txBody>
         </p:sp>
         <p:sp>
           <p:nvSpPr>
@@ -21314,7 +22423,7 @@
             </a:ln>
             <a:extLst>
               <a:ext uri="{91240B29-F687-4f45-9708-019B960494DF}">
-                <a14:hiddenLine xmlns:a14="http://schemas.microsoft.com/office/drawing/2010/main" xmlns:dgm="http://schemas.openxmlformats.org/drawingml/2006/diagram" xmlns:p14="http://schemas.microsoft.com/office/powerpoint/2010/main" xmlns:a16="http://schemas.microsoft.com/office/drawing/2014/main" xmlns="" w="9525">
+                <a14:hiddenLine xmlns="" xmlns:a16="http://schemas.microsoft.com/office/drawing/2014/main" xmlns:p14="http://schemas.microsoft.com/office/powerpoint/2010/main" xmlns:dgm="http://schemas.openxmlformats.org/drawingml/2006/diagram" xmlns:a14="http://schemas.microsoft.com/office/drawing/2010/main" w="9525">
                   <a:solidFill>
                     <a:srgbClr val="000000"/>
                   </a:solidFill>
@@ -21325,6 +22434,13 @@
               </a:ext>
             </a:extLst>
           </p:spPr>
+          <p:txBody>
+            <a:bodyPr/>
+            <a:lstStyle/>
+            <a:p>
+              <a:endParaRPr lang="en-GB"/>
+            </a:p>
+          </p:txBody>
         </p:sp>
         <p:sp>
           <p:nvSpPr>
@@ -21419,7 +22535,7 @@
             </a:ln>
             <a:extLst>
               <a:ext uri="{91240B29-F687-4f45-9708-019B960494DF}">
-                <a14:hiddenLine xmlns:a14="http://schemas.microsoft.com/office/drawing/2010/main" xmlns:dgm="http://schemas.openxmlformats.org/drawingml/2006/diagram" xmlns:p14="http://schemas.microsoft.com/office/powerpoint/2010/main" xmlns:a16="http://schemas.microsoft.com/office/drawing/2014/main" xmlns="" w="9525">
+                <a14:hiddenLine xmlns="" xmlns:a16="http://schemas.microsoft.com/office/drawing/2014/main" xmlns:p14="http://schemas.microsoft.com/office/powerpoint/2010/main" xmlns:dgm="http://schemas.openxmlformats.org/drawingml/2006/diagram" xmlns:a14="http://schemas.microsoft.com/office/drawing/2010/main" w="9525">
                   <a:solidFill>
                     <a:srgbClr val="000000"/>
                   </a:solidFill>
@@ -21430,6 +22546,13 @@
               </a:ext>
             </a:extLst>
           </p:spPr>
+          <p:txBody>
+            <a:bodyPr/>
+            <a:lstStyle/>
+            <a:p>
+              <a:endParaRPr lang="en-GB"/>
+            </a:p>
+          </p:txBody>
         </p:sp>
         <p:sp>
           <p:nvSpPr>
@@ -21524,7 +22647,7 @@
             </a:ln>
             <a:extLst>
               <a:ext uri="{91240B29-F687-4f45-9708-019B960494DF}">
-                <a14:hiddenLine xmlns:a14="http://schemas.microsoft.com/office/drawing/2010/main" xmlns:dgm="http://schemas.openxmlformats.org/drawingml/2006/diagram" xmlns:p14="http://schemas.microsoft.com/office/powerpoint/2010/main" xmlns:a16="http://schemas.microsoft.com/office/drawing/2014/main" xmlns="" w="9525">
+                <a14:hiddenLine xmlns="" xmlns:a16="http://schemas.microsoft.com/office/drawing/2014/main" xmlns:p14="http://schemas.microsoft.com/office/powerpoint/2010/main" xmlns:dgm="http://schemas.openxmlformats.org/drawingml/2006/diagram" xmlns:a14="http://schemas.microsoft.com/office/drawing/2010/main" w="9525">
                   <a:solidFill>
                     <a:srgbClr val="000000"/>
                   </a:solidFill>
@@ -21535,6 +22658,13 @@
               </a:ext>
             </a:extLst>
           </p:spPr>
+          <p:txBody>
+            <a:bodyPr/>
+            <a:lstStyle/>
+            <a:p>
+              <a:endParaRPr lang="en-GB"/>
+            </a:p>
+          </p:txBody>
         </p:sp>
         <p:sp>
           <p:nvSpPr>
@@ -21601,7 +22731,7 @@
             </a:ln>
             <a:extLst>
               <a:ext uri="{91240B29-F687-4f45-9708-019B960494DF}">
-                <a14:hiddenLine xmlns:a14="http://schemas.microsoft.com/office/drawing/2010/main" xmlns:dgm="http://schemas.openxmlformats.org/drawingml/2006/diagram" xmlns:p14="http://schemas.microsoft.com/office/powerpoint/2010/main" xmlns:a16="http://schemas.microsoft.com/office/drawing/2014/main" xmlns="" w="9525">
+                <a14:hiddenLine xmlns="" xmlns:a16="http://schemas.microsoft.com/office/drawing/2014/main" xmlns:p14="http://schemas.microsoft.com/office/powerpoint/2010/main" xmlns:dgm="http://schemas.openxmlformats.org/drawingml/2006/diagram" xmlns:a14="http://schemas.microsoft.com/office/drawing/2010/main" w="9525">
                   <a:solidFill>
                     <a:srgbClr val="000000"/>
                   </a:solidFill>
@@ -21612,6 +22742,13 @@
               </a:ext>
             </a:extLst>
           </p:spPr>
+          <p:txBody>
+            <a:bodyPr/>
+            <a:lstStyle/>
+            <a:p>
+              <a:endParaRPr lang="en-GB"/>
+            </a:p>
+          </p:txBody>
         </p:sp>
         <p:sp>
           <p:nvSpPr>
@@ -21726,7 +22863,7 @@
             </a:ln>
             <a:extLst>
               <a:ext uri="{91240B29-F687-4f45-9708-019B960494DF}">
-                <a14:hiddenLine xmlns:a14="http://schemas.microsoft.com/office/drawing/2010/main" xmlns:dgm="http://schemas.openxmlformats.org/drawingml/2006/diagram" xmlns:p14="http://schemas.microsoft.com/office/powerpoint/2010/main" xmlns:a16="http://schemas.microsoft.com/office/drawing/2014/main" xmlns="" w="9525">
+                <a14:hiddenLine xmlns="" xmlns:a16="http://schemas.microsoft.com/office/drawing/2014/main" xmlns:p14="http://schemas.microsoft.com/office/powerpoint/2010/main" xmlns:dgm="http://schemas.openxmlformats.org/drawingml/2006/diagram" xmlns:a14="http://schemas.microsoft.com/office/drawing/2010/main" w="9525">
                   <a:solidFill>
                     <a:srgbClr val="000000"/>
                   </a:solidFill>
@@ -21737,6 +22874,13 @@
               </a:ext>
             </a:extLst>
           </p:spPr>
+          <p:txBody>
+            <a:bodyPr/>
+            <a:lstStyle/>
+            <a:p>
+              <a:endParaRPr lang="en-GB"/>
+            </a:p>
+          </p:txBody>
         </p:sp>
         <p:sp>
           <p:nvSpPr>
@@ -21780,6 +22924,13 @@
               <a:tailEnd/>
             </a:ln>
           </p:spPr>
+          <p:txBody>
+            <a:bodyPr/>
+            <a:lstStyle/>
+            <a:p>
+              <a:endParaRPr lang="en-GB"/>
+            </a:p>
+          </p:txBody>
         </p:sp>
         <p:sp>
           <p:nvSpPr>
@@ -21840,7 +22991,7 @@
             </a:ln>
             <a:extLst>
               <a:ext uri="{91240B29-F687-4f45-9708-019B960494DF}">
-                <a14:hiddenLine xmlns:a14="http://schemas.microsoft.com/office/drawing/2010/main" xmlns:dgm="http://schemas.openxmlformats.org/drawingml/2006/diagram" xmlns:p14="http://schemas.microsoft.com/office/powerpoint/2010/main" xmlns:a16="http://schemas.microsoft.com/office/drawing/2014/main" xmlns="" w="9525">
+                <a14:hiddenLine xmlns="" xmlns:a16="http://schemas.microsoft.com/office/drawing/2014/main" xmlns:p14="http://schemas.microsoft.com/office/powerpoint/2010/main" xmlns:dgm="http://schemas.openxmlformats.org/drawingml/2006/diagram" xmlns:a14="http://schemas.microsoft.com/office/drawing/2010/main" w="9525">
                   <a:solidFill>
                     <a:srgbClr val="000000"/>
                   </a:solidFill>
@@ -21851,6 +23002,13 @@
               </a:ext>
             </a:extLst>
           </p:spPr>
+          <p:txBody>
+            <a:bodyPr/>
+            <a:lstStyle/>
+            <a:p>
+              <a:endParaRPr lang="en-GB"/>
+            </a:p>
+          </p:txBody>
         </p:sp>
         <p:sp>
           <p:nvSpPr>
@@ -21917,7 +23075,7 @@
             </a:ln>
             <a:extLst>
               <a:ext uri="{91240B29-F687-4f45-9708-019B960494DF}">
-                <a14:hiddenLine xmlns:a14="http://schemas.microsoft.com/office/drawing/2010/main" xmlns:dgm="http://schemas.openxmlformats.org/drawingml/2006/diagram" xmlns:p14="http://schemas.microsoft.com/office/powerpoint/2010/main" xmlns:a16="http://schemas.microsoft.com/office/drawing/2014/main" xmlns="" w="9525">
+                <a14:hiddenLine xmlns="" xmlns:a16="http://schemas.microsoft.com/office/drawing/2014/main" xmlns:p14="http://schemas.microsoft.com/office/powerpoint/2010/main" xmlns:dgm="http://schemas.openxmlformats.org/drawingml/2006/diagram" xmlns:a14="http://schemas.microsoft.com/office/drawing/2010/main" w="9525">
                   <a:solidFill>
                     <a:srgbClr val="000000"/>
                   </a:solidFill>
@@ -21928,6 +23086,13 @@
               </a:ext>
             </a:extLst>
           </p:spPr>
+          <p:txBody>
+            <a:bodyPr/>
+            <a:lstStyle/>
+            <a:p>
+              <a:endParaRPr lang="en-GB"/>
+            </a:p>
+          </p:txBody>
         </p:sp>
         <p:sp>
           <p:nvSpPr>
@@ -21994,7 +23159,7 @@
             </a:ln>
             <a:extLst>
               <a:ext uri="{91240B29-F687-4f45-9708-019B960494DF}">
-                <a14:hiddenLine xmlns:a14="http://schemas.microsoft.com/office/drawing/2010/main" xmlns:dgm="http://schemas.openxmlformats.org/drawingml/2006/diagram" xmlns:p14="http://schemas.microsoft.com/office/powerpoint/2010/main" xmlns:a16="http://schemas.microsoft.com/office/drawing/2014/main" xmlns="" w="9525">
+                <a14:hiddenLine xmlns="" xmlns:a16="http://schemas.microsoft.com/office/drawing/2014/main" xmlns:p14="http://schemas.microsoft.com/office/powerpoint/2010/main" xmlns:dgm="http://schemas.openxmlformats.org/drawingml/2006/diagram" xmlns:a14="http://schemas.microsoft.com/office/drawing/2010/main" w="9525">
                   <a:solidFill>
                     <a:srgbClr val="000000"/>
                   </a:solidFill>
@@ -22005,6 +23170,13 @@
               </a:ext>
             </a:extLst>
           </p:spPr>
+          <p:txBody>
+            <a:bodyPr/>
+            <a:lstStyle/>
+            <a:p>
+              <a:endParaRPr lang="en-GB"/>
+            </a:p>
+          </p:txBody>
         </p:sp>
         <p:sp>
           <p:nvSpPr>
@@ -22099,7 +23271,7 @@
             </a:ln>
             <a:extLst>
               <a:ext uri="{91240B29-F687-4f45-9708-019B960494DF}">
-                <a14:hiddenLine xmlns:a14="http://schemas.microsoft.com/office/drawing/2010/main" xmlns:dgm="http://schemas.openxmlformats.org/drawingml/2006/diagram" xmlns:p14="http://schemas.microsoft.com/office/powerpoint/2010/main" xmlns:a16="http://schemas.microsoft.com/office/drawing/2014/main" xmlns="" w="9525">
+                <a14:hiddenLine xmlns="" xmlns:a16="http://schemas.microsoft.com/office/drawing/2014/main" xmlns:p14="http://schemas.microsoft.com/office/powerpoint/2010/main" xmlns:dgm="http://schemas.openxmlformats.org/drawingml/2006/diagram" xmlns:a14="http://schemas.microsoft.com/office/drawing/2010/main" w="9525">
                   <a:solidFill>
                     <a:srgbClr val="000000"/>
                   </a:solidFill>
@@ -22110,6 +23282,13 @@
               </a:ext>
             </a:extLst>
           </p:spPr>
+          <p:txBody>
+            <a:bodyPr/>
+            <a:lstStyle/>
+            <a:p>
+              <a:endParaRPr lang="en-GB"/>
+            </a:p>
+          </p:txBody>
         </p:sp>
         <p:sp>
           <p:nvSpPr>
@@ -22148,7 +23327,7 @@
             </a:ln>
             <a:extLst>
               <a:ext uri="{91240B29-F687-4f45-9708-019B960494DF}">
-                <a14:hiddenLine xmlns:a14="http://schemas.microsoft.com/office/drawing/2010/main" xmlns:dgm="http://schemas.openxmlformats.org/drawingml/2006/diagram" xmlns:p14="http://schemas.microsoft.com/office/powerpoint/2010/main" xmlns:a16="http://schemas.microsoft.com/office/drawing/2014/main" xmlns="" w="9525">
+                <a14:hiddenLine xmlns="" xmlns:a16="http://schemas.microsoft.com/office/drawing/2014/main" xmlns:p14="http://schemas.microsoft.com/office/powerpoint/2010/main" xmlns:dgm="http://schemas.openxmlformats.org/drawingml/2006/diagram" xmlns:a14="http://schemas.microsoft.com/office/drawing/2010/main" w="9525">
                   <a:solidFill>
                     <a:srgbClr val="000000"/>
                   </a:solidFill>
@@ -22159,6 +23338,13 @@
               </a:ext>
             </a:extLst>
           </p:spPr>
+          <p:txBody>
+            <a:bodyPr/>
+            <a:lstStyle/>
+            <a:p>
+              <a:endParaRPr lang="en-GB"/>
+            </a:p>
+          </p:txBody>
         </p:sp>
         <p:sp>
           <p:nvSpPr>
@@ -22228,7 +23414,7 @@
             </a:ln>
             <a:extLst>
               <a:ext uri="{91240B29-F687-4f45-9708-019B960494DF}">
-                <a14:hiddenLine xmlns:a14="http://schemas.microsoft.com/office/drawing/2010/main" xmlns:dgm="http://schemas.openxmlformats.org/drawingml/2006/diagram" xmlns:p14="http://schemas.microsoft.com/office/powerpoint/2010/main" xmlns:a16="http://schemas.microsoft.com/office/drawing/2014/main" xmlns="" w="9525">
+                <a14:hiddenLine xmlns="" xmlns:a16="http://schemas.microsoft.com/office/drawing/2014/main" xmlns:p14="http://schemas.microsoft.com/office/powerpoint/2010/main" xmlns:dgm="http://schemas.openxmlformats.org/drawingml/2006/diagram" xmlns:a14="http://schemas.microsoft.com/office/drawing/2010/main" w="9525">
                   <a:solidFill>
                     <a:srgbClr val="000000"/>
                   </a:solidFill>
@@ -22239,6 +23425,13 @@
               </a:ext>
             </a:extLst>
           </p:spPr>
+          <p:txBody>
+            <a:bodyPr/>
+            <a:lstStyle/>
+            <a:p>
+              <a:endParaRPr lang="en-GB"/>
+            </a:p>
+          </p:txBody>
         </p:sp>
         <p:sp>
           <p:nvSpPr>
@@ -22333,7 +23526,7 @@
             </a:ln>
             <a:extLst>
               <a:ext uri="{91240B29-F687-4f45-9708-019B960494DF}">
-                <a14:hiddenLine xmlns:a14="http://schemas.microsoft.com/office/drawing/2010/main" xmlns:dgm="http://schemas.openxmlformats.org/drawingml/2006/diagram" xmlns:p14="http://schemas.microsoft.com/office/powerpoint/2010/main" xmlns:a16="http://schemas.microsoft.com/office/drawing/2014/main" xmlns="" w="9525">
+                <a14:hiddenLine xmlns="" xmlns:a16="http://schemas.microsoft.com/office/drawing/2014/main" xmlns:p14="http://schemas.microsoft.com/office/powerpoint/2010/main" xmlns:dgm="http://schemas.openxmlformats.org/drawingml/2006/diagram" xmlns:a14="http://schemas.microsoft.com/office/drawing/2010/main" w="9525">
                   <a:solidFill>
                     <a:srgbClr val="000000"/>
                   </a:solidFill>
@@ -22344,6 +23537,13 @@
               </a:ext>
             </a:extLst>
           </p:spPr>
+          <p:txBody>
+            <a:bodyPr/>
+            <a:lstStyle/>
+            <a:p>
+              <a:endParaRPr lang="en-GB"/>
+            </a:p>
+          </p:txBody>
         </p:sp>
         <p:sp>
           <p:nvSpPr>
@@ -22410,7 +23610,7 @@
             </a:ln>
             <a:extLst>
               <a:ext uri="{91240B29-F687-4f45-9708-019B960494DF}">
-                <a14:hiddenLine xmlns:a14="http://schemas.microsoft.com/office/drawing/2010/main" xmlns:dgm="http://schemas.openxmlformats.org/drawingml/2006/diagram" xmlns:p14="http://schemas.microsoft.com/office/powerpoint/2010/main" xmlns:a16="http://schemas.microsoft.com/office/drawing/2014/main" xmlns="" w="9525">
+                <a14:hiddenLine xmlns="" xmlns:a16="http://schemas.microsoft.com/office/drawing/2014/main" xmlns:p14="http://schemas.microsoft.com/office/powerpoint/2010/main" xmlns:dgm="http://schemas.openxmlformats.org/drawingml/2006/diagram" xmlns:a14="http://schemas.microsoft.com/office/drawing/2010/main" w="9525">
                   <a:solidFill>
                     <a:srgbClr val="000000"/>
                   </a:solidFill>
@@ -22421,6 +23621,13 @@
               </a:ext>
             </a:extLst>
           </p:spPr>
+          <p:txBody>
+            <a:bodyPr/>
+            <a:lstStyle/>
+            <a:p>
+              <a:endParaRPr lang="en-GB"/>
+            </a:p>
+          </p:txBody>
         </p:sp>
         <p:sp>
           <p:nvSpPr>
@@ -22515,7 +23722,7 @@
             </a:ln>
             <a:extLst>
               <a:ext uri="{91240B29-F687-4f45-9708-019B960494DF}">
-                <a14:hiddenLine xmlns:a14="http://schemas.microsoft.com/office/drawing/2010/main" xmlns:dgm="http://schemas.openxmlformats.org/drawingml/2006/diagram" xmlns:p14="http://schemas.microsoft.com/office/powerpoint/2010/main" xmlns:a16="http://schemas.microsoft.com/office/drawing/2014/main" xmlns="" w="9525">
+                <a14:hiddenLine xmlns="" xmlns:a16="http://schemas.microsoft.com/office/drawing/2014/main" xmlns:p14="http://schemas.microsoft.com/office/powerpoint/2010/main" xmlns:dgm="http://schemas.openxmlformats.org/drawingml/2006/diagram" xmlns:a14="http://schemas.microsoft.com/office/drawing/2010/main" w="9525">
                   <a:solidFill>
                     <a:srgbClr val="000000"/>
                   </a:solidFill>
@@ -22526,6 +23733,13 @@
               </a:ext>
             </a:extLst>
           </p:spPr>
+          <p:txBody>
+            <a:bodyPr/>
+            <a:lstStyle/>
+            <a:p>
+              <a:endParaRPr lang="en-GB"/>
+            </a:p>
+          </p:txBody>
         </p:sp>
         <p:sp>
           <p:nvSpPr>
@@ -22595,7 +23809,7 @@
             </a:ln>
             <a:extLst>
               <a:ext uri="{91240B29-F687-4f45-9708-019B960494DF}">
-                <a14:hiddenLine xmlns:a14="http://schemas.microsoft.com/office/drawing/2010/main" xmlns:dgm="http://schemas.openxmlformats.org/drawingml/2006/diagram" xmlns:p14="http://schemas.microsoft.com/office/powerpoint/2010/main" xmlns:a16="http://schemas.microsoft.com/office/drawing/2014/main" xmlns="" w="9525">
+                <a14:hiddenLine xmlns="" xmlns:a16="http://schemas.microsoft.com/office/drawing/2014/main" xmlns:p14="http://schemas.microsoft.com/office/powerpoint/2010/main" xmlns:dgm="http://schemas.openxmlformats.org/drawingml/2006/diagram" xmlns:a14="http://schemas.microsoft.com/office/drawing/2010/main" w="9525">
                   <a:solidFill>
                     <a:srgbClr val="000000"/>
                   </a:solidFill>
@@ -22606,6 +23820,13 @@
               </a:ext>
             </a:extLst>
           </p:spPr>
+          <p:txBody>
+            <a:bodyPr/>
+            <a:lstStyle/>
+            <a:p>
+              <a:endParaRPr lang="en-GB"/>
+            </a:p>
+          </p:txBody>
         </p:sp>
         <p:sp>
           <p:nvSpPr>
@@ -22672,7 +23893,7 @@
             </a:ln>
             <a:extLst>
               <a:ext uri="{91240B29-F687-4f45-9708-019B960494DF}">
-                <a14:hiddenLine xmlns:a14="http://schemas.microsoft.com/office/drawing/2010/main" xmlns:dgm="http://schemas.openxmlformats.org/drawingml/2006/diagram" xmlns:p14="http://schemas.microsoft.com/office/powerpoint/2010/main" xmlns:a16="http://schemas.microsoft.com/office/drawing/2014/main" xmlns="" w="9525">
+                <a14:hiddenLine xmlns="" xmlns:a16="http://schemas.microsoft.com/office/drawing/2014/main" xmlns:p14="http://schemas.microsoft.com/office/powerpoint/2010/main" xmlns:dgm="http://schemas.openxmlformats.org/drawingml/2006/diagram" xmlns:a14="http://schemas.microsoft.com/office/drawing/2010/main" w="9525">
                   <a:solidFill>
                     <a:srgbClr val="000000"/>
                   </a:solidFill>
@@ -22683,6 +23904,13 @@
               </a:ext>
             </a:extLst>
           </p:spPr>
+          <p:txBody>
+            <a:bodyPr/>
+            <a:lstStyle/>
+            <a:p>
+              <a:endParaRPr lang="en-GB"/>
+            </a:p>
+          </p:txBody>
         </p:sp>
         <p:sp>
           <p:nvSpPr>
@@ -22777,7 +24005,7 @@
             </a:ln>
             <a:extLst>
               <a:ext uri="{91240B29-F687-4f45-9708-019B960494DF}">
-                <a14:hiddenLine xmlns:a14="http://schemas.microsoft.com/office/drawing/2010/main" xmlns:dgm="http://schemas.openxmlformats.org/drawingml/2006/diagram" xmlns:p14="http://schemas.microsoft.com/office/powerpoint/2010/main" xmlns:a16="http://schemas.microsoft.com/office/drawing/2014/main" xmlns="" w="9525">
+                <a14:hiddenLine xmlns="" xmlns:a16="http://schemas.microsoft.com/office/drawing/2014/main" xmlns:p14="http://schemas.microsoft.com/office/powerpoint/2010/main" xmlns:dgm="http://schemas.openxmlformats.org/drawingml/2006/diagram" xmlns:a14="http://schemas.microsoft.com/office/drawing/2010/main" w="9525">
                   <a:solidFill>
                     <a:srgbClr val="000000"/>
                   </a:solidFill>
@@ -22788,6 +24016,13 @@
               </a:ext>
             </a:extLst>
           </p:spPr>
+          <p:txBody>
+            <a:bodyPr/>
+            <a:lstStyle/>
+            <a:p>
+              <a:endParaRPr lang="en-GB"/>
+            </a:p>
+          </p:txBody>
         </p:sp>
         <p:sp>
           <p:nvSpPr>
@@ -22882,7 +24117,7 @@
             </a:ln>
             <a:extLst>
               <a:ext uri="{91240B29-F687-4f45-9708-019B960494DF}">
-                <a14:hiddenLine xmlns:a14="http://schemas.microsoft.com/office/drawing/2010/main" xmlns:dgm="http://schemas.openxmlformats.org/drawingml/2006/diagram" xmlns:p14="http://schemas.microsoft.com/office/powerpoint/2010/main" xmlns:a16="http://schemas.microsoft.com/office/drawing/2014/main" xmlns="" w="9525">
+                <a14:hiddenLine xmlns="" xmlns:a16="http://schemas.microsoft.com/office/drawing/2014/main" xmlns:p14="http://schemas.microsoft.com/office/powerpoint/2010/main" xmlns:dgm="http://schemas.openxmlformats.org/drawingml/2006/diagram" xmlns:a14="http://schemas.microsoft.com/office/drawing/2010/main" w="9525">
                   <a:solidFill>
                     <a:srgbClr val="000000"/>
                   </a:solidFill>
@@ -22893,6 +24128,13 @@
               </a:ext>
             </a:extLst>
           </p:spPr>
+          <p:txBody>
+            <a:bodyPr/>
+            <a:lstStyle/>
+            <a:p>
+              <a:endParaRPr lang="en-GB"/>
+            </a:p>
+          </p:txBody>
         </p:sp>
         <p:sp>
           <p:nvSpPr>
@@ -22962,7 +24204,7 @@
             </a:ln>
             <a:extLst>
               <a:ext uri="{91240B29-F687-4f45-9708-019B960494DF}">
-                <a14:hiddenLine xmlns:a14="http://schemas.microsoft.com/office/drawing/2010/main" xmlns:dgm="http://schemas.openxmlformats.org/drawingml/2006/diagram" xmlns:p14="http://schemas.microsoft.com/office/powerpoint/2010/main" xmlns:a16="http://schemas.microsoft.com/office/drawing/2014/main" xmlns="" w="9525">
+                <a14:hiddenLine xmlns="" xmlns:a16="http://schemas.microsoft.com/office/drawing/2014/main" xmlns:p14="http://schemas.microsoft.com/office/powerpoint/2010/main" xmlns:dgm="http://schemas.openxmlformats.org/drawingml/2006/diagram" xmlns:a14="http://schemas.microsoft.com/office/drawing/2010/main" w="9525">
                   <a:solidFill>
                     <a:srgbClr val="000000"/>
                   </a:solidFill>
@@ -22973,6 +24215,13 @@
               </a:ext>
             </a:extLst>
           </p:spPr>
+          <p:txBody>
+            <a:bodyPr/>
+            <a:lstStyle/>
+            <a:p>
+              <a:endParaRPr lang="en-GB"/>
+            </a:p>
+          </p:txBody>
         </p:sp>
         <p:sp>
           <p:nvSpPr>
@@ -23097,7 +24346,7 @@
             </a:ln>
             <a:extLst>
               <a:ext uri="{91240B29-F687-4f45-9708-019B960494DF}">
-                <a14:hiddenLine xmlns:a14="http://schemas.microsoft.com/office/drawing/2010/main" xmlns:dgm="http://schemas.openxmlformats.org/drawingml/2006/diagram" xmlns:p14="http://schemas.microsoft.com/office/powerpoint/2010/main" xmlns:a16="http://schemas.microsoft.com/office/drawing/2014/main" xmlns="" w="9525">
+                <a14:hiddenLine xmlns="" xmlns:a16="http://schemas.microsoft.com/office/drawing/2014/main" xmlns:p14="http://schemas.microsoft.com/office/powerpoint/2010/main" xmlns:dgm="http://schemas.openxmlformats.org/drawingml/2006/diagram" xmlns:a14="http://schemas.microsoft.com/office/drawing/2010/main" w="9525">
                   <a:solidFill>
                     <a:srgbClr val="000000"/>
                   </a:solidFill>
@@ -23108,6 +24357,13 @@
               </a:ext>
             </a:extLst>
           </p:spPr>
+          <p:txBody>
+            <a:bodyPr/>
+            <a:lstStyle/>
+            <a:p>
+              <a:endParaRPr lang="en-GB"/>
+            </a:p>
+          </p:txBody>
         </p:sp>
       </p:grpSp>
       <p:pic>
@@ -23158,7 +24414,7 @@
           <a:noFill/>
           <a:extLst>
             <a:ext uri="{909E8E84-426E-40dd-AFC4-6F175D3DCCD1}">
-              <a14:hiddenFill xmlns:a14="http://schemas.microsoft.com/office/drawing/2010/main" xmlns:dgm="http://schemas.openxmlformats.org/drawingml/2006/diagram" xmlns:p14="http://schemas.microsoft.com/office/powerpoint/2010/main" xmlns:a16="http://schemas.microsoft.com/office/drawing/2014/main" xmlns="">
+              <a14:hiddenFill xmlns="" xmlns:a16="http://schemas.microsoft.com/office/drawing/2014/main" xmlns:p14="http://schemas.microsoft.com/office/powerpoint/2010/main" xmlns:dgm="http://schemas.openxmlformats.org/drawingml/2006/diagram" xmlns:a14="http://schemas.microsoft.com/office/drawing/2010/main">
                 <a:solidFill>
                   <a:srgbClr val="FFFFFF"/>
                 </a:solidFill>
@@ -23234,7 +24490,7 @@
         <p:spPr>
           <a:xfrm>
             <a:off x="4354074" y="2746673"/>
-            <a:ext cx="7548039" cy="923330"/>
+            <a:ext cx="7548039" cy="1477328"/>
           </a:xfrm>
           <a:prstGeom prst="rect">
             <a:avLst/>
@@ -23259,6 +24515,15 @@
             <a:r>
               <a:rPr lang="pt-BR" dirty="0"/>
               <a:t>· Iremos configurar as variáveis de ambiente </a:t>
+            </a:r>
+          </a:p>
+          <a:p>
+            <a:endParaRPr lang="pt-BR" dirty="0"/>
+          </a:p>
+          <a:p>
+            <a:r>
+              <a:rPr lang="pt-BR" dirty="0"/>
+              <a:t>· Fazer a instalação do Anaconda</a:t>
             </a:r>
           </a:p>
         </p:txBody>
@@ -23482,7 +24747,7 @@
         <p:spPr>
           <a:xfrm>
             <a:off x="276837" y="1090569"/>
-            <a:ext cx="8506436" cy="646331"/>
+            <a:ext cx="8506436" cy="923330"/>
           </a:xfrm>
           <a:prstGeom prst="rect">
             <a:avLst/>
@@ -23501,7 +24766,7 @@
             </a:r>
             <a:r>
               <a:rPr lang="pt-BR" dirty="0"/>
-              <a:t> Clique em downloads (seta vermelha) se o seu computador for de 64 bits, ou clique python 3.8.2 (versão mais atualizada), (seta laranja) se for 32 bits. </a:t>
+              <a:t> Clique em downloads (seta vermelha) se o seu computador for de 64 bits, ou clique python 3.8.2 (versão mais atualizada no momento de criação desse PowerPoint), (seta laranja) se for 32 bits. </a:t>
             </a:r>
           </a:p>
         </p:txBody>

--- a/Aulas/Aula01InstalaçãoPython/Instação_do_python.pptx
+++ b/Aulas/Aula01InstalaçãoPython/Instação_do_python.pptx
@@ -423,7 +423,7 @@
           <a:p>
             <a:fld id="{2C739DA3-05BE-4DDB-9CC7-2211472E425C}" type="datetimeFigureOut">
               <a:rPr lang="pt-BR" smtClean="0"/>
-              <a:t>22/07/2023</a:t>
+              <a:t>10/03/2025</a:t>
             </a:fld>
             <a:endParaRPr lang="pt-BR"/>
           </a:p>
@@ -581,7 +581,7 @@
           <a:p>
             <a:fld id="{444356F9-81D2-4AA3-A0DE-A9A48FA7E83C}" type="slidenum">
               <a:rPr lang="pt-BR" smtClean="0"/>
-              <a:t>‹#›</a:t>
+              <a:t>‹nº›</a:t>
             </a:fld>
             <a:endParaRPr lang="pt-BR"/>
           </a:p>
@@ -740,7 +740,7 @@
           <a:noFill/>
           <a:extLst>
             <a:ext uri="{909E8E84-426E-40dd-AFC4-6F175D3DCCD1}">
-              <a14:hiddenFill xmlns:a14="http://schemas.microsoft.com/office/drawing/2010/main" xmlns="">
+              <a14:hiddenFill xmlns="" xmlns:a14="http://schemas.microsoft.com/office/drawing/2010/main">
                 <a:solidFill>
                   <a:srgbClr val="FFFFFF"/>
                 </a:solidFill>
@@ -800,7 +800,7 @@
             </a:ln>
             <a:extLst>
               <a:ext uri="{91240B29-F687-4f45-9708-019B960494DF}">
-                <a14:hiddenLine xmlns:a14="http://schemas.microsoft.com/office/drawing/2010/main" xmlns="" w="9525">
+                <a14:hiddenLine xmlns="" xmlns:a14="http://schemas.microsoft.com/office/drawing/2010/main" w="9525">
                   <a:solidFill>
                     <a:srgbClr val="000000"/>
                   </a:solidFill>
@@ -890,7 +890,7 @@
             </a:ln>
             <a:extLst>
               <a:ext uri="{91240B29-F687-4f45-9708-019B960494DF}">
-                <a14:hiddenLine xmlns:a14="http://schemas.microsoft.com/office/drawing/2010/main" xmlns="" w="9525">
+                <a14:hiddenLine xmlns="" xmlns:a14="http://schemas.microsoft.com/office/drawing/2010/main" w="9525">
                   <a:solidFill>
                     <a:srgbClr val="000000"/>
                   </a:solidFill>
@@ -980,7 +980,7 @@
             </a:ln>
             <a:extLst>
               <a:ext uri="{91240B29-F687-4f45-9708-019B960494DF}">
-                <a14:hiddenLine xmlns:a14="http://schemas.microsoft.com/office/drawing/2010/main" xmlns="" w="9525">
+                <a14:hiddenLine xmlns="" xmlns:a14="http://schemas.microsoft.com/office/drawing/2010/main" w="9525">
                   <a:solidFill>
                     <a:srgbClr val="000000"/>
                   </a:solidFill>
@@ -1014,7 +1014,7 @@
             </a:ln>
             <a:extLst>
               <a:ext uri="{91240B29-F687-4f45-9708-019B960494DF}">
-                <a14:hiddenLine xmlns:a14="http://schemas.microsoft.com/office/drawing/2010/main" xmlns="" w="9525">
+                <a14:hiddenLine xmlns="" xmlns:a14="http://schemas.microsoft.com/office/drawing/2010/main" w="9525">
                   <a:solidFill>
                     <a:srgbClr val="000000"/>
                   </a:solidFill>
@@ -1104,7 +1104,7 @@
             </a:ln>
             <a:extLst>
               <a:ext uri="{91240B29-F687-4f45-9708-019B960494DF}">
-                <a14:hiddenLine xmlns:a14="http://schemas.microsoft.com/office/drawing/2010/main" xmlns="" w="9525">
+                <a14:hiddenLine xmlns="" xmlns:a14="http://schemas.microsoft.com/office/drawing/2010/main" w="9525">
                   <a:solidFill>
                     <a:srgbClr val="000000"/>
                   </a:solidFill>
@@ -1166,7 +1166,7 @@
             </a:ln>
             <a:extLst>
               <a:ext uri="{91240B29-F687-4f45-9708-019B960494DF}">
-                <a14:hiddenLine xmlns:a14="http://schemas.microsoft.com/office/drawing/2010/main" xmlns="" w="9525">
+                <a14:hiddenLine xmlns="" xmlns:a14="http://schemas.microsoft.com/office/drawing/2010/main" w="9525">
                   <a:solidFill>
                     <a:srgbClr val="000000"/>
                   </a:solidFill>
@@ -1228,7 +1228,7 @@
             </a:ln>
             <a:extLst>
               <a:ext uri="{91240B29-F687-4f45-9708-019B960494DF}">
-                <a14:hiddenLine xmlns:a14="http://schemas.microsoft.com/office/drawing/2010/main" xmlns="" w="9525">
+                <a14:hiddenLine xmlns="" xmlns:a14="http://schemas.microsoft.com/office/drawing/2010/main" w="9525">
                   <a:solidFill>
                     <a:srgbClr val="000000"/>
                   </a:solidFill>
@@ -1318,7 +1318,7 @@
             </a:ln>
             <a:extLst>
               <a:ext uri="{91240B29-F687-4f45-9708-019B960494DF}">
-                <a14:hiddenLine xmlns:a14="http://schemas.microsoft.com/office/drawing/2010/main" xmlns="" w="9525">
+                <a14:hiddenLine xmlns="" xmlns:a14="http://schemas.microsoft.com/office/drawing/2010/main" w="9525">
                   <a:solidFill>
                     <a:srgbClr val="000000"/>
                   </a:solidFill>
@@ -1380,7 +1380,7 @@
             </a:ln>
             <a:extLst>
               <a:ext uri="{91240B29-F687-4f45-9708-019B960494DF}">
-                <a14:hiddenLine xmlns:a14="http://schemas.microsoft.com/office/drawing/2010/main" xmlns="" w="9525">
+                <a14:hiddenLine xmlns="" xmlns:a14="http://schemas.microsoft.com/office/drawing/2010/main" w="9525">
                   <a:solidFill>
                     <a:srgbClr val="000000"/>
                   </a:solidFill>
@@ -1442,7 +1442,7 @@
             </a:ln>
             <a:extLst>
               <a:ext uri="{91240B29-F687-4f45-9708-019B960494DF}">
-                <a14:hiddenLine xmlns:a14="http://schemas.microsoft.com/office/drawing/2010/main" xmlns="" w="9525">
+                <a14:hiddenLine xmlns="" xmlns:a14="http://schemas.microsoft.com/office/drawing/2010/main" w="9525">
                   <a:solidFill>
                     <a:srgbClr val="000000"/>
                   </a:solidFill>
@@ -1532,7 +1532,7 @@
             </a:ln>
             <a:extLst>
               <a:ext uri="{91240B29-F687-4f45-9708-019B960494DF}">
-                <a14:hiddenLine xmlns:a14="http://schemas.microsoft.com/office/drawing/2010/main" xmlns="" w="9525">
+                <a14:hiddenLine xmlns="" xmlns:a14="http://schemas.microsoft.com/office/drawing/2010/main" w="9525">
                   <a:solidFill>
                     <a:srgbClr val="000000"/>
                   </a:solidFill>
@@ -1622,7 +1622,7 @@
             </a:ln>
             <a:extLst>
               <a:ext uri="{91240B29-F687-4f45-9708-019B960494DF}">
-                <a14:hiddenLine xmlns:a14="http://schemas.microsoft.com/office/drawing/2010/main" xmlns="" w="9525">
+                <a14:hiddenLine xmlns="" xmlns:a14="http://schemas.microsoft.com/office/drawing/2010/main" w="9525">
                   <a:solidFill>
                     <a:srgbClr val="000000"/>
                   </a:solidFill>
@@ -1684,7 +1684,7 @@
             </a:ln>
             <a:extLst>
               <a:ext uri="{91240B29-F687-4f45-9708-019B960494DF}">
-                <a14:hiddenLine xmlns:a14="http://schemas.microsoft.com/office/drawing/2010/main" xmlns="" w="9525">
+                <a14:hiddenLine xmlns="" xmlns:a14="http://schemas.microsoft.com/office/drawing/2010/main" w="9525">
                   <a:solidFill>
                     <a:srgbClr val="000000"/>
                   </a:solidFill>
@@ -1794,7 +1794,7 @@
             </a:ln>
             <a:extLst>
               <a:ext uri="{91240B29-F687-4f45-9708-019B960494DF}">
-                <a14:hiddenLine xmlns:a14="http://schemas.microsoft.com/office/drawing/2010/main" xmlns="" w="9525">
+                <a14:hiddenLine xmlns="" xmlns:a14="http://schemas.microsoft.com/office/drawing/2010/main" w="9525">
                   <a:solidFill>
                     <a:srgbClr val="000000"/>
                   </a:solidFill>
@@ -1856,7 +1856,7 @@
             </a:ln>
             <a:extLst>
               <a:ext uri="{91240B29-F687-4f45-9708-019B960494DF}">
-                <a14:hiddenLine xmlns:a14="http://schemas.microsoft.com/office/drawing/2010/main" xmlns="" w="9525">
+                <a14:hiddenLine xmlns="" xmlns:a14="http://schemas.microsoft.com/office/drawing/2010/main" w="9525">
                   <a:solidFill>
                     <a:srgbClr val="000000"/>
                   </a:solidFill>
@@ -1946,7 +1946,7 @@
             </a:ln>
             <a:extLst>
               <a:ext uri="{91240B29-F687-4f45-9708-019B960494DF}">
-                <a14:hiddenLine xmlns:a14="http://schemas.microsoft.com/office/drawing/2010/main" xmlns="" w="9525">
+                <a14:hiddenLine xmlns="" xmlns:a14="http://schemas.microsoft.com/office/drawing/2010/main" w="9525">
                   <a:solidFill>
                     <a:srgbClr val="000000"/>
                   </a:solidFill>
@@ -2036,7 +2036,7 @@
             </a:ln>
             <a:extLst>
               <a:ext uri="{91240B29-F687-4f45-9708-019B960494DF}">
-                <a14:hiddenLine xmlns:a14="http://schemas.microsoft.com/office/drawing/2010/main" xmlns="" w="9525">
+                <a14:hiddenLine xmlns="" xmlns:a14="http://schemas.microsoft.com/office/drawing/2010/main" w="9525">
                   <a:solidFill>
                     <a:srgbClr val="000000"/>
                   </a:solidFill>
@@ -2098,7 +2098,7 @@
             </a:ln>
             <a:extLst>
               <a:ext uri="{91240B29-F687-4f45-9708-019B960494DF}">
-                <a14:hiddenLine xmlns:a14="http://schemas.microsoft.com/office/drawing/2010/main" xmlns="" w="9525">
+                <a14:hiddenLine xmlns="" xmlns:a14="http://schemas.microsoft.com/office/drawing/2010/main" w="9525">
                   <a:solidFill>
                     <a:srgbClr val="000000"/>
                   </a:solidFill>
@@ -2188,7 +2188,7 @@
             </a:ln>
             <a:extLst>
               <a:ext uri="{91240B29-F687-4f45-9708-019B960494DF}">
-                <a14:hiddenLine xmlns:a14="http://schemas.microsoft.com/office/drawing/2010/main" xmlns="" w="9525">
+                <a14:hiddenLine xmlns="" xmlns:a14="http://schemas.microsoft.com/office/drawing/2010/main" w="9525">
                   <a:solidFill>
                     <a:srgbClr val="000000"/>
                   </a:solidFill>
@@ -2278,7 +2278,7 @@
             </a:ln>
             <a:extLst>
               <a:ext uri="{91240B29-F687-4f45-9708-019B960494DF}">
-                <a14:hiddenLine xmlns:a14="http://schemas.microsoft.com/office/drawing/2010/main" xmlns="" w="9525">
+                <a14:hiddenLine xmlns="" xmlns:a14="http://schemas.microsoft.com/office/drawing/2010/main" w="9525">
                   <a:solidFill>
                     <a:srgbClr val="000000"/>
                   </a:solidFill>
@@ -2334,7 +2334,7 @@
             </a:ln>
             <a:extLst>
               <a:ext uri="{91240B29-F687-4f45-9708-019B960494DF}">
-                <a14:hiddenLine xmlns:a14="http://schemas.microsoft.com/office/drawing/2010/main" xmlns="" w="9525">
+                <a14:hiddenLine xmlns="" xmlns:a14="http://schemas.microsoft.com/office/drawing/2010/main" w="9525">
                   <a:solidFill>
                     <a:srgbClr val="000000"/>
                   </a:solidFill>
@@ -2424,7 +2424,7 @@
             </a:ln>
             <a:extLst>
               <a:ext uri="{91240B29-F687-4f45-9708-019B960494DF}">
-                <a14:hiddenLine xmlns:a14="http://schemas.microsoft.com/office/drawing/2010/main" xmlns="" w="9525">
+                <a14:hiddenLine xmlns="" xmlns:a14="http://schemas.microsoft.com/office/drawing/2010/main" w="9525">
                   <a:solidFill>
                     <a:srgbClr val="000000"/>
                   </a:solidFill>
@@ -2480,7 +2480,7 @@
             </a:ln>
             <a:extLst>
               <a:ext uri="{91240B29-F687-4f45-9708-019B960494DF}">
-                <a14:hiddenLine xmlns:a14="http://schemas.microsoft.com/office/drawing/2010/main" xmlns="" w="9525">
+                <a14:hiddenLine xmlns="" xmlns:a14="http://schemas.microsoft.com/office/drawing/2010/main" w="9525">
                   <a:solidFill>
                     <a:srgbClr val="000000"/>
                   </a:solidFill>
@@ -2570,7 +2570,7 @@
             </a:ln>
             <a:extLst>
               <a:ext uri="{91240B29-F687-4f45-9708-019B960494DF}">
-                <a14:hiddenLine xmlns:a14="http://schemas.microsoft.com/office/drawing/2010/main" xmlns="" w="9525">
+                <a14:hiddenLine xmlns="" xmlns:a14="http://schemas.microsoft.com/office/drawing/2010/main" w="9525">
                   <a:solidFill>
                     <a:srgbClr val="000000"/>
                   </a:solidFill>
@@ -2638,7 +2638,7 @@
             </a:ln>
             <a:extLst>
               <a:ext uri="{91240B29-F687-4f45-9708-019B960494DF}">
-                <a14:hiddenLine xmlns:a14="http://schemas.microsoft.com/office/drawing/2010/main" xmlns="" w="9525">
+                <a14:hiddenLine xmlns="" xmlns:a14="http://schemas.microsoft.com/office/drawing/2010/main" w="9525">
                   <a:solidFill>
                     <a:srgbClr val="000000"/>
                   </a:solidFill>
@@ -2728,7 +2728,7 @@
             </a:ln>
             <a:extLst>
               <a:ext uri="{91240B29-F687-4f45-9708-019B960494DF}">
-                <a14:hiddenLine xmlns:a14="http://schemas.microsoft.com/office/drawing/2010/main" xmlns="" w="9525">
+                <a14:hiddenLine xmlns="" xmlns:a14="http://schemas.microsoft.com/office/drawing/2010/main" w="9525">
                   <a:solidFill>
                     <a:srgbClr val="000000"/>
                   </a:solidFill>
@@ -2796,7 +2796,7 @@
             </a:ln>
             <a:extLst>
               <a:ext uri="{91240B29-F687-4f45-9708-019B960494DF}">
-                <a14:hiddenLine xmlns:a14="http://schemas.microsoft.com/office/drawing/2010/main" xmlns="" w="9525">
+                <a14:hiddenLine xmlns="" xmlns:a14="http://schemas.microsoft.com/office/drawing/2010/main" w="9525">
                   <a:solidFill>
                     <a:srgbClr val="000000"/>
                   </a:solidFill>
@@ -2886,7 +2886,7 @@
             </a:ln>
             <a:extLst>
               <a:ext uri="{91240B29-F687-4f45-9708-019B960494DF}">
-                <a14:hiddenLine xmlns:a14="http://schemas.microsoft.com/office/drawing/2010/main" xmlns="" w="9525">
+                <a14:hiddenLine xmlns="" xmlns:a14="http://schemas.microsoft.com/office/drawing/2010/main" w="9525">
                   <a:solidFill>
                     <a:srgbClr val="000000"/>
                   </a:solidFill>
@@ -2920,7 +2920,7 @@
             </a:ln>
             <a:extLst>
               <a:ext uri="{91240B29-F687-4f45-9708-019B960494DF}">
-                <a14:hiddenLine xmlns:a14="http://schemas.microsoft.com/office/drawing/2010/main" xmlns="" w="9525">
+                <a14:hiddenLine xmlns="" xmlns:a14="http://schemas.microsoft.com/office/drawing/2010/main" w="9525">
                   <a:solidFill>
                     <a:srgbClr val="000000"/>
                   </a:solidFill>
@@ -3010,7 +3010,7 @@
             </a:ln>
             <a:extLst>
               <a:ext uri="{91240B29-F687-4f45-9708-019B960494DF}">
-                <a14:hiddenLine xmlns:a14="http://schemas.microsoft.com/office/drawing/2010/main" xmlns="" w="9525">
+                <a14:hiddenLine xmlns="" xmlns:a14="http://schemas.microsoft.com/office/drawing/2010/main" w="9525">
                   <a:solidFill>
                     <a:srgbClr val="000000"/>
                   </a:solidFill>
@@ -3072,7 +3072,7 @@
             </a:ln>
             <a:extLst>
               <a:ext uri="{91240B29-F687-4f45-9708-019B960494DF}">
-                <a14:hiddenLine xmlns:a14="http://schemas.microsoft.com/office/drawing/2010/main" xmlns="" w="9525">
+                <a14:hiddenLine xmlns="" xmlns:a14="http://schemas.microsoft.com/office/drawing/2010/main" w="9525">
                   <a:solidFill>
                     <a:srgbClr val="000000"/>
                   </a:solidFill>
@@ -3134,7 +3134,7 @@
             </a:ln>
             <a:extLst>
               <a:ext uri="{91240B29-F687-4f45-9708-019B960494DF}">
-                <a14:hiddenLine xmlns:a14="http://schemas.microsoft.com/office/drawing/2010/main" xmlns="" w="9525">
+                <a14:hiddenLine xmlns="" xmlns:a14="http://schemas.microsoft.com/office/drawing/2010/main" w="9525">
                   <a:solidFill>
                     <a:srgbClr val="000000"/>
                   </a:solidFill>
@@ -3224,7 +3224,7 @@
             </a:ln>
             <a:extLst>
               <a:ext uri="{91240B29-F687-4f45-9708-019B960494DF}">
-                <a14:hiddenLine xmlns:a14="http://schemas.microsoft.com/office/drawing/2010/main" xmlns="" w="9525">
+                <a14:hiddenLine xmlns="" xmlns:a14="http://schemas.microsoft.com/office/drawing/2010/main" w="9525">
                   <a:solidFill>
                     <a:srgbClr val="000000"/>
                   </a:solidFill>
@@ -3292,7 +3292,7 @@
             </a:ln>
             <a:extLst>
               <a:ext uri="{91240B29-F687-4f45-9708-019B960494DF}">
-                <a14:hiddenLine xmlns:a14="http://schemas.microsoft.com/office/drawing/2010/main" xmlns="" w="9525">
+                <a14:hiddenLine xmlns="" xmlns:a14="http://schemas.microsoft.com/office/drawing/2010/main" w="9525">
                   <a:solidFill>
                     <a:srgbClr val="000000"/>
                   </a:solidFill>
@@ -3354,7 +3354,7 @@
             </a:ln>
             <a:extLst>
               <a:ext uri="{91240B29-F687-4f45-9708-019B960494DF}">
-                <a14:hiddenLine xmlns:a14="http://schemas.microsoft.com/office/drawing/2010/main" xmlns="" w="9525">
+                <a14:hiddenLine xmlns="" xmlns:a14="http://schemas.microsoft.com/office/drawing/2010/main" w="9525">
                   <a:solidFill>
                     <a:srgbClr val="000000"/>
                   </a:solidFill>
@@ -3444,7 +3444,7 @@
             </a:ln>
             <a:extLst>
               <a:ext uri="{91240B29-F687-4f45-9708-019B960494DF}">
-                <a14:hiddenLine xmlns:a14="http://schemas.microsoft.com/office/drawing/2010/main" xmlns="" w="9525">
+                <a14:hiddenLine xmlns="" xmlns:a14="http://schemas.microsoft.com/office/drawing/2010/main" w="9525">
                   <a:solidFill>
                     <a:srgbClr val="000000"/>
                   </a:solidFill>
@@ -3506,7 +3506,7 @@
             </a:ln>
             <a:extLst>
               <a:ext uri="{91240B29-F687-4f45-9708-019B960494DF}">
-                <a14:hiddenLine xmlns:a14="http://schemas.microsoft.com/office/drawing/2010/main" xmlns="" w="9525">
+                <a14:hiddenLine xmlns="" xmlns:a14="http://schemas.microsoft.com/office/drawing/2010/main" w="9525">
                   <a:solidFill>
                     <a:srgbClr val="000000"/>
                   </a:solidFill>
@@ -3596,7 +3596,7 @@
             </a:ln>
             <a:extLst>
               <a:ext uri="{91240B29-F687-4f45-9708-019B960494DF}">
-                <a14:hiddenLine xmlns:a14="http://schemas.microsoft.com/office/drawing/2010/main" xmlns="" w="9525">
+                <a14:hiddenLine xmlns="" xmlns:a14="http://schemas.microsoft.com/office/drawing/2010/main" w="9525">
                   <a:solidFill>
                     <a:srgbClr val="000000"/>
                   </a:solidFill>
@@ -3658,7 +3658,7 @@
             </a:ln>
             <a:extLst>
               <a:ext uri="{91240B29-F687-4f45-9708-019B960494DF}">
-                <a14:hiddenLine xmlns:a14="http://schemas.microsoft.com/office/drawing/2010/main" xmlns="" w="9525">
+                <a14:hiddenLine xmlns="" xmlns:a14="http://schemas.microsoft.com/office/drawing/2010/main" w="9525">
                   <a:solidFill>
                     <a:srgbClr val="000000"/>
                   </a:solidFill>
@@ -3748,7 +3748,7 @@
             </a:ln>
             <a:extLst>
               <a:ext uri="{91240B29-F687-4f45-9708-019B960494DF}">
-                <a14:hiddenLine xmlns:a14="http://schemas.microsoft.com/office/drawing/2010/main" xmlns="" w="9525">
+                <a14:hiddenLine xmlns="" xmlns:a14="http://schemas.microsoft.com/office/drawing/2010/main" w="9525">
                   <a:solidFill>
                     <a:srgbClr val="000000"/>
                   </a:solidFill>
@@ -3782,7 +3782,7 @@
             </a:ln>
             <a:extLst>
               <a:ext uri="{91240B29-F687-4f45-9708-019B960494DF}">
-                <a14:hiddenLine xmlns:a14="http://schemas.microsoft.com/office/drawing/2010/main" xmlns="" w="9525">
+                <a14:hiddenLine xmlns="" xmlns:a14="http://schemas.microsoft.com/office/drawing/2010/main" w="9525">
                   <a:solidFill>
                     <a:srgbClr val="000000"/>
                   </a:solidFill>
@@ -3847,7 +3847,7 @@
             </a:ln>
             <a:extLst>
               <a:ext uri="{91240B29-F687-4f45-9708-019B960494DF}">
-                <a14:hiddenLine xmlns:a14="http://schemas.microsoft.com/office/drawing/2010/main" xmlns="" w="9525">
+                <a14:hiddenLine xmlns="" xmlns:a14="http://schemas.microsoft.com/office/drawing/2010/main" w="9525">
                   <a:solidFill>
                     <a:srgbClr val="000000"/>
                   </a:solidFill>
@@ -3937,7 +3937,7 @@
             </a:ln>
             <a:extLst>
               <a:ext uri="{91240B29-F687-4f45-9708-019B960494DF}">
-                <a14:hiddenLine xmlns:a14="http://schemas.microsoft.com/office/drawing/2010/main" xmlns="" w="9525">
+                <a14:hiddenLine xmlns="" xmlns:a14="http://schemas.microsoft.com/office/drawing/2010/main" w="9525">
                   <a:solidFill>
                     <a:srgbClr val="000000"/>
                   </a:solidFill>
@@ -3999,7 +3999,7 @@
             </a:ln>
             <a:extLst>
               <a:ext uri="{91240B29-F687-4f45-9708-019B960494DF}">
-                <a14:hiddenLine xmlns:a14="http://schemas.microsoft.com/office/drawing/2010/main" xmlns="" w="9525">
+                <a14:hiddenLine xmlns="" xmlns:a14="http://schemas.microsoft.com/office/drawing/2010/main" w="9525">
                   <a:solidFill>
                     <a:srgbClr val="000000"/>
                   </a:solidFill>
@@ -4089,7 +4089,7 @@
             </a:ln>
             <a:extLst>
               <a:ext uri="{91240B29-F687-4f45-9708-019B960494DF}">
-                <a14:hiddenLine xmlns:a14="http://schemas.microsoft.com/office/drawing/2010/main" xmlns="" w="9525">
+                <a14:hiddenLine xmlns="" xmlns:a14="http://schemas.microsoft.com/office/drawing/2010/main" w="9525">
                   <a:solidFill>
                     <a:srgbClr val="000000"/>
                   </a:solidFill>
@@ -4179,7 +4179,7 @@
             </a:ln>
             <a:extLst>
               <a:ext uri="{91240B29-F687-4f45-9708-019B960494DF}">
-                <a14:hiddenLine xmlns:a14="http://schemas.microsoft.com/office/drawing/2010/main" xmlns="" w="9525">
+                <a14:hiddenLine xmlns="" xmlns:a14="http://schemas.microsoft.com/office/drawing/2010/main" w="9525">
                   <a:solidFill>
                     <a:srgbClr val="000000"/>
                   </a:solidFill>
@@ -4244,7 +4244,7 @@
             </a:ln>
             <a:extLst>
               <a:ext uri="{91240B29-F687-4f45-9708-019B960494DF}">
-                <a14:hiddenLine xmlns:a14="http://schemas.microsoft.com/office/drawing/2010/main" xmlns="" w="9525">
+                <a14:hiddenLine xmlns="" xmlns:a14="http://schemas.microsoft.com/office/drawing/2010/main" w="9525">
                   <a:solidFill>
                     <a:srgbClr val="000000"/>
                   </a:solidFill>
@@ -4306,7 +4306,7 @@
             </a:ln>
             <a:extLst>
               <a:ext uri="{91240B29-F687-4f45-9708-019B960494DF}">
-                <a14:hiddenLine xmlns:a14="http://schemas.microsoft.com/office/drawing/2010/main" xmlns="" w="9525">
+                <a14:hiddenLine xmlns="" xmlns:a14="http://schemas.microsoft.com/office/drawing/2010/main" w="9525">
                   <a:solidFill>
                     <a:srgbClr val="000000"/>
                   </a:solidFill>
@@ -4396,7 +4396,7 @@
             </a:ln>
             <a:extLst>
               <a:ext uri="{91240B29-F687-4f45-9708-019B960494DF}">
-                <a14:hiddenLine xmlns:a14="http://schemas.microsoft.com/office/drawing/2010/main" xmlns="" w="9525">
+                <a14:hiddenLine xmlns="" xmlns:a14="http://schemas.microsoft.com/office/drawing/2010/main" w="9525">
                   <a:solidFill>
                     <a:srgbClr val="000000"/>
                   </a:solidFill>
@@ -4486,7 +4486,7 @@
             </a:ln>
             <a:extLst>
               <a:ext uri="{91240B29-F687-4f45-9708-019B960494DF}">
-                <a14:hiddenLine xmlns:a14="http://schemas.microsoft.com/office/drawing/2010/main" xmlns="" w="9525">
+                <a14:hiddenLine xmlns="" xmlns:a14="http://schemas.microsoft.com/office/drawing/2010/main" w="9525">
                   <a:solidFill>
                     <a:srgbClr val="000000"/>
                   </a:solidFill>
@@ -4548,7 +4548,7 @@
             </a:ln>
             <a:extLst>
               <a:ext uri="{91240B29-F687-4f45-9708-019B960494DF}">
-                <a14:hiddenLine xmlns:a14="http://schemas.microsoft.com/office/drawing/2010/main" xmlns="" w="9525">
+                <a14:hiddenLine xmlns="" xmlns:a14="http://schemas.microsoft.com/office/drawing/2010/main" w="9525">
                   <a:solidFill>
                     <a:srgbClr val="000000"/>
                   </a:solidFill>
@@ -4668,7 +4668,7 @@
             </a:ln>
             <a:extLst>
               <a:ext uri="{91240B29-F687-4f45-9708-019B960494DF}">
-                <a14:hiddenLine xmlns:a14="http://schemas.microsoft.com/office/drawing/2010/main" xmlns="" w="9525">
+                <a14:hiddenLine xmlns="" xmlns:a14="http://schemas.microsoft.com/office/drawing/2010/main" w="9525">
                   <a:solidFill>
                     <a:srgbClr val="000000"/>
                   </a:solidFill>
@@ -4736,7 +4736,7 @@
             </a:ln>
             <a:extLst>
               <a:ext uri="{91240B29-F687-4f45-9708-019B960494DF}">
-                <a14:hiddenLine xmlns:a14="http://schemas.microsoft.com/office/drawing/2010/main" xmlns="" w="9525">
+                <a14:hiddenLine xmlns="" xmlns:a14="http://schemas.microsoft.com/office/drawing/2010/main" w="9525">
                   <a:solidFill>
                     <a:srgbClr val="000000"/>
                   </a:solidFill>
@@ -4826,7 +4826,7 @@
             </a:ln>
             <a:extLst>
               <a:ext uri="{91240B29-F687-4f45-9708-019B960494DF}">
-                <a14:hiddenLine xmlns:a14="http://schemas.microsoft.com/office/drawing/2010/main" xmlns="" w="9525">
+                <a14:hiddenLine xmlns="" xmlns:a14="http://schemas.microsoft.com/office/drawing/2010/main" w="9525">
                   <a:solidFill>
                     <a:srgbClr val="000000"/>
                   </a:solidFill>
@@ -4966,7 +4966,7 @@
           <a:p>
             <a:fld id="{42815923-F40B-4C78-95A8-54DFD082D7B7}" type="datetimeFigureOut">
               <a:rPr lang="pt-BR" smtClean="0"/>
-              <a:t>22/07/2023</a:t>
+              <a:t>10/03/2025</a:t>
             </a:fld>
             <a:endParaRPr lang="pt-BR"/>
           </a:p>
@@ -5018,7 +5018,7 @@
           <a:p>
             <a:fld id="{4CA3B170-A10E-4926-A043-68D118BC4F86}" type="slidenum">
               <a:rPr lang="pt-BR" smtClean="0"/>
-              <a:t>‹#›</a:t>
+              <a:t>‹nº›</a:t>
             </a:fld>
             <a:endParaRPr lang="pt-BR"/>
           </a:p>
@@ -5233,7 +5233,7 @@
           <a:p>
             <a:fld id="{42815923-F40B-4C78-95A8-54DFD082D7B7}" type="datetimeFigureOut">
               <a:rPr lang="pt-BR" smtClean="0"/>
-              <a:t>22/07/2023</a:t>
+              <a:t>10/03/2025</a:t>
             </a:fld>
             <a:endParaRPr lang="pt-BR"/>
           </a:p>
@@ -5275,7 +5275,7 @@
           <a:p>
             <a:fld id="{4CA3B170-A10E-4926-A043-68D118BC4F86}" type="slidenum">
               <a:rPr lang="pt-BR" smtClean="0"/>
-              <a:t>‹#›</a:t>
+              <a:t>‹nº›</a:t>
             </a:fld>
             <a:endParaRPr lang="pt-BR"/>
           </a:p>
@@ -5429,7 +5429,7 @@
           <a:p>
             <a:fld id="{42815923-F40B-4C78-95A8-54DFD082D7B7}" type="datetimeFigureOut">
               <a:rPr lang="pt-BR" smtClean="0"/>
-              <a:t>22/07/2023</a:t>
+              <a:t>10/03/2025</a:t>
             </a:fld>
             <a:endParaRPr lang="pt-BR"/>
           </a:p>
@@ -5471,7 +5471,7 @@
           <a:p>
             <a:fld id="{4CA3B170-A10E-4926-A043-68D118BC4F86}" type="slidenum">
               <a:rPr lang="pt-BR" smtClean="0"/>
-              <a:t>‹#›</a:t>
+              <a:t>‹nº›</a:t>
             </a:fld>
             <a:endParaRPr lang="pt-BR"/>
           </a:p>
@@ -5692,7 +5692,7 @@
           <a:p>
             <a:fld id="{42815923-F40B-4C78-95A8-54DFD082D7B7}" type="datetimeFigureOut">
               <a:rPr lang="pt-BR" smtClean="0"/>
-              <a:t>22/07/2023</a:t>
+              <a:t>10/03/2025</a:t>
             </a:fld>
             <a:endParaRPr lang="pt-BR"/>
           </a:p>
@@ -5734,7 +5734,7 @@
           <a:p>
             <a:fld id="{4CA3B170-A10E-4926-A043-68D118BC4F86}" type="slidenum">
               <a:rPr lang="pt-BR" smtClean="0"/>
-              <a:t>‹#›</a:t>
+              <a:t>‹nº›</a:t>
             </a:fld>
             <a:endParaRPr lang="pt-BR"/>
           </a:p>
@@ -6126,7 +6126,7 @@
           <a:p>
             <a:fld id="{42815923-F40B-4C78-95A8-54DFD082D7B7}" type="datetimeFigureOut">
               <a:rPr lang="pt-BR" smtClean="0"/>
-              <a:t>22/07/2023</a:t>
+              <a:t>10/03/2025</a:t>
             </a:fld>
             <a:endParaRPr lang="pt-BR"/>
           </a:p>
@@ -6168,7 +6168,7 @@
           <a:p>
             <a:fld id="{4CA3B170-A10E-4926-A043-68D118BC4F86}" type="slidenum">
               <a:rPr lang="pt-BR" smtClean="0"/>
-              <a:t>‹#›</a:t>
+              <a:t>‹nº›</a:t>
             </a:fld>
             <a:endParaRPr lang="pt-BR"/>
           </a:p>
@@ -6672,7 +6672,7 @@
           <a:p>
             <a:fld id="{42815923-F40B-4C78-95A8-54DFD082D7B7}" type="datetimeFigureOut">
               <a:rPr lang="pt-BR" smtClean="0"/>
-              <a:t>22/07/2023</a:t>
+              <a:t>10/03/2025</a:t>
             </a:fld>
             <a:endParaRPr lang="pt-BR"/>
           </a:p>
@@ -6714,7 +6714,7 @@
           <a:p>
             <a:fld id="{4CA3B170-A10E-4926-A043-68D118BC4F86}" type="slidenum">
               <a:rPr lang="pt-BR" smtClean="0"/>
-              <a:t>‹#›</a:t>
+              <a:t>‹nº›</a:t>
             </a:fld>
             <a:endParaRPr lang="pt-BR"/>
           </a:p>
@@ -7392,7 +7392,7 @@
           <a:p>
             <a:fld id="{42815923-F40B-4C78-95A8-54DFD082D7B7}" type="datetimeFigureOut">
               <a:rPr lang="pt-BR" smtClean="0"/>
-              <a:t>22/07/2023</a:t>
+              <a:t>10/03/2025</a:t>
             </a:fld>
             <a:endParaRPr lang="pt-BR"/>
           </a:p>
@@ -7434,7 +7434,7 @@
           <a:p>
             <a:fld id="{4CA3B170-A10E-4926-A043-68D118BC4F86}" type="slidenum">
               <a:rPr lang="pt-BR" smtClean="0"/>
-              <a:t>‹#›</a:t>
+              <a:t>‹nº›</a:t>
             </a:fld>
             <a:endParaRPr lang="pt-BR"/>
           </a:p>
@@ -7562,7 +7562,7 @@
           <a:p>
             <a:fld id="{42815923-F40B-4C78-95A8-54DFD082D7B7}" type="datetimeFigureOut">
               <a:rPr lang="pt-BR" smtClean="0"/>
-              <a:t>22/07/2023</a:t>
+              <a:t>10/03/2025</a:t>
             </a:fld>
             <a:endParaRPr lang="pt-BR"/>
           </a:p>
@@ -7604,7 +7604,7 @@
           <a:p>
             <a:fld id="{4CA3B170-A10E-4926-A043-68D118BC4F86}" type="slidenum">
               <a:rPr lang="pt-BR" smtClean="0"/>
-              <a:t>‹#›</a:t>
+              <a:t>‹nº›</a:t>
             </a:fld>
             <a:endParaRPr lang="pt-BR"/>
           </a:p>
@@ -7742,7 +7742,7 @@
           <a:p>
             <a:fld id="{42815923-F40B-4C78-95A8-54DFD082D7B7}" type="datetimeFigureOut">
               <a:rPr lang="pt-BR" smtClean="0"/>
-              <a:t>22/07/2023</a:t>
+              <a:t>10/03/2025</a:t>
             </a:fld>
             <a:endParaRPr lang="pt-BR"/>
           </a:p>
@@ -7784,7 +7784,7 @@
           <a:p>
             <a:fld id="{4CA3B170-A10E-4926-A043-68D118BC4F86}" type="slidenum">
               <a:rPr lang="pt-BR" smtClean="0"/>
-              <a:t>‹#›</a:t>
+              <a:t>‹nº›</a:t>
             </a:fld>
             <a:endParaRPr lang="pt-BR"/>
           </a:p>
@@ -7912,7 +7912,7 @@
           <a:p>
             <a:fld id="{42815923-F40B-4C78-95A8-54DFD082D7B7}" type="datetimeFigureOut">
               <a:rPr lang="pt-BR" smtClean="0"/>
-              <a:t>22/07/2023</a:t>
+              <a:t>10/03/2025</a:t>
             </a:fld>
             <a:endParaRPr lang="pt-BR"/>
           </a:p>
@@ -7954,7 +7954,7 @@
           <a:p>
             <a:fld id="{4CA3B170-A10E-4926-A043-68D118BC4F86}" type="slidenum">
               <a:rPr lang="pt-BR" smtClean="0"/>
-              <a:t>‹#›</a:t>
+              <a:t>‹nº›</a:t>
             </a:fld>
             <a:endParaRPr lang="pt-BR"/>
           </a:p>
@@ -8162,7 +8162,7 @@
           <a:p>
             <a:fld id="{42815923-F40B-4C78-95A8-54DFD082D7B7}" type="datetimeFigureOut">
               <a:rPr lang="pt-BR" smtClean="0"/>
-              <a:t>22/07/2023</a:t>
+              <a:t>10/03/2025</a:t>
             </a:fld>
             <a:endParaRPr lang="pt-BR"/>
           </a:p>
@@ -8204,7 +8204,7 @@
           <a:p>
             <a:fld id="{4CA3B170-A10E-4926-A043-68D118BC4F86}" type="slidenum">
               <a:rPr lang="pt-BR" smtClean="0"/>
-              <a:t>‹#›</a:t>
+              <a:t>‹nº›</a:t>
             </a:fld>
             <a:endParaRPr lang="pt-BR"/>
           </a:p>
@@ -8394,7 +8394,7 @@
           <a:p>
             <a:fld id="{42815923-F40B-4C78-95A8-54DFD082D7B7}" type="datetimeFigureOut">
               <a:rPr lang="pt-BR" smtClean="0"/>
-              <a:t>22/07/2023</a:t>
+              <a:t>10/03/2025</a:t>
             </a:fld>
             <a:endParaRPr lang="pt-BR"/>
           </a:p>
@@ -8436,7 +8436,7 @@
           <a:p>
             <a:fld id="{4CA3B170-A10E-4926-A043-68D118BC4F86}" type="slidenum">
               <a:rPr lang="pt-BR" smtClean="0"/>
-              <a:t>‹#›</a:t>
+              <a:t>‹nº›</a:t>
             </a:fld>
             <a:endParaRPr lang="pt-BR"/>
           </a:p>
@@ -8775,7 +8775,7 @@
           <a:p>
             <a:fld id="{42815923-F40B-4C78-95A8-54DFD082D7B7}" type="datetimeFigureOut">
               <a:rPr lang="pt-BR" smtClean="0"/>
-              <a:t>22/07/2023</a:t>
+              <a:t>10/03/2025</a:t>
             </a:fld>
             <a:endParaRPr lang="pt-BR"/>
           </a:p>
@@ -8817,7 +8817,7 @@
           <a:p>
             <a:fld id="{4CA3B170-A10E-4926-A043-68D118BC4F86}" type="slidenum">
               <a:rPr lang="pt-BR" smtClean="0"/>
-              <a:t>‹#›</a:t>
+              <a:t>‹nº›</a:t>
             </a:fld>
             <a:endParaRPr lang="pt-BR"/>
           </a:p>
@@ -8893,7 +8893,7 @@
           <a:p>
             <a:fld id="{42815923-F40B-4C78-95A8-54DFD082D7B7}" type="datetimeFigureOut">
               <a:rPr lang="pt-BR" smtClean="0"/>
-              <a:t>22/07/2023</a:t>
+              <a:t>10/03/2025</a:t>
             </a:fld>
             <a:endParaRPr lang="pt-BR"/>
           </a:p>
@@ -8935,7 +8935,7 @@
           <a:p>
             <a:fld id="{4CA3B170-A10E-4926-A043-68D118BC4F86}" type="slidenum">
               <a:rPr lang="pt-BR" smtClean="0"/>
-              <a:t>‹#›</a:t>
+              <a:t>‹nº›</a:t>
             </a:fld>
             <a:endParaRPr lang="pt-BR"/>
           </a:p>
@@ -8988,7 +8988,7 @@
           <a:p>
             <a:fld id="{42815923-F40B-4C78-95A8-54DFD082D7B7}" type="datetimeFigureOut">
               <a:rPr lang="pt-BR" smtClean="0"/>
-              <a:t>22/07/2023</a:t>
+              <a:t>10/03/2025</a:t>
             </a:fld>
             <a:endParaRPr lang="pt-BR"/>
           </a:p>
@@ -9030,7 +9030,7 @@
           <a:p>
             <a:fld id="{4CA3B170-A10E-4926-A043-68D118BC4F86}" type="slidenum">
               <a:rPr lang="pt-BR" smtClean="0"/>
-              <a:t>‹#›</a:t>
+              <a:t>‹nº›</a:t>
             </a:fld>
             <a:endParaRPr lang="pt-BR"/>
           </a:p>
@@ -9237,7 +9237,7 @@
           <a:p>
             <a:fld id="{42815923-F40B-4C78-95A8-54DFD082D7B7}" type="datetimeFigureOut">
               <a:rPr lang="pt-BR" smtClean="0"/>
-              <a:t>22/07/2023</a:t>
+              <a:t>10/03/2025</a:t>
             </a:fld>
             <a:endParaRPr lang="pt-BR"/>
           </a:p>
@@ -9279,7 +9279,7 @@
           <a:p>
             <a:fld id="{4CA3B170-A10E-4926-A043-68D118BC4F86}" type="slidenum">
               <a:rPr lang="pt-BR" smtClean="0"/>
-              <a:t>‹#›</a:t>
+              <a:t>‹nº›</a:t>
             </a:fld>
             <a:endParaRPr lang="pt-BR"/>
           </a:p>
@@ -9517,7 +9517,7 @@
           <a:p>
             <a:fld id="{42815923-F40B-4C78-95A8-54DFD082D7B7}" type="datetimeFigureOut">
               <a:rPr lang="pt-BR" smtClean="0"/>
-              <a:t>22/07/2023</a:t>
+              <a:t>10/03/2025</a:t>
             </a:fld>
             <a:endParaRPr lang="pt-BR"/>
           </a:p>
@@ -9559,7 +9559,7 @@
           <a:p>
             <a:fld id="{4CA3B170-A10E-4926-A043-68D118BC4F86}" type="slidenum">
               <a:rPr lang="pt-BR" smtClean="0"/>
-              <a:t>‹#›</a:t>
+              <a:t>‹nº›</a:t>
             </a:fld>
             <a:endParaRPr lang="pt-BR"/>
           </a:p>
@@ -9633,7 +9633,7 @@
           <a:noFill/>
           <a:extLst>
             <a:ext uri="{909E8E84-426E-40dd-AFC4-6F175D3DCCD1}">
-              <a14:hiddenFill xmlns:a14="http://schemas.microsoft.com/office/drawing/2010/main" xmlns="">
+              <a14:hiddenFill xmlns="" xmlns:a14="http://schemas.microsoft.com/office/drawing/2010/main">
                 <a:solidFill>
                   <a:srgbClr val="FFFFFF"/>
                 </a:solidFill>
@@ -9707,7 +9707,7 @@
               </a:ln>
               <a:extLst>
                 <a:ext uri="{91240B29-F687-4f45-9708-019B960494DF}">
-                  <a14:hiddenLine xmlns:a14="http://schemas.microsoft.com/office/drawing/2010/main" xmlns="" w="9525">
+                  <a14:hiddenLine xmlns="" xmlns:a14="http://schemas.microsoft.com/office/drawing/2010/main" w="9525">
                     <a:solidFill>
                       <a:srgbClr val="000000"/>
                     </a:solidFill>
@@ -9797,7 +9797,7 @@
               </a:ln>
               <a:extLst>
                 <a:ext uri="{91240B29-F687-4f45-9708-019B960494DF}">
-                  <a14:hiddenLine xmlns:a14="http://schemas.microsoft.com/office/drawing/2010/main" xmlns="" w="9525">
+                  <a14:hiddenLine xmlns="" xmlns:a14="http://schemas.microsoft.com/office/drawing/2010/main" w="9525">
                     <a:solidFill>
                       <a:srgbClr val="000000"/>
                     </a:solidFill>
@@ -9887,7 +9887,7 @@
               </a:ln>
               <a:extLst>
                 <a:ext uri="{91240B29-F687-4f45-9708-019B960494DF}">
-                  <a14:hiddenLine xmlns:a14="http://schemas.microsoft.com/office/drawing/2010/main" xmlns="" w="9525">
+                  <a14:hiddenLine xmlns="" xmlns:a14="http://schemas.microsoft.com/office/drawing/2010/main" w="9525">
                     <a:solidFill>
                       <a:srgbClr val="000000"/>
                     </a:solidFill>
@@ -9949,7 +9949,7 @@
               </a:ln>
               <a:extLst>
                 <a:ext uri="{91240B29-F687-4f45-9708-019B960494DF}">
-                  <a14:hiddenLine xmlns:a14="http://schemas.microsoft.com/office/drawing/2010/main" xmlns="" w="9525">
+                  <a14:hiddenLine xmlns="" xmlns:a14="http://schemas.microsoft.com/office/drawing/2010/main" w="9525">
                     <a:solidFill>
                       <a:srgbClr val="000000"/>
                     </a:solidFill>
@@ -10039,7 +10039,7 @@
               </a:ln>
               <a:extLst>
                 <a:ext uri="{91240B29-F687-4f45-9708-019B960494DF}">
-                  <a14:hiddenLine xmlns:a14="http://schemas.microsoft.com/office/drawing/2010/main" xmlns="" w="9525">
+                  <a14:hiddenLine xmlns="" xmlns:a14="http://schemas.microsoft.com/office/drawing/2010/main" w="9525">
                     <a:solidFill>
                       <a:srgbClr val="000000"/>
                     </a:solidFill>
@@ -10101,7 +10101,7 @@
               </a:ln>
               <a:extLst>
                 <a:ext uri="{91240B29-F687-4f45-9708-019B960494DF}">
-                  <a14:hiddenLine xmlns:a14="http://schemas.microsoft.com/office/drawing/2010/main" xmlns="" w="9525">
+                  <a14:hiddenLine xmlns="" xmlns:a14="http://schemas.microsoft.com/office/drawing/2010/main" w="9525">
                     <a:solidFill>
                       <a:srgbClr val="000000"/>
                     </a:solidFill>
@@ -10163,7 +10163,7 @@
               </a:ln>
               <a:extLst>
                 <a:ext uri="{91240B29-F687-4f45-9708-019B960494DF}">
-                  <a14:hiddenLine xmlns:a14="http://schemas.microsoft.com/office/drawing/2010/main" xmlns="" w="9525">
+                  <a14:hiddenLine xmlns="" xmlns:a14="http://schemas.microsoft.com/office/drawing/2010/main" w="9525">
                     <a:solidFill>
                       <a:srgbClr val="000000"/>
                     </a:solidFill>
@@ -10253,7 +10253,7 @@
               </a:ln>
               <a:extLst>
                 <a:ext uri="{91240B29-F687-4f45-9708-019B960494DF}">
-                  <a14:hiddenLine xmlns:a14="http://schemas.microsoft.com/office/drawing/2010/main" xmlns="" w="9525">
+                  <a14:hiddenLine xmlns="" xmlns:a14="http://schemas.microsoft.com/office/drawing/2010/main" w="9525">
                     <a:solidFill>
                       <a:srgbClr val="000000"/>
                     </a:solidFill>
@@ -10343,7 +10343,7 @@
               </a:ln>
               <a:extLst>
                 <a:ext uri="{91240B29-F687-4f45-9708-019B960494DF}">
-                  <a14:hiddenLine xmlns:a14="http://schemas.microsoft.com/office/drawing/2010/main" xmlns="" w="9525">
+                  <a14:hiddenLine xmlns="" xmlns:a14="http://schemas.microsoft.com/office/drawing/2010/main" w="9525">
                     <a:solidFill>
                       <a:srgbClr val="000000"/>
                     </a:solidFill>
@@ -10405,7 +10405,7 @@
               </a:ln>
               <a:extLst>
                 <a:ext uri="{91240B29-F687-4f45-9708-019B960494DF}">
-                  <a14:hiddenLine xmlns:a14="http://schemas.microsoft.com/office/drawing/2010/main" xmlns="" w="9525">
+                  <a14:hiddenLine xmlns="" xmlns:a14="http://schemas.microsoft.com/office/drawing/2010/main" w="9525">
                     <a:solidFill>
                       <a:srgbClr val="000000"/>
                     </a:solidFill>
@@ -10515,7 +10515,7 @@
               </a:ln>
               <a:extLst>
                 <a:ext uri="{91240B29-F687-4f45-9708-019B960494DF}">
-                  <a14:hiddenLine xmlns:a14="http://schemas.microsoft.com/office/drawing/2010/main" xmlns="" w="9525">
+                  <a14:hiddenLine xmlns="" xmlns:a14="http://schemas.microsoft.com/office/drawing/2010/main" w="9525">
                     <a:solidFill>
                       <a:srgbClr val="000000"/>
                     </a:solidFill>
@@ -10599,7 +10599,7 @@
               </a:ln>
               <a:extLst>
                 <a:ext uri="{91240B29-F687-4f45-9708-019B960494DF}">
-                  <a14:hiddenLine xmlns:a14="http://schemas.microsoft.com/office/drawing/2010/main" xmlns="" w="9525">
+                  <a14:hiddenLine xmlns="" xmlns:a14="http://schemas.microsoft.com/office/drawing/2010/main" w="9525">
                     <a:solidFill>
                       <a:srgbClr val="000000"/>
                     </a:solidFill>
@@ -10661,7 +10661,7 @@
               </a:ln>
               <a:extLst>
                 <a:ext uri="{91240B29-F687-4f45-9708-019B960494DF}">
-                  <a14:hiddenLine xmlns:a14="http://schemas.microsoft.com/office/drawing/2010/main" xmlns="" w="9525">
+                  <a14:hiddenLine xmlns="" xmlns:a14="http://schemas.microsoft.com/office/drawing/2010/main" w="9525">
                     <a:solidFill>
                       <a:srgbClr val="000000"/>
                     </a:solidFill>
@@ -10723,7 +10723,7 @@
               </a:ln>
               <a:extLst>
                 <a:ext uri="{91240B29-F687-4f45-9708-019B960494DF}">
-                  <a14:hiddenLine xmlns:a14="http://schemas.microsoft.com/office/drawing/2010/main" xmlns="" w="9525">
+                  <a14:hiddenLine xmlns="" xmlns:a14="http://schemas.microsoft.com/office/drawing/2010/main" w="9525">
                     <a:solidFill>
                       <a:srgbClr val="000000"/>
                     </a:solidFill>
@@ -10813,7 +10813,7 @@
               </a:ln>
               <a:extLst>
                 <a:ext uri="{91240B29-F687-4f45-9708-019B960494DF}">
-                  <a14:hiddenLine xmlns:a14="http://schemas.microsoft.com/office/drawing/2010/main" xmlns="" w="9525">
+                  <a14:hiddenLine xmlns="" xmlns:a14="http://schemas.microsoft.com/office/drawing/2010/main" w="9525">
                     <a:solidFill>
                       <a:srgbClr val="000000"/>
                     </a:solidFill>
@@ -10847,7 +10847,7 @@
               </a:ln>
               <a:extLst>
                 <a:ext uri="{91240B29-F687-4f45-9708-019B960494DF}">
-                  <a14:hiddenLine xmlns:a14="http://schemas.microsoft.com/office/drawing/2010/main" xmlns="" w="9525">
+                  <a14:hiddenLine xmlns="" xmlns:a14="http://schemas.microsoft.com/office/drawing/2010/main" w="9525">
                     <a:solidFill>
                       <a:srgbClr val="000000"/>
                     </a:solidFill>
@@ -10912,7 +10912,7 @@
               </a:ln>
               <a:extLst>
                 <a:ext uri="{91240B29-F687-4f45-9708-019B960494DF}">
-                  <a14:hiddenLine xmlns:a14="http://schemas.microsoft.com/office/drawing/2010/main" xmlns="" w="9525">
+                  <a14:hiddenLine xmlns="" xmlns:a14="http://schemas.microsoft.com/office/drawing/2010/main" w="9525">
                     <a:solidFill>
                       <a:srgbClr val="000000"/>
                     </a:solidFill>
@@ -11002,7 +11002,7 @@
               </a:ln>
               <a:extLst>
                 <a:ext uri="{91240B29-F687-4f45-9708-019B960494DF}">
-                  <a14:hiddenLine xmlns:a14="http://schemas.microsoft.com/office/drawing/2010/main" xmlns="" w="9525">
+                  <a14:hiddenLine xmlns="" xmlns:a14="http://schemas.microsoft.com/office/drawing/2010/main" w="9525">
                     <a:solidFill>
                       <a:srgbClr val="000000"/>
                     </a:solidFill>
@@ -11064,7 +11064,7 @@
               </a:ln>
               <a:extLst>
                 <a:ext uri="{91240B29-F687-4f45-9708-019B960494DF}">
-                  <a14:hiddenLine xmlns:a14="http://schemas.microsoft.com/office/drawing/2010/main" xmlns="" w="9525">
+                  <a14:hiddenLine xmlns="" xmlns:a14="http://schemas.microsoft.com/office/drawing/2010/main" w="9525">
                     <a:solidFill>
                       <a:srgbClr val="000000"/>
                     </a:solidFill>
@@ -11154,7 +11154,7 @@
               </a:ln>
               <a:extLst>
                 <a:ext uri="{91240B29-F687-4f45-9708-019B960494DF}">
-                  <a14:hiddenLine xmlns:a14="http://schemas.microsoft.com/office/drawing/2010/main" xmlns="" w="9525">
+                  <a14:hiddenLine xmlns="" xmlns:a14="http://schemas.microsoft.com/office/drawing/2010/main" w="9525">
                     <a:solidFill>
                       <a:srgbClr val="000000"/>
                     </a:solidFill>
@@ -11219,7 +11219,7 @@
               </a:ln>
               <a:extLst>
                 <a:ext uri="{91240B29-F687-4f45-9708-019B960494DF}">
-                  <a14:hiddenLine xmlns:a14="http://schemas.microsoft.com/office/drawing/2010/main" xmlns="" w="9525">
+                  <a14:hiddenLine xmlns="" xmlns:a14="http://schemas.microsoft.com/office/drawing/2010/main" w="9525">
                     <a:solidFill>
                       <a:srgbClr val="000000"/>
                     </a:solidFill>
@@ -11281,7 +11281,7 @@
               </a:ln>
               <a:extLst>
                 <a:ext uri="{91240B29-F687-4f45-9708-019B960494DF}">
-                  <a14:hiddenLine xmlns:a14="http://schemas.microsoft.com/office/drawing/2010/main" xmlns="" w="9525">
+                  <a14:hiddenLine xmlns="" xmlns:a14="http://schemas.microsoft.com/office/drawing/2010/main" w="9525">
                     <a:solidFill>
                       <a:srgbClr val="000000"/>
                     </a:solidFill>
@@ -11371,7 +11371,7 @@
               </a:ln>
               <a:extLst>
                 <a:ext uri="{91240B29-F687-4f45-9708-019B960494DF}">
-                  <a14:hiddenLine xmlns:a14="http://schemas.microsoft.com/office/drawing/2010/main" xmlns="" w="9525">
+                  <a14:hiddenLine xmlns="" xmlns:a14="http://schemas.microsoft.com/office/drawing/2010/main" w="9525">
                     <a:solidFill>
                       <a:srgbClr val="000000"/>
                     </a:solidFill>
@@ -11461,7 +11461,7 @@
               </a:ln>
               <a:extLst>
                 <a:ext uri="{91240B29-F687-4f45-9708-019B960494DF}">
-                  <a14:hiddenLine xmlns:a14="http://schemas.microsoft.com/office/drawing/2010/main" xmlns="" w="9525">
+                  <a14:hiddenLine xmlns="" xmlns:a14="http://schemas.microsoft.com/office/drawing/2010/main" w="9525">
                     <a:solidFill>
                       <a:srgbClr val="000000"/>
                     </a:solidFill>
@@ -11526,7 +11526,7 @@
               </a:ln>
               <a:extLst>
                 <a:ext uri="{91240B29-F687-4f45-9708-019B960494DF}">
-                  <a14:hiddenLine xmlns:a14="http://schemas.microsoft.com/office/drawing/2010/main" xmlns="" w="9525">
+                  <a14:hiddenLine xmlns="" xmlns:a14="http://schemas.microsoft.com/office/drawing/2010/main" w="9525">
                     <a:solidFill>
                       <a:srgbClr val="000000"/>
                     </a:solidFill>
@@ -11646,7 +11646,7 @@
               </a:ln>
               <a:extLst>
                 <a:ext uri="{91240B29-F687-4f45-9708-019B960494DF}">
-                  <a14:hiddenLine xmlns:a14="http://schemas.microsoft.com/office/drawing/2010/main" xmlns="" w="9525">
+                  <a14:hiddenLine xmlns="" xmlns:a14="http://schemas.microsoft.com/office/drawing/2010/main" w="9525">
                     <a:solidFill>
                       <a:srgbClr val="000000"/>
                     </a:solidFill>
@@ -11744,7 +11744,7 @@
               </a:ln>
               <a:extLst>
                 <a:ext uri="{91240B29-F687-4f45-9708-019B960494DF}">
-                  <a14:hiddenLine xmlns:a14="http://schemas.microsoft.com/office/drawing/2010/main" xmlns="" w="9525">
+                  <a14:hiddenLine xmlns="" xmlns:a14="http://schemas.microsoft.com/office/drawing/2010/main" w="9525">
                     <a:solidFill>
                       <a:srgbClr val="000000"/>
                     </a:solidFill>
@@ -11859,7 +11859,7 @@
               </a:ln>
               <a:extLst>
                 <a:ext uri="{91240B29-F687-4f45-9708-019B960494DF}">
-                  <a14:hiddenLine xmlns:a14="http://schemas.microsoft.com/office/drawing/2010/main" xmlns="" w="9525">
+                  <a14:hiddenLine xmlns="" xmlns:a14="http://schemas.microsoft.com/office/drawing/2010/main" w="9525">
                     <a:solidFill>
                       <a:srgbClr val="000000"/>
                     </a:solidFill>
@@ -11949,7 +11949,7 @@
               </a:ln>
               <a:extLst>
                 <a:ext uri="{91240B29-F687-4f45-9708-019B960494DF}">
-                  <a14:hiddenLine xmlns:a14="http://schemas.microsoft.com/office/drawing/2010/main" xmlns="" w="9525">
+                  <a14:hiddenLine xmlns="" xmlns:a14="http://schemas.microsoft.com/office/drawing/2010/main" w="9525">
                     <a:solidFill>
                       <a:srgbClr val="000000"/>
                     </a:solidFill>
@@ -12014,7 +12014,7 @@
               </a:ln>
               <a:extLst>
                 <a:ext uri="{91240B29-F687-4f45-9708-019B960494DF}">
-                  <a14:hiddenLine xmlns:a14="http://schemas.microsoft.com/office/drawing/2010/main" xmlns="" w="9525">
+                  <a14:hiddenLine xmlns="" xmlns:a14="http://schemas.microsoft.com/office/drawing/2010/main" w="9525">
                     <a:solidFill>
                       <a:srgbClr val="000000"/>
                     </a:solidFill>
@@ -12104,7 +12104,7 @@
               </a:ln>
               <a:extLst>
                 <a:ext uri="{91240B29-F687-4f45-9708-019B960494DF}">
-                  <a14:hiddenLine xmlns:a14="http://schemas.microsoft.com/office/drawing/2010/main" xmlns="" w="9525">
+                  <a14:hiddenLine xmlns="" xmlns:a14="http://schemas.microsoft.com/office/drawing/2010/main" w="9525">
                     <a:solidFill>
                       <a:srgbClr val="000000"/>
                     </a:solidFill>
@@ -12172,7 +12172,7 @@
               </a:ln>
               <a:extLst>
                 <a:ext uri="{91240B29-F687-4f45-9708-019B960494DF}">
-                  <a14:hiddenLine xmlns:a14="http://schemas.microsoft.com/office/drawing/2010/main" xmlns="" w="9525">
+                  <a14:hiddenLine xmlns="" xmlns:a14="http://schemas.microsoft.com/office/drawing/2010/main" w="9525">
                     <a:solidFill>
                       <a:srgbClr val="000000"/>
                     </a:solidFill>
@@ -12262,7 +12262,7 @@
               </a:ln>
               <a:extLst>
                 <a:ext uri="{91240B29-F687-4f45-9708-019B960494DF}">
-                  <a14:hiddenLine xmlns:a14="http://schemas.microsoft.com/office/drawing/2010/main" xmlns="" w="9525">
+                  <a14:hiddenLine xmlns="" xmlns:a14="http://schemas.microsoft.com/office/drawing/2010/main" w="9525">
                     <a:solidFill>
                       <a:srgbClr val="000000"/>
                     </a:solidFill>
@@ -12330,7 +12330,7 @@
               </a:ln>
               <a:extLst>
                 <a:ext uri="{91240B29-F687-4f45-9708-019B960494DF}">
-                  <a14:hiddenLine xmlns:a14="http://schemas.microsoft.com/office/drawing/2010/main" xmlns="" w="9525">
+                  <a14:hiddenLine xmlns="" xmlns:a14="http://schemas.microsoft.com/office/drawing/2010/main" w="9525">
                     <a:solidFill>
                       <a:srgbClr val="000000"/>
                     </a:solidFill>
@@ -12420,7 +12420,7 @@
               </a:ln>
               <a:extLst>
                 <a:ext uri="{91240B29-F687-4f45-9708-019B960494DF}">
-                  <a14:hiddenLine xmlns:a14="http://schemas.microsoft.com/office/drawing/2010/main" xmlns="" w="9525">
+                  <a14:hiddenLine xmlns="" xmlns:a14="http://schemas.microsoft.com/office/drawing/2010/main" w="9525">
                     <a:solidFill>
                       <a:srgbClr val="000000"/>
                     </a:solidFill>
@@ -12454,7 +12454,7 @@
               </a:ln>
               <a:extLst>
                 <a:ext uri="{91240B29-F687-4f45-9708-019B960494DF}">
-                  <a14:hiddenLine xmlns:a14="http://schemas.microsoft.com/office/drawing/2010/main" xmlns="" w="9525">
+                  <a14:hiddenLine xmlns="" xmlns:a14="http://schemas.microsoft.com/office/drawing/2010/main" w="9525">
                     <a:solidFill>
                       <a:srgbClr val="000000"/>
                     </a:solidFill>
@@ -12594,7 +12594,7 @@
           <a:p>
             <a:fld id="{42815923-F40B-4C78-95A8-54DFD082D7B7}" type="datetimeFigureOut">
               <a:rPr lang="pt-BR" smtClean="0"/>
-              <a:t>22/07/2023</a:t>
+              <a:t>10/03/2025</a:t>
             </a:fld>
             <a:endParaRPr lang="pt-BR"/>
           </a:p>
@@ -12672,7 +12672,7 @@
           <a:p>
             <a:fld id="{4CA3B170-A10E-4926-A043-68D118BC4F86}" type="slidenum">
               <a:rPr lang="pt-BR" smtClean="0"/>
-              <a:t>‹#›</a:t>
+              <a:t>‹nº›</a:t>
             </a:fld>
             <a:endParaRPr lang="pt-BR"/>
           </a:p>
@@ -13085,7 +13085,7 @@
                 <a:ea typeface="+mj-ea"/>
                 <a:cs typeface="+mj-cs"/>
               </a:rPr>
-              <a:t>Guia definitivo do Python para Windows</a:t>
+              <a:t>Guia definitivo do Python</a:t>
             </a:r>
           </a:p>
         </p:txBody>
@@ -14866,15 +14866,7 @@
           <a:p>
             <a:r>
               <a:rPr lang="pt-BR" dirty="0"/>
-              <a:t>· Geralmente quem usa o Anaconda trabalha com Data Science e </a:t>
-            </a:r>
-            <a:r>
-              <a:rPr lang="pt-BR" dirty="0" err="1"/>
-              <a:t>Machine</a:t>
-            </a:r>
-            <a:r>
-              <a:rPr lang="pt-BR" dirty="0"/>
-              <a:t> Learning, mas qualquer um pode utilizar, tem regram não </a:t>
+              <a:t>· Geralmente quem usa o Anaconda trabalha com Data Science e Machine Learning, mas qualquer um pode utilizar, tem regra não.</a:t>
             </a:r>
           </a:p>
         </p:txBody>
@@ -15260,7 +15252,7 @@
           <a:noFill/>
           <a:extLst>
             <a:ext uri="{909E8E84-426E-40dd-AFC4-6F175D3DCCD1}">
-              <a14:hiddenFill xmlns="" xmlns:a16="http://schemas.microsoft.com/office/drawing/2014/main" xmlns:a14="http://schemas.microsoft.com/office/drawing/2010/main">
+              <a14:hiddenFill xmlns:a14="http://schemas.microsoft.com/office/drawing/2010/main" xmlns:a16="http://schemas.microsoft.com/office/drawing/2014/main" xmlns="">
                 <a:solidFill>
                   <a:srgbClr val="FFFFFF"/>
                 </a:solidFill>
@@ -15381,7 +15373,7 @@
               </a:ln>
               <a:extLst>
                 <a:ext uri="{91240B29-F687-4f45-9708-019B960494DF}">
-                  <a14:hiddenLine xmlns="" xmlns:a16="http://schemas.microsoft.com/office/drawing/2014/main" xmlns:a14="http://schemas.microsoft.com/office/drawing/2010/main" w="9525">
+                  <a14:hiddenLine xmlns:a14="http://schemas.microsoft.com/office/drawing/2010/main" xmlns:a16="http://schemas.microsoft.com/office/drawing/2014/main" xmlns="" w="9525">
                     <a:solidFill>
                       <a:srgbClr val="000000"/>
                     </a:solidFill>
@@ -15493,7 +15485,7 @@
               </a:ln>
               <a:extLst>
                 <a:ext uri="{91240B29-F687-4f45-9708-019B960494DF}">
-                  <a14:hiddenLine xmlns="" xmlns:a16="http://schemas.microsoft.com/office/drawing/2014/main" xmlns:a14="http://schemas.microsoft.com/office/drawing/2010/main" w="9525">
+                  <a14:hiddenLine xmlns:a14="http://schemas.microsoft.com/office/drawing/2010/main" xmlns:a16="http://schemas.microsoft.com/office/drawing/2014/main" xmlns="" w="9525">
                     <a:solidFill>
                       <a:srgbClr val="000000"/>
                     </a:solidFill>
@@ -15605,7 +15597,7 @@
               </a:ln>
               <a:extLst>
                 <a:ext uri="{91240B29-F687-4f45-9708-019B960494DF}">
-                  <a14:hiddenLine xmlns="" xmlns:a16="http://schemas.microsoft.com/office/drawing/2014/main" xmlns:a14="http://schemas.microsoft.com/office/drawing/2010/main" w="9525">
+                  <a14:hiddenLine xmlns:a14="http://schemas.microsoft.com/office/drawing/2010/main" xmlns:a16="http://schemas.microsoft.com/office/drawing/2014/main" xmlns="" w="9525">
                     <a:solidFill>
                       <a:srgbClr val="000000"/>
                     </a:solidFill>
@@ -15689,7 +15681,7 @@
               </a:ln>
               <a:extLst>
                 <a:ext uri="{91240B29-F687-4f45-9708-019B960494DF}">
-                  <a14:hiddenLine xmlns="" xmlns:a16="http://schemas.microsoft.com/office/drawing/2014/main" xmlns:a14="http://schemas.microsoft.com/office/drawing/2010/main" w="9525">
+                  <a14:hiddenLine xmlns:a14="http://schemas.microsoft.com/office/drawing/2010/main" xmlns:a16="http://schemas.microsoft.com/office/drawing/2014/main" xmlns="" w="9525">
                     <a:solidFill>
                       <a:srgbClr val="000000"/>
                     </a:solidFill>
@@ -15801,7 +15793,7 @@
               </a:ln>
               <a:extLst>
                 <a:ext uri="{91240B29-F687-4f45-9708-019B960494DF}">
-                  <a14:hiddenLine xmlns="" xmlns:a16="http://schemas.microsoft.com/office/drawing/2014/main" xmlns:a14="http://schemas.microsoft.com/office/drawing/2010/main" w="9525">
+                  <a14:hiddenLine xmlns:a14="http://schemas.microsoft.com/office/drawing/2010/main" xmlns:a16="http://schemas.microsoft.com/office/drawing/2014/main" xmlns="" w="9525">
                     <a:solidFill>
                       <a:srgbClr val="000000"/>
                     </a:solidFill>
@@ -15885,7 +15877,7 @@
               </a:ln>
               <a:extLst>
                 <a:ext uri="{91240B29-F687-4f45-9708-019B960494DF}">
-                  <a14:hiddenLine xmlns="" xmlns:a16="http://schemas.microsoft.com/office/drawing/2014/main" xmlns:a14="http://schemas.microsoft.com/office/drawing/2010/main" w="9525">
+                  <a14:hiddenLine xmlns:a14="http://schemas.microsoft.com/office/drawing/2010/main" xmlns:a16="http://schemas.microsoft.com/office/drawing/2014/main" xmlns="" w="9525">
                     <a:solidFill>
                       <a:srgbClr val="000000"/>
                     </a:solidFill>
@@ -15969,7 +15961,7 @@
               </a:ln>
               <a:extLst>
                 <a:ext uri="{91240B29-F687-4f45-9708-019B960494DF}">
-                  <a14:hiddenLine xmlns="" xmlns:a16="http://schemas.microsoft.com/office/drawing/2014/main" xmlns:a14="http://schemas.microsoft.com/office/drawing/2010/main" w="9525">
+                  <a14:hiddenLine xmlns:a14="http://schemas.microsoft.com/office/drawing/2010/main" xmlns:a16="http://schemas.microsoft.com/office/drawing/2014/main" xmlns="" w="9525">
                     <a:solidFill>
                       <a:srgbClr val="000000"/>
                     </a:solidFill>
@@ -16081,7 +16073,7 @@
               </a:ln>
               <a:extLst>
                 <a:ext uri="{91240B29-F687-4f45-9708-019B960494DF}">
-                  <a14:hiddenLine xmlns="" xmlns:a16="http://schemas.microsoft.com/office/drawing/2014/main" xmlns:a14="http://schemas.microsoft.com/office/drawing/2010/main" w="9525">
+                  <a14:hiddenLine xmlns:a14="http://schemas.microsoft.com/office/drawing/2010/main" xmlns:a16="http://schemas.microsoft.com/office/drawing/2014/main" xmlns="" w="9525">
                     <a:solidFill>
                       <a:srgbClr val="000000"/>
                     </a:solidFill>
@@ -16193,7 +16185,7 @@
               </a:ln>
               <a:extLst>
                 <a:ext uri="{91240B29-F687-4f45-9708-019B960494DF}">
-                  <a14:hiddenLine xmlns="" xmlns:a16="http://schemas.microsoft.com/office/drawing/2014/main" xmlns:a14="http://schemas.microsoft.com/office/drawing/2010/main" w="9525">
+                  <a14:hiddenLine xmlns:a14="http://schemas.microsoft.com/office/drawing/2010/main" xmlns:a16="http://schemas.microsoft.com/office/drawing/2014/main" xmlns="" w="9525">
                     <a:solidFill>
                       <a:srgbClr val="000000"/>
                     </a:solidFill>
@@ -16277,7 +16269,7 @@
               </a:ln>
               <a:extLst>
                 <a:ext uri="{91240B29-F687-4f45-9708-019B960494DF}">
-                  <a14:hiddenLine xmlns="" xmlns:a16="http://schemas.microsoft.com/office/drawing/2014/main" xmlns:a14="http://schemas.microsoft.com/office/drawing/2010/main" w="9525">
+                  <a14:hiddenLine xmlns:a14="http://schemas.microsoft.com/office/drawing/2010/main" xmlns:a16="http://schemas.microsoft.com/office/drawing/2014/main" xmlns="" w="9525">
                     <a:solidFill>
                       <a:srgbClr val="000000"/>
                     </a:solidFill>
@@ -16409,7 +16401,7 @@
               </a:ln>
               <a:extLst>
                 <a:ext uri="{91240B29-F687-4f45-9708-019B960494DF}">
-                  <a14:hiddenLine xmlns="" xmlns:a16="http://schemas.microsoft.com/office/drawing/2014/main" xmlns:a14="http://schemas.microsoft.com/office/drawing/2010/main" w="9525">
+                  <a14:hiddenLine xmlns:a14="http://schemas.microsoft.com/office/drawing/2010/main" xmlns:a16="http://schemas.microsoft.com/office/drawing/2014/main" xmlns="" w="9525">
                     <a:solidFill>
                       <a:srgbClr val="000000"/>
                     </a:solidFill>
@@ -16537,7 +16529,7 @@
               </a:ln>
               <a:extLst>
                 <a:ext uri="{91240B29-F687-4f45-9708-019B960494DF}">
-                  <a14:hiddenLine xmlns="" xmlns:a16="http://schemas.microsoft.com/office/drawing/2014/main" xmlns:a14="http://schemas.microsoft.com/office/drawing/2010/main" w="9525">
+                  <a14:hiddenLine xmlns:a14="http://schemas.microsoft.com/office/drawing/2010/main" xmlns:a16="http://schemas.microsoft.com/office/drawing/2014/main" xmlns="" w="9525">
                     <a:solidFill>
                       <a:srgbClr val="000000"/>
                     </a:solidFill>
@@ -16621,7 +16613,7 @@
               </a:ln>
               <a:extLst>
                 <a:ext uri="{91240B29-F687-4f45-9708-019B960494DF}">
-                  <a14:hiddenLine xmlns="" xmlns:a16="http://schemas.microsoft.com/office/drawing/2014/main" xmlns:a14="http://schemas.microsoft.com/office/drawing/2010/main" w="9525">
+                  <a14:hiddenLine xmlns:a14="http://schemas.microsoft.com/office/drawing/2010/main" xmlns:a16="http://schemas.microsoft.com/office/drawing/2014/main" xmlns="" w="9525">
                     <a:solidFill>
                       <a:srgbClr val="000000"/>
                     </a:solidFill>
@@ -16705,7 +16697,7 @@
               </a:ln>
               <a:extLst>
                 <a:ext uri="{91240B29-F687-4f45-9708-019B960494DF}">
-                  <a14:hiddenLine xmlns="" xmlns:a16="http://schemas.microsoft.com/office/drawing/2014/main" xmlns:a14="http://schemas.microsoft.com/office/drawing/2010/main" w="9525">
+                  <a14:hiddenLine xmlns:a14="http://schemas.microsoft.com/office/drawing/2010/main" xmlns:a16="http://schemas.microsoft.com/office/drawing/2014/main" xmlns="" w="9525">
                     <a:solidFill>
                       <a:srgbClr val="000000"/>
                     </a:solidFill>
@@ -16817,7 +16809,7 @@
               </a:ln>
               <a:extLst>
                 <a:ext uri="{91240B29-F687-4f45-9708-019B960494DF}">
-                  <a14:hiddenLine xmlns="" xmlns:a16="http://schemas.microsoft.com/office/drawing/2014/main" xmlns:a14="http://schemas.microsoft.com/office/drawing/2010/main" w="9525">
+                  <a14:hiddenLine xmlns:a14="http://schemas.microsoft.com/office/drawing/2010/main" xmlns:a16="http://schemas.microsoft.com/office/drawing/2014/main" xmlns="" w="9525">
                     <a:solidFill>
                       <a:srgbClr val="000000"/>
                     </a:solidFill>
@@ -16873,7 +16865,7 @@
               </a:ln>
               <a:extLst>
                 <a:ext uri="{91240B29-F687-4f45-9708-019B960494DF}">
-                  <a14:hiddenLine xmlns="" xmlns:a16="http://schemas.microsoft.com/office/drawing/2014/main" xmlns:a14="http://schemas.microsoft.com/office/drawing/2010/main" w="9525">
+                  <a14:hiddenLine xmlns:a14="http://schemas.microsoft.com/office/drawing/2010/main" xmlns:a16="http://schemas.microsoft.com/office/drawing/2014/main" xmlns="" w="9525">
                     <a:solidFill>
                       <a:srgbClr val="000000"/>
                     </a:solidFill>
@@ -16960,7 +16952,7 @@
               </a:ln>
               <a:extLst>
                 <a:ext uri="{91240B29-F687-4f45-9708-019B960494DF}">
-                  <a14:hiddenLine xmlns="" xmlns:a16="http://schemas.microsoft.com/office/drawing/2014/main" xmlns:a14="http://schemas.microsoft.com/office/drawing/2010/main" w="9525">
+                  <a14:hiddenLine xmlns:a14="http://schemas.microsoft.com/office/drawing/2010/main" xmlns:a16="http://schemas.microsoft.com/office/drawing/2014/main" xmlns="" w="9525">
                     <a:solidFill>
                       <a:srgbClr val="000000"/>
                     </a:solidFill>
@@ -17072,7 +17064,7 @@
               </a:ln>
               <a:extLst>
                 <a:ext uri="{91240B29-F687-4f45-9708-019B960494DF}">
-                  <a14:hiddenLine xmlns="" xmlns:a16="http://schemas.microsoft.com/office/drawing/2014/main" xmlns:a14="http://schemas.microsoft.com/office/drawing/2010/main" w="9525">
+                  <a14:hiddenLine xmlns:a14="http://schemas.microsoft.com/office/drawing/2010/main" xmlns:a16="http://schemas.microsoft.com/office/drawing/2014/main" xmlns="" w="9525">
                     <a:solidFill>
                       <a:srgbClr val="000000"/>
                     </a:solidFill>
@@ -17156,7 +17148,7 @@
               </a:ln>
               <a:extLst>
                 <a:ext uri="{91240B29-F687-4f45-9708-019B960494DF}">
-                  <a14:hiddenLine xmlns="" xmlns:a16="http://schemas.microsoft.com/office/drawing/2014/main" xmlns:a14="http://schemas.microsoft.com/office/drawing/2010/main" w="9525">
+                  <a14:hiddenLine xmlns:a14="http://schemas.microsoft.com/office/drawing/2010/main" xmlns:a16="http://schemas.microsoft.com/office/drawing/2014/main" xmlns="" w="9525">
                     <a:solidFill>
                       <a:srgbClr val="000000"/>
                     </a:solidFill>
@@ -17268,7 +17260,7 @@
               </a:ln>
               <a:extLst>
                 <a:ext uri="{91240B29-F687-4f45-9708-019B960494DF}">
-                  <a14:hiddenLine xmlns="" xmlns:a16="http://schemas.microsoft.com/office/drawing/2014/main" xmlns:a14="http://schemas.microsoft.com/office/drawing/2010/main" w="9525">
+                  <a14:hiddenLine xmlns:a14="http://schemas.microsoft.com/office/drawing/2010/main" xmlns:a16="http://schemas.microsoft.com/office/drawing/2014/main" xmlns="" w="9525">
                     <a:solidFill>
                       <a:srgbClr val="000000"/>
                     </a:solidFill>
@@ -17355,7 +17347,7 @@
               </a:ln>
               <a:extLst>
                 <a:ext uri="{91240B29-F687-4f45-9708-019B960494DF}">
-                  <a14:hiddenLine xmlns="" xmlns:a16="http://schemas.microsoft.com/office/drawing/2014/main" xmlns:a14="http://schemas.microsoft.com/office/drawing/2010/main" w="9525">
+                  <a14:hiddenLine xmlns:a14="http://schemas.microsoft.com/office/drawing/2010/main" xmlns:a16="http://schemas.microsoft.com/office/drawing/2014/main" xmlns="" w="9525">
                     <a:solidFill>
                       <a:srgbClr val="000000"/>
                     </a:solidFill>
@@ -17439,7 +17431,7 @@
               </a:ln>
               <a:extLst>
                 <a:ext uri="{91240B29-F687-4f45-9708-019B960494DF}">
-                  <a14:hiddenLine xmlns="" xmlns:a16="http://schemas.microsoft.com/office/drawing/2014/main" xmlns:a14="http://schemas.microsoft.com/office/drawing/2010/main" w="9525">
+                  <a14:hiddenLine xmlns:a14="http://schemas.microsoft.com/office/drawing/2010/main" xmlns:a16="http://schemas.microsoft.com/office/drawing/2014/main" xmlns="" w="9525">
                     <a:solidFill>
                       <a:srgbClr val="000000"/>
                     </a:solidFill>
@@ -17551,7 +17543,7 @@
               </a:ln>
               <a:extLst>
                 <a:ext uri="{91240B29-F687-4f45-9708-019B960494DF}">
-                  <a14:hiddenLine xmlns="" xmlns:a16="http://schemas.microsoft.com/office/drawing/2014/main" xmlns:a14="http://schemas.microsoft.com/office/drawing/2010/main" w="9525">
+                  <a14:hiddenLine xmlns:a14="http://schemas.microsoft.com/office/drawing/2010/main" xmlns:a16="http://schemas.microsoft.com/office/drawing/2014/main" xmlns="" w="9525">
                     <a:solidFill>
                       <a:srgbClr val="000000"/>
                     </a:solidFill>
@@ -17663,7 +17655,7 @@
               </a:ln>
               <a:extLst>
                 <a:ext uri="{91240B29-F687-4f45-9708-019B960494DF}">
-                  <a14:hiddenLine xmlns="" xmlns:a16="http://schemas.microsoft.com/office/drawing/2014/main" xmlns:a14="http://schemas.microsoft.com/office/drawing/2010/main" w="9525">
+                  <a14:hiddenLine xmlns:a14="http://schemas.microsoft.com/office/drawing/2010/main" xmlns:a16="http://schemas.microsoft.com/office/drawing/2014/main" xmlns="" w="9525">
                     <a:solidFill>
                       <a:srgbClr val="000000"/>
                     </a:solidFill>
@@ -17750,7 +17742,7 @@
               </a:ln>
               <a:extLst>
                 <a:ext uri="{91240B29-F687-4f45-9708-019B960494DF}">
-                  <a14:hiddenLine xmlns="" xmlns:a16="http://schemas.microsoft.com/office/drawing/2014/main" xmlns:a14="http://schemas.microsoft.com/office/drawing/2010/main" w="9525">
+                  <a14:hiddenLine xmlns:a14="http://schemas.microsoft.com/office/drawing/2010/main" xmlns:a16="http://schemas.microsoft.com/office/drawing/2014/main" xmlns="" w="9525">
                     <a:solidFill>
                       <a:srgbClr val="000000"/>
                     </a:solidFill>
@@ -17892,7 +17884,7 @@
               </a:ln>
               <a:extLst>
                 <a:ext uri="{91240B29-F687-4f45-9708-019B960494DF}">
-                  <a14:hiddenLine xmlns="" xmlns:a16="http://schemas.microsoft.com/office/drawing/2014/main" xmlns:a14="http://schemas.microsoft.com/office/drawing/2010/main" w="9525">
+                  <a14:hiddenLine xmlns:a14="http://schemas.microsoft.com/office/drawing/2010/main" xmlns:a16="http://schemas.microsoft.com/office/drawing/2014/main" xmlns="" w="9525">
                     <a:solidFill>
                       <a:srgbClr val="000000"/>
                     </a:solidFill>
@@ -18027,7 +18019,7 @@
               </a:ln>
               <a:extLst>
                 <a:ext uri="{91240B29-F687-4f45-9708-019B960494DF}">
-                  <a14:hiddenLine xmlns="" xmlns:a16="http://schemas.microsoft.com/office/drawing/2014/main" xmlns:a14="http://schemas.microsoft.com/office/drawing/2010/main" w="9525">
+                  <a14:hiddenLine xmlns:a14="http://schemas.microsoft.com/office/drawing/2010/main" xmlns:a16="http://schemas.microsoft.com/office/drawing/2014/main" xmlns="" w="9525">
                     <a:solidFill>
                       <a:srgbClr val="000000"/>
                     </a:solidFill>
@@ -18164,7 +18156,7 @@
               </a:ln>
               <a:extLst>
                 <a:ext uri="{91240B29-F687-4f45-9708-019B960494DF}">
-                  <a14:hiddenLine xmlns="" xmlns:a16="http://schemas.microsoft.com/office/drawing/2014/main" xmlns:a14="http://schemas.microsoft.com/office/drawing/2010/main" w="9525">
+                  <a14:hiddenLine xmlns:a14="http://schemas.microsoft.com/office/drawing/2010/main" xmlns:a16="http://schemas.microsoft.com/office/drawing/2014/main" xmlns="" w="9525">
                     <a:solidFill>
                       <a:srgbClr val="000000"/>
                     </a:solidFill>
@@ -18276,7 +18268,7 @@
               </a:ln>
               <a:extLst>
                 <a:ext uri="{91240B29-F687-4f45-9708-019B960494DF}">
-                  <a14:hiddenLine xmlns="" xmlns:a16="http://schemas.microsoft.com/office/drawing/2014/main" xmlns:a14="http://schemas.microsoft.com/office/drawing/2010/main" w="9525">
+                  <a14:hiddenLine xmlns:a14="http://schemas.microsoft.com/office/drawing/2010/main" xmlns:a16="http://schemas.microsoft.com/office/drawing/2014/main" xmlns="" w="9525">
                     <a:solidFill>
                       <a:srgbClr val="000000"/>
                     </a:solidFill>
@@ -18363,7 +18355,7 @@
               </a:ln>
               <a:extLst>
                 <a:ext uri="{91240B29-F687-4f45-9708-019B960494DF}">
-                  <a14:hiddenLine xmlns="" xmlns:a16="http://schemas.microsoft.com/office/drawing/2014/main" xmlns:a14="http://schemas.microsoft.com/office/drawing/2010/main" w="9525">
+                  <a14:hiddenLine xmlns:a14="http://schemas.microsoft.com/office/drawing/2010/main" xmlns:a16="http://schemas.microsoft.com/office/drawing/2014/main" xmlns="" w="9525">
                     <a:solidFill>
                       <a:srgbClr val="000000"/>
                     </a:solidFill>
@@ -18475,7 +18467,7 @@
               </a:ln>
               <a:extLst>
                 <a:ext uri="{91240B29-F687-4f45-9708-019B960494DF}">
-                  <a14:hiddenLine xmlns="" xmlns:a16="http://schemas.microsoft.com/office/drawing/2014/main" xmlns:a14="http://schemas.microsoft.com/office/drawing/2010/main" w="9525">
+                  <a14:hiddenLine xmlns:a14="http://schemas.microsoft.com/office/drawing/2010/main" xmlns:a16="http://schemas.microsoft.com/office/drawing/2014/main" xmlns="" w="9525">
                     <a:solidFill>
                       <a:srgbClr val="000000"/>
                     </a:solidFill>
@@ -18565,7 +18557,7 @@
               </a:ln>
               <a:extLst>
                 <a:ext uri="{91240B29-F687-4f45-9708-019B960494DF}">
-                  <a14:hiddenLine xmlns="" xmlns:a16="http://schemas.microsoft.com/office/drawing/2014/main" xmlns:a14="http://schemas.microsoft.com/office/drawing/2010/main" w="9525">
+                  <a14:hiddenLine xmlns:a14="http://schemas.microsoft.com/office/drawing/2010/main" xmlns:a16="http://schemas.microsoft.com/office/drawing/2014/main" xmlns="" w="9525">
                     <a:solidFill>
                       <a:srgbClr val="000000"/>
                     </a:solidFill>
@@ -18677,7 +18669,7 @@
               </a:ln>
               <a:extLst>
                 <a:ext uri="{91240B29-F687-4f45-9708-019B960494DF}">
-                  <a14:hiddenLine xmlns="" xmlns:a16="http://schemas.microsoft.com/office/drawing/2014/main" xmlns:a14="http://schemas.microsoft.com/office/drawing/2010/main" w="9525">
+                  <a14:hiddenLine xmlns:a14="http://schemas.microsoft.com/office/drawing/2010/main" xmlns:a16="http://schemas.microsoft.com/office/drawing/2014/main" xmlns="" w="9525">
                     <a:solidFill>
                       <a:srgbClr val="000000"/>
                     </a:solidFill>
@@ -18767,7 +18759,7 @@
               </a:ln>
               <a:extLst>
                 <a:ext uri="{91240B29-F687-4f45-9708-019B960494DF}">
-                  <a14:hiddenLine xmlns="" xmlns:a16="http://schemas.microsoft.com/office/drawing/2014/main" xmlns:a14="http://schemas.microsoft.com/office/drawing/2010/main" w="9525">
+                  <a14:hiddenLine xmlns:a14="http://schemas.microsoft.com/office/drawing/2010/main" xmlns:a16="http://schemas.microsoft.com/office/drawing/2014/main" xmlns="" w="9525">
                     <a:solidFill>
                       <a:srgbClr val="000000"/>
                     </a:solidFill>
@@ -18879,7 +18871,7 @@
               </a:ln>
               <a:extLst>
                 <a:ext uri="{91240B29-F687-4f45-9708-019B960494DF}">
-                  <a14:hiddenLine xmlns="" xmlns:a16="http://schemas.microsoft.com/office/drawing/2014/main" xmlns:a14="http://schemas.microsoft.com/office/drawing/2010/main" w="9525">
+                  <a14:hiddenLine xmlns:a14="http://schemas.microsoft.com/office/drawing/2010/main" xmlns:a16="http://schemas.microsoft.com/office/drawing/2014/main" xmlns="" w="9525">
                     <a:solidFill>
                       <a:srgbClr val="000000"/>
                     </a:solidFill>
@@ -18935,7 +18927,7 @@
               </a:ln>
               <a:extLst>
                 <a:ext uri="{91240B29-F687-4f45-9708-019B960494DF}">
-                  <a14:hiddenLine xmlns="" xmlns:a16="http://schemas.microsoft.com/office/drawing/2014/main" xmlns:a14="http://schemas.microsoft.com/office/drawing/2010/main" w="9525">
+                  <a14:hiddenLine xmlns:a14="http://schemas.microsoft.com/office/drawing/2010/main" xmlns:a16="http://schemas.microsoft.com/office/drawing/2014/main" xmlns="" w="9525">
                     <a:solidFill>
                       <a:srgbClr val="000000"/>
                     </a:solidFill>
@@ -19099,7 +19091,7 @@
             </a:ln>
             <a:extLst>
               <a:ext uri="{91240B29-F687-4f45-9708-019B960494DF}">
-                <a14:hiddenLine xmlns="" xmlns:a16="http://schemas.microsoft.com/office/drawing/2014/main" xmlns:p14="http://schemas.microsoft.com/office/powerpoint/2010/main" xmlns:dgm="http://schemas.openxmlformats.org/drawingml/2006/diagram" xmlns:a14="http://schemas.microsoft.com/office/drawing/2010/main" w="9525">
+                <a14:hiddenLine xmlns:a14="http://schemas.microsoft.com/office/drawing/2010/main" xmlns:dgm="http://schemas.openxmlformats.org/drawingml/2006/diagram" xmlns:p14="http://schemas.microsoft.com/office/powerpoint/2010/main" xmlns:a16="http://schemas.microsoft.com/office/drawing/2014/main" xmlns="" w="9525">
                   <a:solidFill>
                     <a:srgbClr val="000000"/>
                   </a:solidFill>
@@ -19211,7 +19203,7 @@
             </a:ln>
             <a:extLst>
               <a:ext uri="{91240B29-F687-4f45-9708-019B960494DF}">
-                <a14:hiddenLine xmlns="" xmlns:a16="http://schemas.microsoft.com/office/drawing/2014/main" xmlns:p14="http://schemas.microsoft.com/office/powerpoint/2010/main" xmlns:dgm="http://schemas.openxmlformats.org/drawingml/2006/diagram" xmlns:a14="http://schemas.microsoft.com/office/drawing/2010/main" w="9525">
+                <a14:hiddenLine xmlns:a14="http://schemas.microsoft.com/office/drawing/2010/main" xmlns:dgm="http://schemas.openxmlformats.org/drawingml/2006/diagram" xmlns:p14="http://schemas.microsoft.com/office/powerpoint/2010/main" xmlns:a16="http://schemas.microsoft.com/office/drawing/2014/main" xmlns="" w="9525">
                   <a:solidFill>
                     <a:srgbClr val="000000"/>
                   </a:solidFill>
@@ -19323,7 +19315,7 @@
             </a:ln>
             <a:extLst>
               <a:ext uri="{91240B29-F687-4f45-9708-019B960494DF}">
-                <a14:hiddenLine xmlns="" xmlns:a16="http://schemas.microsoft.com/office/drawing/2014/main" xmlns:p14="http://schemas.microsoft.com/office/powerpoint/2010/main" xmlns:dgm="http://schemas.openxmlformats.org/drawingml/2006/diagram" xmlns:a14="http://schemas.microsoft.com/office/drawing/2010/main" w="9525">
+                <a14:hiddenLine xmlns:a14="http://schemas.microsoft.com/office/drawing/2010/main" xmlns:dgm="http://schemas.openxmlformats.org/drawingml/2006/diagram" xmlns:p14="http://schemas.microsoft.com/office/powerpoint/2010/main" xmlns:a16="http://schemas.microsoft.com/office/drawing/2014/main" xmlns="" w="9525">
                   <a:solidFill>
                     <a:srgbClr val="000000"/>
                   </a:solidFill>
@@ -19407,7 +19399,7 @@
             </a:ln>
             <a:extLst>
               <a:ext uri="{91240B29-F687-4f45-9708-019B960494DF}">
-                <a14:hiddenLine xmlns="" xmlns:a16="http://schemas.microsoft.com/office/drawing/2014/main" xmlns:p14="http://schemas.microsoft.com/office/powerpoint/2010/main" xmlns:dgm="http://schemas.openxmlformats.org/drawingml/2006/diagram" xmlns:a14="http://schemas.microsoft.com/office/drawing/2010/main" w="9525">
+                <a14:hiddenLine xmlns:a14="http://schemas.microsoft.com/office/drawing/2010/main" xmlns:dgm="http://schemas.openxmlformats.org/drawingml/2006/diagram" xmlns:p14="http://schemas.microsoft.com/office/powerpoint/2010/main" xmlns:a16="http://schemas.microsoft.com/office/drawing/2014/main" xmlns="" w="9525">
                   <a:solidFill>
                     <a:srgbClr val="000000"/>
                   </a:solidFill>
@@ -19519,7 +19511,7 @@
             </a:ln>
             <a:extLst>
               <a:ext uri="{91240B29-F687-4f45-9708-019B960494DF}">
-                <a14:hiddenLine xmlns="" xmlns:a16="http://schemas.microsoft.com/office/drawing/2014/main" xmlns:p14="http://schemas.microsoft.com/office/powerpoint/2010/main" xmlns:dgm="http://schemas.openxmlformats.org/drawingml/2006/diagram" xmlns:a14="http://schemas.microsoft.com/office/drawing/2010/main" w="9525">
+                <a14:hiddenLine xmlns:a14="http://schemas.microsoft.com/office/drawing/2010/main" xmlns:dgm="http://schemas.openxmlformats.org/drawingml/2006/diagram" xmlns:p14="http://schemas.microsoft.com/office/powerpoint/2010/main" xmlns:a16="http://schemas.microsoft.com/office/drawing/2014/main" xmlns="" w="9525">
                   <a:solidFill>
                     <a:srgbClr val="000000"/>
                   </a:solidFill>
@@ -19603,7 +19595,7 @@
             </a:ln>
             <a:extLst>
               <a:ext uri="{91240B29-F687-4f45-9708-019B960494DF}">
-                <a14:hiddenLine xmlns="" xmlns:a16="http://schemas.microsoft.com/office/drawing/2014/main" xmlns:p14="http://schemas.microsoft.com/office/powerpoint/2010/main" xmlns:dgm="http://schemas.openxmlformats.org/drawingml/2006/diagram" xmlns:a14="http://schemas.microsoft.com/office/drawing/2010/main" w="9525">
+                <a14:hiddenLine xmlns:a14="http://schemas.microsoft.com/office/drawing/2010/main" xmlns:dgm="http://schemas.openxmlformats.org/drawingml/2006/diagram" xmlns:p14="http://schemas.microsoft.com/office/powerpoint/2010/main" xmlns:a16="http://schemas.microsoft.com/office/drawing/2014/main" xmlns="" w="9525">
                   <a:solidFill>
                     <a:srgbClr val="000000"/>
                   </a:solidFill>
@@ -19687,7 +19679,7 @@
             </a:ln>
             <a:extLst>
               <a:ext uri="{91240B29-F687-4f45-9708-019B960494DF}">
-                <a14:hiddenLine xmlns="" xmlns:a16="http://schemas.microsoft.com/office/drawing/2014/main" xmlns:p14="http://schemas.microsoft.com/office/powerpoint/2010/main" xmlns:dgm="http://schemas.openxmlformats.org/drawingml/2006/diagram" xmlns:a14="http://schemas.microsoft.com/office/drawing/2010/main" w="9525">
+                <a14:hiddenLine xmlns:a14="http://schemas.microsoft.com/office/drawing/2010/main" xmlns:dgm="http://schemas.openxmlformats.org/drawingml/2006/diagram" xmlns:p14="http://schemas.microsoft.com/office/powerpoint/2010/main" xmlns:a16="http://schemas.microsoft.com/office/drawing/2014/main" xmlns="" w="9525">
                   <a:solidFill>
                     <a:srgbClr val="000000"/>
                   </a:solidFill>
@@ -19799,7 +19791,7 @@
             </a:ln>
             <a:extLst>
               <a:ext uri="{91240B29-F687-4f45-9708-019B960494DF}">
-                <a14:hiddenLine xmlns="" xmlns:a16="http://schemas.microsoft.com/office/drawing/2014/main" xmlns:p14="http://schemas.microsoft.com/office/powerpoint/2010/main" xmlns:dgm="http://schemas.openxmlformats.org/drawingml/2006/diagram" xmlns:a14="http://schemas.microsoft.com/office/drawing/2010/main" w="9525">
+                <a14:hiddenLine xmlns:a14="http://schemas.microsoft.com/office/drawing/2010/main" xmlns:dgm="http://schemas.openxmlformats.org/drawingml/2006/diagram" xmlns:p14="http://schemas.microsoft.com/office/powerpoint/2010/main" xmlns:a16="http://schemas.microsoft.com/office/drawing/2014/main" xmlns="" w="9525">
                   <a:solidFill>
                     <a:srgbClr val="000000"/>
                   </a:solidFill>
@@ -19911,7 +19903,7 @@
             </a:ln>
             <a:extLst>
               <a:ext uri="{91240B29-F687-4f45-9708-019B960494DF}">
-                <a14:hiddenLine xmlns="" xmlns:a16="http://schemas.microsoft.com/office/drawing/2014/main" xmlns:p14="http://schemas.microsoft.com/office/powerpoint/2010/main" xmlns:dgm="http://schemas.openxmlformats.org/drawingml/2006/diagram" xmlns:a14="http://schemas.microsoft.com/office/drawing/2010/main" w="9525">
+                <a14:hiddenLine xmlns:a14="http://schemas.microsoft.com/office/drawing/2010/main" xmlns:dgm="http://schemas.openxmlformats.org/drawingml/2006/diagram" xmlns:p14="http://schemas.microsoft.com/office/powerpoint/2010/main" xmlns:a16="http://schemas.microsoft.com/office/drawing/2014/main" xmlns="" w="9525">
                   <a:solidFill>
                     <a:srgbClr val="000000"/>
                   </a:solidFill>
@@ -19995,7 +19987,7 @@
             </a:ln>
             <a:extLst>
               <a:ext uri="{91240B29-F687-4f45-9708-019B960494DF}">
-                <a14:hiddenLine xmlns="" xmlns:a16="http://schemas.microsoft.com/office/drawing/2014/main" xmlns:p14="http://schemas.microsoft.com/office/powerpoint/2010/main" xmlns:dgm="http://schemas.openxmlformats.org/drawingml/2006/diagram" xmlns:a14="http://schemas.microsoft.com/office/drawing/2010/main" w="9525">
+                <a14:hiddenLine xmlns:a14="http://schemas.microsoft.com/office/drawing/2010/main" xmlns:dgm="http://schemas.openxmlformats.org/drawingml/2006/diagram" xmlns:p14="http://schemas.microsoft.com/office/powerpoint/2010/main" xmlns:a16="http://schemas.microsoft.com/office/drawing/2014/main" xmlns="" w="9525">
                   <a:solidFill>
                     <a:srgbClr val="000000"/>
                   </a:solidFill>
@@ -20127,7 +20119,7 @@
             </a:ln>
             <a:extLst>
               <a:ext uri="{91240B29-F687-4f45-9708-019B960494DF}">
-                <a14:hiddenLine xmlns="" xmlns:a16="http://schemas.microsoft.com/office/drawing/2014/main" xmlns:p14="http://schemas.microsoft.com/office/powerpoint/2010/main" xmlns:dgm="http://schemas.openxmlformats.org/drawingml/2006/diagram" xmlns:a14="http://schemas.microsoft.com/office/drawing/2010/main" w="9525">
+                <a14:hiddenLine xmlns:a14="http://schemas.microsoft.com/office/drawing/2010/main" xmlns:dgm="http://schemas.openxmlformats.org/drawingml/2006/diagram" xmlns:p14="http://schemas.microsoft.com/office/powerpoint/2010/main" xmlns:a16="http://schemas.microsoft.com/office/drawing/2014/main" xmlns="" w="9525">
                   <a:solidFill>
                     <a:srgbClr val="000000"/>
                   </a:solidFill>
@@ -20255,7 +20247,7 @@
             </a:ln>
             <a:extLst>
               <a:ext uri="{91240B29-F687-4f45-9708-019B960494DF}">
-                <a14:hiddenLine xmlns="" xmlns:a16="http://schemas.microsoft.com/office/drawing/2014/main" xmlns:p14="http://schemas.microsoft.com/office/powerpoint/2010/main" xmlns:dgm="http://schemas.openxmlformats.org/drawingml/2006/diagram" xmlns:a14="http://schemas.microsoft.com/office/drawing/2010/main" w="9525">
+                <a14:hiddenLine xmlns:a14="http://schemas.microsoft.com/office/drawing/2010/main" xmlns:dgm="http://schemas.openxmlformats.org/drawingml/2006/diagram" xmlns:p14="http://schemas.microsoft.com/office/powerpoint/2010/main" xmlns:a16="http://schemas.microsoft.com/office/drawing/2014/main" xmlns="" w="9525">
                   <a:solidFill>
                     <a:srgbClr val="000000"/>
                   </a:solidFill>
@@ -20339,7 +20331,7 @@
             </a:ln>
             <a:extLst>
               <a:ext uri="{91240B29-F687-4f45-9708-019B960494DF}">
-                <a14:hiddenLine xmlns="" xmlns:a16="http://schemas.microsoft.com/office/drawing/2014/main" xmlns:p14="http://schemas.microsoft.com/office/powerpoint/2010/main" xmlns:dgm="http://schemas.openxmlformats.org/drawingml/2006/diagram" xmlns:a14="http://schemas.microsoft.com/office/drawing/2010/main" w="9525">
+                <a14:hiddenLine xmlns:a14="http://schemas.microsoft.com/office/drawing/2010/main" xmlns:dgm="http://schemas.openxmlformats.org/drawingml/2006/diagram" xmlns:p14="http://schemas.microsoft.com/office/powerpoint/2010/main" xmlns:a16="http://schemas.microsoft.com/office/drawing/2014/main" xmlns="" w="9525">
                   <a:solidFill>
                     <a:srgbClr val="000000"/>
                   </a:solidFill>
@@ -20423,7 +20415,7 @@
             </a:ln>
             <a:extLst>
               <a:ext uri="{91240B29-F687-4f45-9708-019B960494DF}">
-                <a14:hiddenLine xmlns="" xmlns:a16="http://schemas.microsoft.com/office/drawing/2014/main" xmlns:p14="http://schemas.microsoft.com/office/powerpoint/2010/main" xmlns:dgm="http://schemas.openxmlformats.org/drawingml/2006/diagram" xmlns:a14="http://schemas.microsoft.com/office/drawing/2010/main" w="9525">
+                <a14:hiddenLine xmlns:a14="http://schemas.microsoft.com/office/drawing/2010/main" xmlns:dgm="http://schemas.openxmlformats.org/drawingml/2006/diagram" xmlns:p14="http://schemas.microsoft.com/office/powerpoint/2010/main" xmlns:a16="http://schemas.microsoft.com/office/drawing/2014/main" xmlns="" w="9525">
                   <a:solidFill>
                     <a:srgbClr val="000000"/>
                   </a:solidFill>
@@ -20535,7 +20527,7 @@
             </a:ln>
             <a:extLst>
               <a:ext uri="{91240B29-F687-4f45-9708-019B960494DF}">
-                <a14:hiddenLine xmlns="" xmlns:a16="http://schemas.microsoft.com/office/drawing/2014/main" xmlns:p14="http://schemas.microsoft.com/office/powerpoint/2010/main" xmlns:dgm="http://schemas.openxmlformats.org/drawingml/2006/diagram" xmlns:a14="http://schemas.microsoft.com/office/drawing/2010/main" w="9525">
+                <a14:hiddenLine xmlns:a14="http://schemas.microsoft.com/office/drawing/2010/main" xmlns:dgm="http://schemas.openxmlformats.org/drawingml/2006/diagram" xmlns:p14="http://schemas.microsoft.com/office/powerpoint/2010/main" xmlns:a16="http://schemas.microsoft.com/office/drawing/2014/main" xmlns="" w="9525">
                   <a:solidFill>
                     <a:srgbClr val="000000"/>
                   </a:solidFill>
@@ -20591,7 +20583,7 @@
             </a:ln>
             <a:extLst>
               <a:ext uri="{91240B29-F687-4f45-9708-019B960494DF}">
-                <a14:hiddenLine xmlns="" xmlns:a16="http://schemas.microsoft.com/office/drawing/2014/main" xmlns:p14="http://schemas.microsoft.com/office/powerpoint/2010/main" xmlns:dgm="http://schemas.openxmlformats.org/drawingml/2006/diagram" xmlns:a14="http://schemas.microsoft.com/office/drawing/2010/main" w="9525">
+                <a14:hiddenLine xmlns:a14="http://schemas.microsoft.com/office/drawing/2010/main" xmlns:dgm="http://schemas.openxmlformats.org/drawingml/2006/diagram" xmlns:p14="http://schemas.microsoft.com/office/powerpoint/2010/main" xmlns:a16="http://schemas.microsoft.com/office/drawing/2014/main" xmlns="" w="9525">
                   <a:solidFill>
                     <a:srgbClr val="000000"/>
                   </a:solidFill>
@@ -20678,7 +20670,7 @@
             </a:ln>
             <a:extLst>
               <a:ext uri="{91240B29-F687-4f45-9708-019B960494DF}">
-                <a14:hiddenLine xmlns="" xmlns:a16="http://schemas.microsoft.com/office/drawing/2014/main" xmlns:p14="http://schemas.microsoft.com/office/powerpoint/2010/main" xmlns:dgm="http://schemas.openxmlformats.org/drawingml/2006/diagram" xmlns:a14="http://schemas.microsoft.com/office/drawing/2010/main" w="9525">
+                <a14:hiddenLine xmlns:a14="http://schemas.microsoft.com/office/drawing/2010/main" xmlns:dgm="http://schemas.openxmlformats.org/drawingml/2006/diagram" xmlns:p14="http://schemas.microsoft.com/office/powerpoint/2010/main" xmlns:a16="http://schemas.microsoft.com/office/drawing/2014/main" xmlns="" w="9525">
                   <a:solidFill>
                     <a:srgbClr val="000000"/>
                   </a:solidFill>
@@ -20790,7 +20782,7 @@
             </a:ln>
             <a:extLst>
               <a:ext uri="{91240B29-F687-4f45-9708-019B960494DF}">
-                <a14:hiddenLine xmlns="" xmlns:a16="http://schemas.microsoft.com/office/drawing/2014/main" xmlns:p14="http://schemas.microsoft.com/office/powerpoint/2010/main" xmlns:dgm="http://schemas.openxmlformats.org/drawingml/2006/diagram" xmlns:a14="http://schemas.microsoft.com/office/drawing/2010/main" w="9525">
+                <a14:hiddenLine xmlns:a14="http://schemas.microsoft.com/office/drawing/2010/main" xmlns:dgm="http://schemas.openxmlformats.org/drawingml/2006/diagram" xmlns:p14="http://schemas.microsoft.com/office/powerpoint/2010/main" xmlns:a16="http://schemas.microsoft.com/office/drawing/2014/main" xmlns="" w="9525">
                   <a:solidFill>
                     <a:srgbClr val="000000"/>
                   </a:solidFill>
@@ -20874,7 +20866,7 @@
             </a:ln>
             <a:extLst>
               <a:ext uri="{91240B29-F687-4f45-9708-019B960494DF}">
-                <a14:hiddenLine xmlns="" xmlns:a16="http://schemas.microsoft.com/office/drawing/2014/main" xmlns:p14="http://schemas.microsoft.com/office/powerpoint/2010/main" xmlns:dgm="http://schemas.openxmlformats.org/drawingml/2006/diagram" xmlns:a14="http://schemas.microsoft.com/office/drawing/2010/main" w="9525">
+                <a14:hiddenLine xmlns:a14="http://schemas.microsoft.com/office/drawing/2010/main" xmlns:dgm="http://schemas.openxmlformats.org/drawingml/2006/diagram" xmlns:p14="http://schemas.microsoft.com/office/powerpoint/2010/main" xmlns:a16="http://schemas.microsoft.com/office/drawing/2014/main" xmlns="" w="9525">
                   <a:solidFill>
                     <a:srgbClr val="000000"/>
                   </a:solidFill>
@@ -20986,7 +20978,7 @@
             </a:ln>
             <a:extLst>
               <a:ext uri="{91240B29-F687-4f45-9708-019B960494DF}">
-                <a14:hiddenLine xmlns="" xmlns:a16="http://schemas.microsoft.com/office/drawing/2014/main" xmlns:p14="http://schemas.microsoft.com/office/powerpoint/2010/main" xmlns:dgm="http://schemas.openxmlformats.org/drawingml/2006/diagram" xmlns:a14="http://schemas.microsoft.com/office/drawing/2010/main" w="9525">
+                <a14:hiddenLine xmlns:a14="http://schemas.microsoft.com/office/drawing/2010/main" xmlns:dgm="http://schemas.openxmlformats.org/drawingml/2006/diagram" xmlns:p14="http://schemas.microsoft.com/office/powerpoint/2010/main" xmlns:a16="http://schemas.microsoft.com/office/drawing/2014/main" xmlns="" w="9525">
                   <a:solidFill>
                     <a:srgbClr val="000000"/>
                   </a:solidFill>
@@ -21073,7 +21065,7 @@
             </a:ln>
             <a:extLst>
               <a:ext uri="{91240B29-F687-4f45-9708-019B960494DF}">
-                <a14:hiddenLine xmlns="" xmlns:a16="http://schemas.microsoft.com/office/drawing/2014/main" xmlns:p14="http://schemas.microsoft.com/office/powerpoint/2010/main" xmlns:dgm="http://schemas.openxmlformats.org/drawingml/2006/diagram" xmlns:a14="http://schemas.microsoft.com/office/drawing/2010/main" w="9525">
+                <a14:hiddenLine xmlns:a14="http://schemas.microsoft.com/office/drawing/2010/main" xmlns:dgm="http://schemas.openxmlformats.org/drawingml/2006/diagram" xmlns:p14="http://schemas.microsoft.com/office/powerpoint/2010/main" xmlns:a16="http://schemas.microsoft.com/office/drawing/2014/main" xmlns="" w="9525">
                   <a:solidFill>
                     <a:srgbClr val="000000"/>
                   </a:solidFill>
@@ -21157,7 +21149,7 @@
             </a:ln>
             <a:extLst>
               <a:ext uri="{91240B29-F687-4f45-9708-019B960494DF}">
-                <a14:hiddenLine xmlns="" xmlns:a16="http://schemas.microsoft.com/office/drawing/2014/main" xmlns:p14="http://schemas.microsoft.com/office/powerpoint/2010/main" xmlns:dgm="http://schemas.openxmlformats.org/drawingml/2006/diagram" xmlns:a14="http://schemas.microsoft.com/office/drawing/2010/main" w="9525">
+                <a14:hiddenLine xmlns:a14="http://schemas.microsoft.com/office/drawing/2010/main" xmlns:dgm="http://schemas.openxmlformats.org/drawingml/2006/diagram" xmlns:p14="http://schemas.microsoft.com/office/powerpoint/2010/main" xmlns:a16="http://schemas.microsoft.com/office/drawing/2014/main" xmlns="" w="9525">
                   <a:solidFill>
                     <a:srgbClr val="000000"/>
                   </a:solidFill>
@@ -21269,7 +21261,7 @@
             </a:ln>
             <a:extLst>
               <a:ext uri="{91240B29-F687-4f45-9708-019B960494DF}">
-                <a14:hiddenLine xmlns="" xmlns:a16="http://schemas.microsoft.com/office/drawing/2014/main" xmlns:p14="http://schemas.microsoft.com/office/powerpoint/2010/main" xmlns:dgm="http://schemas.openxmlformats.org/drawingml/2006/diagram" xmlns:a14="http://schemas.microsoft.com/office/drawing/2010/main" w="9525">
+                <a14:hiddenLine xmlns:a14="http://schemas.microsoft.com/office/drawing/2010/main" xmlns:dgm="http://schemas.openxmlformats.org/drawingml/2006/diagram" xmlns:p14="http://schemas.microsoft.com/office/powerpoint/2010/main" xmlns:a16="http://schemas.microsoft.com/office/drawing/2014/main" xmlns="" w="9525">
                   <a:solidFill>
                     <a:srgbClr val="000000"/>
                   </a:solidFill>
@@ -21381,7 +21373,7 @@
             </a:ln>
             <a:extLst>
               <a:ext uri="{91240B29-F687-4f45-9708-019B960494DF}">
-                <a14:hiddenLine xmlns="" xmlns:a16="http://schemas.microsoft.com/office/drawing/2014/main" xmlns:p14="http://schemas.microsoft.com/office/powerpoint/2010/main" xmlns:dgm="http://schemas.openxmlformats.org/drawingml/2006/diagram" xmlns:a14="http://schemas.microsoft.com/office/drawing/2010/main" w="9525">
+                <a14:hiddenLine xmlns:a14="http://schemas.microsoft.com/office/drawing/2010/main" xmlns:dgm="http://schemas.openxmlformats.org/drawingml/2006/diagram" xmlns:p14="http://schemas.microsoft.com/office/powerpoint/2010/main" xmlns:a16="http://schemas.microsoft.com/office/drawing/2014/main" xmlns="" w="9525">
                   <a:solidFill>
                     <a:srgbClr val="000000"/>
                   </a:solidFill>
@@ -21468,7 +21460,7 @@
             </a:ln>
             <a:extLst>
               <a:ext uri="{91240B29-F687-4f45-9708-019B960494DF}">
-                <a14:hiddenLine xmlns="" xmlns:a16="http://schemas.microsoft.com/office/drawing/2014/main" xmlns:p14="http://schemas.microsoft.com/office/powerpoint/2010/main" xmlns:dgm="http://schemas.openxmlformats.org/drawingml/2006/diagram" xmlns:a14="http://schemas.microsoft.com/office/drawing/2010/main" w="9525">
+                <a14:hiddenLine xmlns:a14="http://schemas.microsoft.com/office/drawing/2010/main" xmlns:dgm="http://schemas.openxmlformats.org/drawingml/2006/diagram" xmlns:p14="http://schemas.microsoft.com/office/powerpoint/2010/main" xmlns:a16="http://schemas.microsoft.com/office/drawing/2014/main" xmlns="" w="9525">
                   <a:solidFill>
                     <a:srgbClr val="000000"/>
                   </a:solidFill>
@@ -21610,7 +21602,7 @@
             </a:ln>
             <a:extLst>
               <a:ext uri="{91240B29-F687-4f45-9708-019B960494DF}">
-                <a14:hiddenLine xmlns="" xmlns:a16="http://schemas.microsoft.com/office/drawing/2014/main" xmlns:p14="http://schemas.microsoft.com/office/powerpoint/2010/main" xmlns:dgm="http://schemas.openxmlformats.org/drawingml/2006/diagram" xmlns:a14="http://schemas.microsoft.com/office/drawing/2010/main" w="9525">
+                <a14:hiddenLine xmlns:a14="http://schemas.microsoft.com/office/drawing/2010/main" xmlns:dgm="http://schemas.openxmlformats.org/drawingml/2006/diagram" xmlns:p14="http://schemas.microsoft.com/office/powerpoint/2010/main" xmlns:a16="http://schemas.microsoft.com/office/drawing/2014/main" xmlns="" w="9525">
                   <a:solidFill>
                     <a:srgbClr val="000000"/>
                   </a:solidFill>
@@ -21676,7 +21668,7 @@
           </a:prstGeom>
           <a:extLst>
             <a:ext uri="{909E8E84-426E-40dd-AFC4-6F175D3DCCD1}">
-              <a14:hiddenFill xmlns="" xmlns:a16="http://schemas.microsoft.com/office/drawing/2014/main" xmlns:p14="http://schemas.microsoft.com/office/powerpoint/2010/main" xmlns:dgm="http://schemas.openxmlformats.org/drawingml/2006/diagram" xmlns:a14="http://schemas.microsoft.com/office/drawing/2010/main">
+              <a14:hiddenFill xmlns:a14="http://schemas.microsoft.com/office/drawing/2010/main" xmlns:dgm="http://schemas.openxmlformats.org/drawingml/2006/diagram" xmlns:p14="http://schemas.microsoft.com/office/powerpoint/2010/main" xmlns:a16="http://schemas.microsoft.com/office/drawing/2014/main" xmlns="">
                 <a:solidFill>
                   <a:srgbClr val="FFFFFF"/>
                 </a:solidFill>
@@ -21835,7 +21827,7 @@
             </a:ln>
             <a:extLst>
               <a:ext uri="{91240B29-F687-4f45-9708-019B960494DF}">
-                <a14:hiddenLine xmlns="" xmlns:a16="http://schemas.microsoft.com/office/drawing/2014/main" xmlns:p14="http://schemas.microsoft.com/office/powerpoint/2010/main" xmlns:dgm="http://schemas.openxmlformats.org/drawingml/2006/diagram" xmlns:a14="http://schemas.microsoft.com/office/drawing/2010/main" w="9525">
+                <a14:hiddenLine xmlns:a14="http://schemas.microsoft.com/office/drawing/2010/main" xmlns:dgm="http://schemas.openxmlformats.org/drawingml/2006/diagram" xmlns:p14="http://schemas.microsoft.com/office/powerpoint/2010/main" xmlns:a16="http://schemas.microsoft.com/office/drawing/2014/main" xmlns="" w="9525">
                   <a:solidFill>
                     <a:srgbClr val="000000"/>
                   </a:solidFill>
@@ -21947,7 +21939,7 @@
             </a:ln>
             <a:extLst>
               <a:ext uri="{91240B29-F687-4f45-9708-019B960494DF}">
-                <a14:hiddenLine xmlns="" xmlns:a16="http://schemas.microsoft.com/office/drawing/2014/main" xmlns:p14="http://schemas.microsoft.com/office/powerpoint/2010/main" xmlns:dgm="http://schemas.openxmlformats.org/drawingml/2006/diagram" xmlns:a14="http://schemas.microsoft.com/office/drawing/2010/main" w="9525">
+                <a14:hiddenLine xmlns:a14="http://schemas.microsoft.com/office/drawing/2010/main" xmlns:dgm="http://schemas.openxmlformats.org/drawingml/2006/diagram" xmlns:p14="http://schemas.microsoft.com/office/powerpoint/2010/main" xmlns:a16="http://schemas.microsoft.com/office/drawing/2014/main" xmlns="" w="9525">
                   <a:solidFill>
                     <a:srgbClr val="000000"/>
                   </a:solidFill>
@@ -22059,7 +22051,7 @@
             </a:ln>
             <a:extLst>
               <a:ext uri="{91240B29-F687-4f45-9708-019B960494DF}">
-                <a14:hiddenLine xmlns="" xmlns:a16="http://schemas.microsoft.com/office/drawing/2014/main" xmlns:p14="http://schemas.microsoft.com/office/powerpoint/2010/main" xmlns:dgm="http://schemas.openxmlformats.org/drawingml/2006/diagram" xmlns:a14="http://schemas.microsoft.com/office/drawing/2010/main" w="9525">
+                <a14:hiddenLine xmlns:a14="http://schemas.microsoft.com/office/drawing/2010/main" xmlns:dgm="http://schemas.openxmlformats.org/drawingml/2006/diagram" xmlns:p14="http://schemas.microsoft.com/office/powerpoint/2010/main" xmlns:a16="http://schemas.microsoft.com/office/drawing/2014/main" xmlns="" w="9525">
                   <a:solidFill>
                     <a:srgbClr val="000000"/>
                   </a:solidFill>
@@ -22143,7 +22135,7 @@
             </a:ln>
             <a:extLst>
               <a:ext uri="{91240B29-F687-4f45-9708-019B960494DF}">
-                <a14:hiddenLine xmlns="" xmlns:a16="http://schemas.microsoft.com/office/drawing/2014/main" xmlns:p14="http://schemas.microsoft.com/office/powerpoint/2010/main" xmlns:dgm="http://schemas.openxmlformats.org/drawingml/2006/diagram" xmlns:a14="http://schemas.microsoft.com/office/drawing/2010/main" w="9525">
+                <a14:hiddenLine xmlns:a14="http://schemas.microsoft.com/office/drawing/2010/main" xmlns:dgm="http://schemas.openxmlformats.org/drawingml/2006/diagram" xmlns:p14="http://schemas.microsoft.com/office/powerpoint/2010/main" xmlns:a16="http://schemas.microsoft.com/office/drawing/2014/main" xmlns="" w="9525">
                   <a:solidFill>
                     <a:srgbClr val="000000"/>
                   </a:solidFill>
@@ -22255,7 +22247,7 @@
             </a:ln>
             <a:extLst>
               <a:ext uri="{91240B29-F687-4f45-9708-019B960494DF}">
-                <a14:hiddenLine xmlns="" xmlns:a16="http://schemas.microsoft.com/office/drawing/2014/main" xmlns:p14="http://schemas.microsoft.com/office/powerpoint/2010/main" xmlns:dgm="http://schemas.openxmlformats.org/drawingml/2006/diagram" xmlns:a14="http://schemas.microsoft.com/office/drawing/2010/main" w="9525">
+                <a14:hiddenLine xmlns:a14="http://schemas.microsoft.com/office/drawing/2010/main" xmlns:dgm="http://schemas.openxmlformats.org/drawingml/2006/diagram" xmlns:p14="http://schemas.microsoft.com/office/powerpoint/2010/main" xmlns:a16="http://schemas.microsoft.com/office/drawing/2014/main" xmlns="" w="9525">
                   <a:solidFill>
                     <a:srgbClr val="000000"/>
                   </a:solidFill>
@@ -22339,7 +22331,7 @@
             </a:ln>
             <a:extLst>
               <a:ext uri="{91240B29-F687-4f45-9708-019B960494DF}">
-                <a14:hiddenLine xmlns="" xmlns:a16="http://schemas.microsoft.com/office/drawing/2014/main" xmlns:p14="http://schemas.microsoft.com/office/powerpoint/2010/main" xmlns:dgm="http://schemas.openxmlformats.org/drawingml/2006/diagram" xmlns:a14="http://schemas.microsoft.com/office/drawing/2010/main" w="9525">
+                <a14:hiddenLine xmlns:a14="http://schemas.microsoft.com/office/drawing/2010/main" xmlns:dgm="http://schemas.openxmlformats.org/drawingml/2006/diagram" xmlns:p14="http://schemas.microsoft.com/office/powerpoint/2010/main" xmlns:a16="http://schemas.microsoft.com/office/drawing/2014/main" xmlns="" w="9525">
                   <a:solidFill>
                     <a:srgbClr val="000000"/>
                   </a:solidFill>
@@ -22423,7 +22415,7 @@
             </a:ln>
             <a:extLst>
               <a:ext uri="{91240B29-F687-4f45-9708-019B960494DF}">
-                <a14:hiddenLine xmlns="" xmlns:a16="http://schemas.microsoft.com/office/drawing/2014/main" xmlns:p14="http://schemas.microsoft.com/office/powerpoint/2010/main" xmlns:dgm="http://schemas.openxmlformats.org/drawingml/2006/diagram" xmlns:a14="http://schemas.microsoft.com/office/drawing/2010/main" w="9525">
+                <a14:hiddenLine xmlns:a14="http://schemas.microsoft.com/office/drawing/2010/main" xmlns:dgm="http://schemas.openxmlformats.org/drawingml/2006/diagram" xmlns:p14="http://schemas.microsoft.com/office/powerpoint/2010/main" xmlns:a16="http://schemas.microsoft.com/office/drawing/2014/main" xmlns="" w="9525">
                   <a:solidFill>
                     <a:srgbClr val="000000"/>
                   </a:solidFill>
@@ -22535,7 +22527,7 @@
             </a:ln>
             <a:extLst>
               <a:ext uri="{91240B29-F687-4f45-9708-019B960494DF}">
-                <a14:hiddenLine xmlns="" xmlns:a16="http://schemas.microsoft.com/office/drawing/2014/main" xmlns:p14="http://schemas.microsoft.com/office/powerpoint/2010/main" xmlns:dgm="http://schemas.openxmlformats.org/drawingml/2006/diagram" xmlns:a14="http://schemas.microsoft.com/office/drawing/2010/main" w="9525">
+                <a14:hiddenLine xmlns:a14="http://schemas.microsoft.com/office/drawing/2010/main" xmlns:dgm="http://schemas.openxmlformats.org/drawingml/2006/diagram" xmlns:p14="http://schemas.microsoft.com/office/powerpoint/2010/main" xmlns:a16="http://schemas.microsoft.com/office/drawing/2014/main" xmlns="" w="9525">
                   <a:solidFill>
                     <a:srgbClr val="000000"/>
                   </a:solidFill>
@@ -22647,7 +22639,7 @@
             </a:ln>
             <a:extLst>
               <a:ext uri="{91240B29-F687-4f45-9708-019B960494DF}">
-                <a14:hiddenLine xmlns="" xmlns:a16="http://schemas.microsoft.com/office/drawing/2014/main" xmlns:p14="http://schemas.microsoft.com/office/powerpoint/2010/main" xmlns:dgm="http://schemas.openxmlformats.org/drawingml/2006/diagram" xmlns:a14="http://schemas.microsoft.com/office/drawing/2010/main" w="9525">
+                <a14:hiddenLine xmlns:a14="http://schemas.microsoft.com/office/drawing/2010/main" xmlns:dgm="http://schemas.openxmlformats.org/drawingml/2006/diagram" xmlns:p14="http://schemas.microsoft.com/office/powerpoint/2010/main" xmlns:a16="http://schemas.microsoft.com/office/drawing/2014/main" xmlns="" w="9525">
                   <a:solidFill>
                     <a:srgbClr val="000000"/>
                   </a:solidFill>
@@ -22731,7 +22723,7 @@
             </a:ln>
             <a:extLst>
               <a:ext uri="{91240B29-F687-4f45-9708-019B960494DF}">
-                <a14:hiddenLine xmlns="" xmlns:a16="http://schemas.microsoft.com/office/drawing/2014/main" xmlns:p14="http://schemas.microsoft.com/office/powerpoint/2010/main" xmlns:dgm="http://schemas.openxmlformats.org/drawingml/2006/diagram" xmlns:a14="http://schemas.microsoft.com/office/drawing/2010/main" w="9525">
+                <a14:hiddenLine xmlns:a14="http://schemas.microsoft.com/office/drawing/2010/main" xmlns:dgm="http://schemas.openxmlformats.org/drawingml/2006/diagram" xmlns:p14="http://schemas.microsoft.com/office/powerpoint/2010/main" xmlns:a16="http://schemas.microsoft.com/office/drawing/2014/main" xmlns="" w="9525">
                   <a:solidFill>
                     <a:srgbClr val="000000"/>
                   </a:solidFill>
@@ -22863,7 +22855,7 @@
             </a:ln>
             <a:extLst>
               <a:ext uri="{91240B29-F687-4f45-9708-019B960494DF}">
-                <a14:hiddenLine xmlns="" xmlns:a16="http://schemas.microsoft.com/office/drawing/2014/main" xmlns:p14="http://schemas.microsoft.com/office/powerpoint/2010/main" xmlns:dgm="http://schemas.openxmlformats.org/drawingml/2006/diagram" xmlns:a14="http://schemas.microsoft.com/office/drawing/2010/main" w="9525">
+                <a14:hiddenLine xmlns:a14="http://schemas.microsoft.com/office/drawing/2010/main" xmlns:dgm="http://schemas.openxmlformats.org/drawingml/2006/diagram" xmlns:p14="http://schemas.microsoft.com/office/powerpoint/2010/main" xmlns:a16="http://schemas.microsoft.com/office/drawing/2014/main" xmlns="" w="9525">
                   <a:solidFill>
                     <a:srgbClr val="000000"/>
                   </a:solidFill>
@@ -22991,7 +22983,7 @@
             </a:ln>
             <a:extLst>
               <a:ext uri="{91240B29-F687-4f45-9708-019B960494DF}">
-                <a14:hiddenLine xmlns="" xmlns:a16="http://schemas.microsoft.com/office/drawing/2014/main" xmlns:p14="http://schemas.microsoft.com/office/powerpoint/2010/main" xmlns:dgm="http://schemas.openxmlformats.org/drawingml/2006/diagram" xmlns:a14="http://schemas.microsoft.com/office/drawing/2010/main" w="9525">
+                <a14:hiddenLine xmlns:a14="http://schemas.microsoft.com/office/drawing/2010/main" xmlns:dgm="http://schemas.openxmlformats.org/drawingml/2006/diagram" xmlns:p14="http://schemas.microsoft.com/office/powerpoint/2010/main" xmlns:a16="http://schemas.microsoft.com/office/drawing/2014/main" xmlns="" w="9525">
                   <a:solidFill>
                     <a:srgbClr val="000000"/>
                   </a:solidFill>
@@ -23075,7 +23067,7 @@
             </a:ln>
             <a:extLst>
               <a:ext uri="{91240B29-F687-4f45-9708-019B960494DF}">
-                <a14:hiddenLine xmlns="" xmlns:a16="http://schemas.microsoft.com/office/drawing/2014/main" xmlns:p14="http://schemas.microsoft.com/office/powerpoint/2010/main" xmlns:dgm="http://schemas.openxmlformats.org/drawingml/2006/diagram" xmlns:a14="http://schemas.microsoft.com/office/drawing/2010/main" w="9525">
+                <a14:hiddenLine xmlns:a14="http://schemas.microsoft.com/office/drawing/2010/main" xmlns:dgm="http://schemas.openxmlformats.org/drawingml/2006/diagram" xmlns:p14="http://schemas.microsoft.com/office/powerpoint/2010/main" xmlns:a16="http://schemas.microsoft.com/office/drawing/2014/main" xmlns="" w="9525">
                   <a:solidFill>
                     <a:srgbClr val="000000"/>
                   </a:solidFill>
@@ -23159,7 +23151,7 @@
             </a:ln>
             <a:extLst>
               <a:ext uri="{91240B29-F687-4f45-9708-019B960494DF}">
-                <a14:hiddenLine xmlns="" xmlns:a16="http://schemas.microsoft.com/office/drawing/2014/main" xmlns:p14="http://schemas.microsoft.com/office/powerpoint/2010/main" xmlns:dgm="http://schemas.openxmlformats.org/drawingml/2006/diagram" xmlns:a14="http://schemas.microsoft.com/office/drawing/2010/main" w="9525">
+                <a14:hiddenLine xmlns:a14="http://schemas.microsoft.com/office/drawing/2010/main" xmlns:dgm="http://schemas.openxmlformats.org/drawingml/2006/diagram" xmlns:p14="http://schemas.microsoft.com/office/powerpoint/2010/main" xmlns:a16="http://schemas.microsoft.com/office/drawing/2014/main" xmlns="" w="9525">
                   <a:solidFill>
                     <a:srgbClr val="000000"/>
                   </a:solidFill>
@@ -23271,7 +23263,7 @@
             </a:ln>
             <a:extLst>
               <a:ext uri="{91240B29-F687-4f45-9708-019B960494DF}">
-                <a14:hiddenLine xmlns="" xmlns:a16="http://schemas.microsoft.com/office/drawing/2014/main" xmlns:p14="http://schemas.microsoft.com/office/powerpoint/2010/main" xmlns:dgm="http://schemas.openxmlformats.org/drawingml/2006/diagram" xmlns:a14="http://schemas.microsoft.com/office/drawing/2010/main" w="9525">
+                <a14:hiddenLine xmlns:a14="http://schemas.microsoft.com/office/drawing/2010/main" xmlns:dgm="http://schemas.openxmlformats.org/drawingml/2006/diagram" xmlns:p14="http://schemas.microsoft.com/office/powerpoint/2010/main" xmlns:a16="http://schemas.microsoft.com/office/drawing/2014/main" xmlns="" w="9525">
                   <a:solidFill>
                     <a:srgbClr val="000000"/>
                   </a:solidFill>
@@ -23327,7 +23319,7 @@
             </a:ln>
             <a:extLst>
               <a:ext uri="{91240B29-F687-4f45-9708-019B960494DF}">
-                <a14:hiddenLine xmlns="" xmlns:a16="http://schemas.microsoft.com/office/drawing/2014/main" xmlns:p14="http://schemas.microsoft.com/office/powerpoint/2010/main" xmlns:dgm="http://schemas.openxmlformats.org/drawingml/2006/diagram" xmlns:a14="http://schemas.microsoft.com/office/drawing/2010/main" w="9525">
+                <a14:hiddenLine xmlns:a14="http://schemas.microsoft.com/office/drawing/2010/main" xmlns:dgm="http://schemas.openxmlformats.org/drawingml/2006/diagram" xmlns:p14="http://schemas.microsoft.com/office/powerpoint/2010/main" xmlns:a16="http://schemas.microsoft.com/office/drawing/2014/main" xmlns="" w="9525">
                   <a:solidFill>
                     <a:srgbClr val="000000"/>
                   </a:solidFill>
@@ -23414,7 +23406,7 @@
             </a:ln>
             <a:extLst>
               <a:ext uri="{91240B29-F687-4f45-9708-019B960494DF}">
-                <a14:hiddenLine xmlns="" xmlns:a16="http://schemas.microsoft.com/office/drawing/2014/main" xmlns:p14="http://schemas.microsoft.com/office/powerpoint/2010/main" xmlns:dgm="http://schemas.openxmlformats.org/drawingml/2006/diagram" xmlns:a14="http://schemas.microsoft.com/office/drawing/2010/main" w="9525">
+                <a14:hiddenLine xmlns:a14="http://schemas.microsoft.com/office/drawing/2010/main" xmlns:dgm="http://schemas.openxmlformats.org/drawingml/2006/diagram" xmlns:p14="http://schemas.microsoft.com/office/powerpoint/2010/main" xmlns:a16="http://schemas.microsoft.com/office/drawing/2014/main" xmlns="" w="9525">
                   <a:solidFill>
                     <a:srgbClr val="000000"/>
                   </a:solidFill>
@@ -23526,7 +23518,7 @@
             </a:ln>
             <a:extLst>
               <a:ext uri="{91240B29-F687-4f45-9708-019B960494DF}">
-                <a14:hiddenLine xmlns="" xmlns:a16="http://schemas.microsoft.com/office/drawing/2014/main" xmlns:p14="http://schemas.microsoft.com/office/powerpoint/2010/main" xmlns:dgm="http://schemas.openxmlformats.org/drawingml/2006/diagram" xmlns:a14="http://schemas.microsoft.com/office/drawing/2010/main" w="9525">
+                <a14:hiddenLine xmlns:a14="http://schemas.microsoft.com/office/drawing/2010/main" xmlns:dgm="http://schemas.openxmlformats.org/drawingml/2006/diagram" xmlns:p14="http://schemas.microsoft.com/office/powerpoint/2010/main" xmlns:a16="http://schemas.microsoft.com/office/drawing/2014/main" xmlns="" w="9525">
                   <a:solidFill>
                     <a:srgbClr val="000000"/>
                   </a:solidFill>
@@ -23610,7 +23602,7 @@
             </a:ln>
             <a:extLst>
               <a:ext uri="{91240B29-F687-4f45-9708-019B960494DF}">
-                <a14:hiddenLine xmlns="" xmlns:a16="http://schemas.microsoft.com/office/drawing/2014/main" xmlns:p14="http://schemas.microsoft.com/office/powerpoint/2010/main" xmlns:dgm="http://schemas.openxmlformats.org/drawingml/2006/diagram" xmlns:a14="http://schemas.microsoft.com/office/drawing/2010/main" w="9525">
+                <a14:hiddenLine xmlns:a14="http://schemas.microsoft.com/office/drawing/2010/main" xmlns:dgm="http://schemas.openxmlformats.org/drawingml/2006/diagram" xmlns:p14="http://schemas.microsoft.com/office/powerpoint/2010/main" xmlns:a16="http://schemas.microsoft.com/office/drawing/2014/main" xmlns="" w="9525">
                   <a:solidFill>
                     <a:srgbClr val="000000"/>
                   </a:solidFill>
@@ -23722,7 +23714,7 @@
             </a:ln>
             <a:extLst>
               <a:ext uri="{91240B29-F687-4f45-9708-019B960494DF}">
-                <a14:hiddenLine xmlns="" xmlns:a16="http://schemas.microsoft.com/office/drawing/2014/main" xmlns:p14="http://schemas.microsoft.com/office/powerpoint/2010/main" xmlns:dgm="http://schemas.openxmlformats.org/drawingml/2006/diagram" xmlns:a14="http://schemas.microsoft.com/office/drawing/2010/main" w="9525">
+                <a14:hiddenLine xmlns:a14="http://schemas.microsoft.com/office/drawing/2010/main" xmlns:dgm="http://schemas.openxmlformats.org/drawingml/2006/diagram" xmlns:p14="http://schemas.microsoft.com/office/powerpoint/2010/main" xmlns:a16="http://schemas.microsoft.com/office/drawing/2014/main" xmlns="" w="9525">
                   <a:solidFill>
                     <a:srgbClr val="000000"/>
                   </a:solidFill>
@@ -23809,7 +23801,7 @@
             </a:ln>
             <a:extLst>
               <a:ext uri="{91240B29-F687-4f45-9708-019B960494DF}">
-                <a14:hiddenLine xmlns="" xmlns:a16="http://schemas.microsoft.com/office/drawing/2014/main" xmlns:p14="http://schemas.microsoft.com/office/powerpoint/2010/main" xmlns:dgm="http://schemas.openxmlformats.org/drawingml/2006/diagram" xmlns:a14="http://schemas.microsoft.com/office/drawing/2010/main" w="9525">
+                <a14:hiddenLine xmlns:a14="http://schemas.microsoft.com/office/drawing/2010/main" xmlns:dgm="http://schemas.openxmlformats.org/drawingml/2006/diagram" xmlns:p14="http://schemas.microsoft.com/office/powerpoint/2010/main" xmlns:a16="http://schemas.microsoft.com/office/drawing/2014/main" xmlns="" w="9525">
                   <a:solidFill>
                     <a:srgbClr val="000000"/>
                   </a:solidFill>
@@ -23893,7 +23885,7 @@
             </a:ln>
             <a:extLst>
               <a:ext uri="{91240B29-F687-4f45-9708-019B960494DF}">
-                <a14:hiddenLine xmlns="" xmlns:a16="http://schemas.microsoft.com/office/drawing/2014/main" xmlns:p14="http://schemas.microsoft.com/office/powerpoint/2010/main" xmlns:dgm="http://schemas.openxmlformats.org/drawingml/2006/diagram" xmlns:a14="http://schemas.microsoft.com/office/drawing/2010/main" w="9525">
+                <a14:hiddenLine xmlns:a14="http://schemas.microsoft.com/office/drawing/2010/main" xmlns:dgm="http://schemas.openxmlformats.org/drawingml/2006/diagram" xmlns:p14="http://schemas.microsoft.com/office/powerpoint/2010/main" xmlns:a16="http://schemas.microsoft.com/office/drawing/2014/main" xmlns="" w="9525">
                   <a:solidFill>
                     <a:srgbClr val="000000"/>
                   </a:solidFill>
@@ -24005,7 +23997,7 @@
             </a:ln>
             <a:extLst>
               <a:ext uri="{91240B29-F687-4f45-9708-019B960494DF}">
-                <a14:hiddenLine xmlns="" xmlns:a16="http://schemas.microsoft.com/office/drawing/2014/main" xmlns:p14="http://schemas.microsoft.com/office/powerpoint/2010/main" xmlns:dgm="http://schemas.openxmlformats.org/drawingml/2006/diagram" xmlns:a14="http://schemas.microsoft.com/office/drawing/2010/main" w="9525">
+                <a14:hiddenLine xmlns:a14="http://schemas.microsoft.com/office/drawing/2010/main" xmlns:dgm="http://schemas.openxmlformats.org/drawingml/2006/diagram" xmlns:p14="http://schemas.microsoft.com/office/powerpoint/2010/main" xmlns:a16="http://schemas.microsoft.com/office/drawing/2014/main" xmlns="" w="9525">
                   <a:solidFill>
                     <a:srgbClr val="000000"/>
                   </a:solidFill>
@@ -24117,7 +24109,7 @@
             </a:ln>
             <a:extLst>
               <a:ext uri="{91240B29-F687-4f45-9708-019B960494DF}">
-                <a14:hiddenLine xmlns="" xmlns:a16="http://schemas.microsoft.com/office/drawing/2014/main" xmlns:p14="http://schemas.microsoft.com/office/powerpoint/2010/main" xmlns:dgm="http://schemas.openxmlformats.org/drawingml/2006/diagram" xmlns:a14="http://schemas.microsoft.com/office/drawing/2010/main" w="9525">
+                <a14:hiddenLine xmlns:a14="http://schemas.microsoft.com/office/drawing/2010/main" xmlns:dgm="http://schemas.openxmlformats.org/drawingml/2006/diagram" xmlns:p14="http://schemas.microsoft.com/office/powerpoint/2010/main" xmlns:a16="http://schemas.microsoft.com/office/drawing/2014/main" xmlns="" w="9525">
                   <a:solidFill>
                     <a:srgbClr val="000000"/>
                   </a:solidFill>
@@ -24204,7 +24196,7 @@
             </a:ln>
             <a:extLst>
               <a:ext uri="{91240B29-F687-4f45-9708-019B960494DF}">
-                <a14:hiddenLine xmlns="" xmlns:a16="http://schemas.microsoft.com/office/drawing/2014/main" xmlns:p14="http://schemas.microsoft.com/office/powerpoint/2010/main" xmlns:dgm="http://schemas.openxmlformats.org/drawingml/2006/diagram" xmlns:a14="http://schemas.microsoft.com/office/drawing/2010/main" w="9525">
+                <a14:hiddenLine xmlns:a14="http://schemas.microsoft.com/office/drawing/2010/main" xmlns:dgm="http://schemas.openxmlformats.org/drawingml/2006/diagram" xmlns:p14="http://schemas.microsoft.com/office/powerpoint/2010/main" xmlns:a16="http://schemas.microsoft.com/office/drawing/2014/main" xmlns="" w="9525">
                   <a:solidFill>
                     <a:srgbClr val="000000"/>
                   </a:solidFill>
@@ -24346,7 +24338,7 @@
             </a:ln>
             <a:extLst>
               <a:ext uri="{91240B29-F687-4f45-9708-019B960494DF}">
-                <a14:hiddenLine xmlns="" xmlns:a16="http://schemas.microsoft.com/office/drawing/2014/main" xmlns:p14="http://schemas.microsoft.com/office/powerpoint/2010/main" xmlns:dgm="http://schemas.openxmlformats.org/drawingml/2006/diagram" xmlns:a14="http://schemas.microsoft.com/office/drawing/2010/main" w="9525">
+                <a14:hiddenLine xmlns:a14="http://schemas.microsoft.com/office/drawing/2010/main" xmlns:dgm="http://schemas.openxmlformats.org/drawingml/2006/diagram" xmlns:p14="http://schemas.microsoft.com/office/powerpoint/2010/main" xmlns:a16="http://schemas.microsoft.com/office/drawing/2014/main" xmlns="" w="9525">
                   <a:solidFill>
                     <a:srgbClr val="000000"/>
                   </a:solidFill>
@@ -24414,7 +24406,7 @@
           <a:noFill/>
           <a:extLst>
             <a:ext uri="{909E8E84-426E-40dd-AFC4-6F175D3DCCD1}">
-              <a14:hiddenFill xmlns="" xmlns:a16="http://schemas.microsoft.com/office/drawing/2014/main" xmlns:p14="http://schemas.microsoft.com/office/powerpoint/2010/main" xmlns:dgm="http://schemas.openxmlformats.org/drawingml/2006/diagram" xmlns:a14="http://schemas.microsoft.com/office/drawing/2010/main">
+              <a14:hiddenFill xmlns:a14="http://schemas.microsoft.com/office/drawing/2010/main" xmlns:dgm="http://schemas.openxmlformats.org/drawingml/2006/diagram" xmlns:p14="http://schemas.microsoft.com/office/powerpoint/2010/main" xmlns:a16="http://schemas.microsoft.com/office/drawing/2014/main" xmlns="">
                 <a:solidFill>
                   <a:srgbClr val="FFFFFF"/>
                 </a:solidFill>
